--- a/project/tic-tac-tile.pptx
+++ b/project/tic-tac-tile.pptx
@@ -64,19 +64,148 @@
             <a:noAutofit/>
           </a:bodyPr>
           <a:p>
-            <a:r>
-              <a:rPr b="0" lang="en-US" sz="2000" spc="-1" strike="noStrike">
-                <a:solidFill>
-                  <a:srgbClr val="0000b6"/>
-                </a:solidFill>
+            <a:pPr algn="ctr">
+              <a:buNone/>
+            </a:pPr>
+            <a:r>
+              <a:rPr b="0" lang="en-US" sz="4400" spc="-1" strike="noStrike">
                 <a:latin typeface="Arial"/>
               </a:rPr>
-              <a:t>Click to move the slide</a:t>
-            </a:r>
-            <a:endParaRPr b="0" lang="en-US" sz="2000" spc="-1" strike="noStrike">
-              <a:solidFill>
-                <a:srgbClr val="0000b6"/>
-              </a:solidFill>
+              <a:t>C</a:t>
+            </a:r>
+            <a:r>
+              <a:rPr b="0" lang="en-US" sz="4400" spc="-1" strike="noStrike">
+                <a:latin typeface="Arial"/>
+              </a:rPr>
+              <a:t>l</a:t>
+            </a:r>
+            <a:r>
+              <a:rPr b="0" lang="en-US" sz="4400" spc="-1" strike="noStrike">
+                <a:latin typeface="Arial"/>
+              </a:rPr>
+              <a:t>i</a:t>
+            </a:r>
+            <a:r>
+              <a:rPr b="0" lang="en-US" sz="4400" spc="-1" strike="noStrike">
+                <a:latin typeface="Arial"/>
+              </a:rPr>
+              <a:t>c</a:t>
+            </a:r>
+            <a:r>
+              <a:rPr b="0" lang="en-US" sz="4400" spc="-1" strike="noStrike">
+                <a:latin typeface="Arial"/>
+              </a:rPr>
+              <a:t>k</a:t>
+            </a:r>
+            <a:r>
+              <a:rPr b="0" lang="en-US" sz="4400" spc="-1" strike="noStrike">
+                <a:latin typeface="Arial"/>
+              </a:rPr>
+              <a:t> </a:t>
+            </a:r>
+            <a:r>
+              <a:rPr b="0" lang="en-US" sz="4400" spc="-1" strike="noStrike">
+                <a:latin typeface="Arial"/>
+              </a:rPr>
+              <a:t>t</a:t>
+            </a:r>
+            <a:r>
+              <a:rPr b="0" lang="en-US" sz="4400" spc="-1" strike="noStrike">
+                <a:latin typeface="Arial"/>
+              </a:rPr>
+              <a:t>o</a:t>
+            </a:r>
+            <a:r>
+              <a:rPr b="0" lang="en-US" sz="4400" spc="-1" strike="noStrike">
+                <a:latin typeface="Arial"/>
+              </a:rPr>
+              <a:t> </a:t>
+            </a:r>
+            <a:r>
+              <a:rPr b="0" lang="en-US" sz="4400" spc="-1" strike="noStrike">
+                <a:latin typeface="Arial"/>
+              </a:rPr>
+              <a:t>m</a:t>
+            </a:r>
+            <a:r>
+              <a:rPr b="0" lang="en-US" sz="4400" spc="-1" strike="noStrike">
+                <a:latin typeface="Arial"/>
+              </a:rPr>
+              <a:t>o</a:t>
+            </a:r>
+            <a:r>
+              <a:rPr b="0" lang="en-US" sz="4400" spc="-1" strike="noStrike">
+                <a:latin typeface="Arial"/>
+              </a:rPr>
+              <a:t>v</a:t>
+            </a:r>
+            <a:r>
+              <a:rPr b="0" lang="en-US" sz="4400" spc="-1" strike="noStrike">
+                <a:latin typeface="Arial"/>
+              </a:rPr>
+              <a:t>e</a:t>
+            </a:r>
+            <a:r>
+              <a:rPr b="0" lang="en-US" sz="4400" spc="-1" strike="noStrike">
+                <a:latin typeface="Arial"/>
+              </a:rPr>
+              <a:t> </a:t>
+            </a:r>
+            <a:r>
+              <a:rPr b="0" lang="en-US" sz="4400" spc="-1" strike="noStrike">
+                <a:latin typeface="Arial"/>
+              </a:rPr>
+              <a:t>t</a:t>
+            </a:r>
+            <a:r>
+              <a:rPr b="0" lang="en-US" sz="4400" spc="-1" strike="noStrike">
+                <a:latin typeface="Arial"/>
+              </a:rPr>
+              <a:t>h</a:t>
+            </a:r>
+            <a:r>
+              <a:rPr b="0" lang="en-US" sz="4400" spc="-1" strike="noStrike">
+                <a:latin typeface="Arial"/>
+              </a:rPr>
+              <a:t>e</a:t>
+            </a:r>
+            <a:r>
+              <a:rPr b="0" lang="en-US" sz="4400" spc="-1" strike="noStrike">
+                <a:latin typeface="Arial"/>
+              </a:rPr>
+              <a:t> </a:t>
+            </a:r>
+            <a:r>
+              <a:rPr b="0" lang="en-US" sz="4400" spc="-1" strike="noStrike">
+                <a:latin typeface="Arial"/>
+              </a:rPr>
+              <a:t>s</a:t>
+            </a:r>
+            <a:r>
+              <a:rPr b="0" lang="en-US" sz="4400" spc="-1" strike="noStrike">
+                <a:latin typeface="Arial"/>
+              </a:rPr>
+              <a:t>l</a:t>
+            </a:r>
+            <a:r>
+              <a:rPr b="0" lang="en-US" sz="4400" spc="-1" strike="noStrike">
+                <a:latin typeface="Arial"/>
+              </a:rPr>
+              <a:t>i</a:t>
+            </a:r>
+            <a:r>
+              <a:rPr b="0" lang="en-US" sz="4400" spc="-1" strike="noStrike">
+                <a:latin typeface="Arial"/>
+              </a:rPr>
+              <a:t>d</a:t>
+            </a:r>
+            <a:r>
+              <a:rPr b="0" lang="en-US" sz="4400" spc="-1" strike="noStrike">
+                <a:latin typeface="Arial"/>
+              </a:rPr>
+              <a:t>e</a:t>
+            </a:r>
+            <a:endParaRPr b="0" lang="en-US" sz="4400" spc="-1" strike="noStrike">
               <a:latin typeface="Arial"/>
             </a:endParaRPr>
           </a:p>
@@ -299,7 +428,7 @@
             <a:pPr algn="r">
               <a:buNone/>
             </a:pPr>
-            <a:fld id="{3DCA197F-C197-4D26-9C16-B21B43670465}" type="slidenum">
+            <a:fld id="{3FAC29D7-6927-4AAC-9D92-8C3CCAEBC4C2}" type="slidenum">
               <a:rPr b="0" lang="en-US" sz="1400" spc="-1" strike="noStrike">
                 <a:latin typeface="Times New Roman"/>
               </a:rPr>
@@ -336,7 +465,7 @@
       </p:grpSpPr>
       <p:sp>
         <p:nvSpPr>
-          <p:cNvPr id="140" name="PlaceHolder 1"/>
+          <p:cNvPr id="142" name="PlaceHolder 1"/>
           <p:cNvSpPr>
             <a:spLocks noGrp="1"/>
           </p:cNvSpPr>
@@ -347,7 +476,7 @@
         <p:spPr>
           <a:xfrm>
             <a:off x="4048200" y="9712440"/>
-            <a:ext cx="3036600" cy="506160"/>
+            <a:ext cx="3036240" cy="505800"/>
           </a:xfrm>
           <a:prstGeom prst="rect">
             <a:avLst/>
@@ -382,7 +511,7 @@
               </a:lnSpc>
               <a:buNone/>
             </a:pPr>
-            <a:fld id="{FFF22DB9-607E-4AAC-9686-D3526689BC8E}" type="slidenum">
+            <a:fld id="{F5E67644-E933-410E-A1B2-3914D7F0666B}" type="slidenum">
               <a:rPr b="0" lang="en-US" sz="1400" spc="-1" strike="noStrike">
                 <a:solidFill>
                   <a:srgbClr val="000000"/>
@@ -399,7 +528,7 @@
       </p:sp>
       <p:sp>
         <p:nvSpPr>
-          <p:cNvPr id="141" name="PlaceHolder 2"/>
+          <p:cNvPr id="143" name="PlaceHolder 2"/>
           <p:cNvSpPr>
             <a:spLocks noGrp="1"/>
           </p:cNvSpPr>
@@ -410,19 +539,19 @@
         <p:spPr>
           <a:xfrm>
             <a:off x="955800" y="758880"/>
-            <a:ext cx="5182920" cy="3887280"/>
-          </a:xfrm>
-          <a:prstGeom prst="rect">
-            <a:avLst/>
-          </a:prstGeom>
-          <a:ln w="0">
-            <a:noFill/>
-          </a:ln>
-        </p:spPr>
-      </p:sp>
-      <p:sp>
-        <p:nvSpPr>
-          <p:cNvPr id="142" name="PlaceHolder 3"/>
+            <a:ext cx="5182560" cy="3886920"/>
+          </a:xfrm>
+          <a:prstGeom prst="rect">
+            <a:avLst/>
+          </a:prstGeom>
+          <a:ln w="0">
+            <a:noFill/>
+          </a:ln>
+        </p:spPr>
+      </p:sp>
+      <p:sp>
+        <p:nvSpPr>
+          <p:cNvPr id="144" name="PlaceHolder 3"/>
           <p:cNvSpPr>
             <a:spLocks noGrp="1"/>
           </p:cNvSpPr>
@@ -433,7 +562,7 @@
         <p:spPr>
           <a:xfrm>
             <a:off x="934920" y="4897440"/>
-            <a:ext cx="5217840" cy="4562280"/>
+            <a:ext cx="5217480" cy="4561920"/>
           </a:xfrm>
           <a:prstGeom prst="rect">
             <a:avLst/>
@@ -478,7 +607,7 @@
       </p:grpSpPr>
       <p:sp>
         <p:nvSpPr>
-          <p:cNvPr id="143" name="PlaceHolder 1"/>
+          <p:cNvPr id="145" name="PlaceHolder 1"/>
           <p:cNvSpPr>
             <a:spLocks noGrp="1"/>
           </p:cNvSpPr>
@@ -489,7 +618,7 @@
         <p:spPr>
           <a:xfrm>
             <a:off x="4048200" y="9712440"/>
-            <a:ext cx="3036600" cy="506160"/>
+            <a:ext cx="3036240" cy="505800"/>
           </a:xfrm>
           <a:prstGeom prst="rect">
             <a:avLst/>
@@ -524,7 +653,7 @@
               </a:lnSpc>
               <a:buNone/>
             </a:pPr>
-            <a:fld id="{3283436F-4D26-4872-BDD8-EF28DEB3F702}" type="slidenum">
+            <a:fld id="{0BEA7657-E05C-4F71-89E6-00378F2A12ED}" type="slidenum">
               <a:rPr b="0" lang="en-US" sz="1400" spc="-1" strike="noStrike">
                 <a:solidFill>
                   <a:srgbClr val="000000"/>
@@ -541,7 +670,7 @@
       </p:sp>
       <p:sp>
         <p:nvSpPr>
-          <p:cNvPr id="144" name="PlaceHolder 2"/>
+          <p:cNvPr id="146" name="PlaceHolder 2"/>
           <p:cNvSpPr>
             <a:spLocks noGrp="1"/>
           </p:cNvSpPr>
@@ -552,19 +681,19 @@
         <p:spPr>
           <a:xfrm>
             <a:off x="993600" y="765000"/>
-            <a:ext cx="5117760" cy="3838320"/>
-          </a:xfrm>
-          <a:prstGeom prst="rect">
-            <a:avLst/>
-          </a:prstGeom>
-          <a:ln w="0">
-            <a:noFill/>
-          </a:ln>
-        </p:spPr>
-      </p:sp>
-      <p:sp>
-        <p:nvSpPr>
-          <p:cNvPr id="145" name="PlaceHolder 3"/>
+            <a:ext cx="5117400" cy="3837960"/>
+          </a:xfrm>
+          <a:prstGeom prst="rect">
+            <a:avLst/>
+          </a:prstGeom>
+          <a:ln w="0">
+            <a:noFill/>
+          </a:ln>
+        </p:spPr>
+      </p:sp>
+      <p:sp>
+        <p:nvSpPr>
+          <p:cNvPr id="147" name="PlaceHolder 3"/>
           <p:cNvSpPr>
             <a:spLocks noGrp="1"/>
           </p:cNvSpPr>
@@ -575,7 +704,7 @@
         <p:spPr>
           <a:xfrm>
             <a:off x="709560" y="4861080"/>
-            <a:ext cx="5679720" cy="4608000"/>
+            <a:ext cx="5679360" cy="4607640"/>
           </a:xfrm>
           <a:prstGeom prst="rect">
             <a:avLst/>
@@ -620,7 +749,7 @@
       </p:grpSpPr>
       <p:sp>
         <p:nvSpPr>
-          <p:cNvPr id="146" name="PlaceHolder 1"/>
+          <p:cNvPr id="148" name="PlaceHolder 1"/>
           <p:cNvSpPr>
             <a:spLocks noGrp="1"/>
           </p:cNvSpPr>
@@ -631,7 +760,7 @@
         <p:spPr>
           <a:xfrm>
             <a:off x="4048200" y="9712440"/>
-            <a:ext cx="3036600" cy="506160"/>
+            <a:ext cx="3036240" cy="505800"/>
           </a:xfrm>
           <a:prstGeom prst="rect">
             <a:avLst/>
@@ -666,7 +795,7 @@
               </a:lnSpc>
               <a:buNone/>
             </a:pPr>
-            <a:fld id="{F32313E3-8928-4FD4-94E8-2142F776F4B3}" type="slidenum">
+            <a:fld id="{A4DCC97C-9F80-4A2F-801B-446421864EE6}" type="slidenum">
               <a:rPr b="0" lang="en-US" sz="1400" spc="-1" strike="noStrike">
                 <a:solidFill>
                   <a:srgbClr val="000000"/>
@@ -683,7 +812,7 @@
       </p:sp>
       <p:sp>
         <p:nvSpPr>
-          <p:cNvPr id="147" name="PlaceHolder 2"/>
+          <p:cNvPr id="149" name="PlaceHolder 2"/>
           <p:cNvSpPr>
             <a:spLocks noGrp="1"/>
           </p:cNvSpPr>
@@ -694,19 +823,19 @@
         <p:spPr>
           <a:xfrm>
             <a:off x="993600" y="765000"/>
-            <a:ext cx="5117760" cy="3838320"/>
-          </a:xfrm>
-          <a:prstGeom prst="rect">
-            <a:avLst/>
-          </a:prstGeom>
-          <a:ln w="0">
-            <a:noFill/>
-          </a:ln>
-        </p:spPr>
-      </p:sp>
-      <p:sp>
-        <p:nvSpPr>
-          <p:cNvPr id="148" name="PlaceHolder 3"/>
+            <a:ext cx="5117400" cy="3837960"/>
+          </a:xfrm>
+          <a:prstGeom prst="rect">
+            <a:avLst/>
+          </a:prstGeom>
+          <a:ln w="0">
+            <a:noFill/>
+          </a:ln>
+        </p:spPr>
+      </p:sp>
+      <p:sp>
+        <p:nvSpPr>
+          <p:cNvPr id="150" name="PlaceHolder 3"/>
           <p:cNvSpPr>
             <a:spLocks noGrp="1"/>
           </p:cNvSpPr>
@@ -717,7 +846,7 @@
         <p:spPr>
           <a:xfrm>
             <a:off x="709560" y="4861080"/>
-            <a:ext cx="5679720" cy="4608000"/>
+            <a:ext cx="5679360" cy="4607640"/>
           </a:xfrm>
           <a:prstGeom prst="rect">
             <a:avLst/>
@@ -762,7 +891,7 @@
       </p:grpSpPr>
       <p:sp>
         <p:nvSpPr>
-          <p:cNvPr id="149" name="PlaceHolder 1"/>
+          <p:cNvPr id="151" name="PlaceHolder 1"/>
           <p:cNvSpPr>
             <a:spLocks noGrp="1"/>
           </p:cNvSpPr>
@@ -773,7 +902,7 @@
         <p:spPr>
           <a:xfrm>
             <a:off x="4048200" y="9712440"/>
-            <a:ext cx="3036600" cy="506160"/>
+            <a:ext cx="3036240" cy="505800"/>
           </a:xfrm>
           <a:prstGeom prst="rect">
             <a:avLst/>
@@ -808,7 +937,7 @@
               </a:lnSpc>
               <a:buNone/>
             </a:pPr>
-            <a:fld id="{B15BE045-C8CE-4175-BDE6-AD66E55F879F}" type="slidenum">
+            <a:fld id="{D86DD1D7-4E41-498E-9C58-CC936A61FAA3}" type="slidenum">
               <a:rPr b="0" lang="en-US" sz="1400" spc="-1" strike="noStrike">
                 <a:solidFill>
                   <a:srgbClr val="000000"/>
@@ -825,7 +954,7 @@
       </p:sp>
       <p:sp>
         <p:nvSpPr>
-          <p:cNvPr id="150" name="PlaceHolder 2"/>
+          <p:cNvPr id="152" name="PlaceHolder 2"/>
           <p:cNvSpPr>
             <a:spLocks noGrp="1"/>
           </p:cNvSpPr>
@@ -836,19 +965,19 @@
         <p:spPr>
           <a:xfrm>
             <a:off x="993600" y="765000"/>
-            <a:ext cx="5117760" cy="3838320"/>
-          </a:xfrm>
-          <a:prstGeom prst="rect">
-            <a:avLst/>
-          </a:prstGeom>
-          <a:ln w="0">
-            <a:noFill/>
-          </a:ln>
-        </p:spPr>
-      </p:sp>
-      <p:sp>
-        <p:nvSpPr>
-          <p:cNvPr id="151" name="PlaceHolder 3"/>
+            <a:ext cx="5117400" cy="3837960"/>
+          </a:xfrm>
+          <a:prstGeom prst="rect">
+            <a:avLst/>
+          </a:prstGeom>
+          <a:ln w="0">
+            <a:noFill/>
+          </a:ln>
+        </p:spPr>
+      </p:sp>
+      <p:sp>
+        <p:nvSpPr>
+          <p:cNvPr id="153" name="PlaceHolder 3"/>
           <p:cNvSpPr>
             <a:spLocks noGrp="1"/>
           </p:cNvSpPr>
@@ -859,7 +988,7 @@
         <p:spPr>
           <a:xfrm>
             <a:off x="709560" y="4861080"/>
-            <a:ext cx="5679720" cy="4608000"/>
+            <a:ext cx="5679360" cy="4607640"/>
           </a:xfrm>
           <a:prstGeom prst="rect">
             <a:avLst/>
@@ -936,8 +1065,8 @@
         </p:nvSpPr>
         <p:spPr>
           <a:xfrm>
-            <a:off x="1371600" y="152280"/>
-            <a:ext cx="7543440" cy="791640"/>
+            <a:off x="457200" y="273600"/>
+            <a:ext cx="8229240" cy="1144800"/>
           </a:xfrm>
           <a:prstGeom prst="rect">
             <a:avLst/>
@@ -952,10 +1081,10 @@
             <a:noAutofit/>
           </a:bodyPr>
           <a:p>
-            <a:endParaRPr b="0" lang="en-US" sz="2000" spc="-1" strike="noStrike">
-              <a:solidFill>
-                <a:srgbClr val="0000b6"/>
-              </a:solidFill>
+            <a:pPr algn="ctr">
+              <a:buNone/>
+            </a:pPr>
+            <a:endParaRPr b="0" lang="en-US" sz="4400" spc="-1" strike="noStrike">
               <a:latin typeface="Arial"/>
             </a:endParaRPr>
           </a:p>
@@ -973,8 +1102,8 @@
         </p:nvSpPr>
         <p:spPr>
           <a:xfrm>
-            <a:off x="343080" y="1447920"/>
-            <a:ext cx="8572320" cy="2231280"/>
+            <a:off x="457200" y="1604520"/>
+            <a:ext cx="8229240" cy="1896840"/>
           </a:xfrm>
           <a:prstGeom prst="rect">
             <a:avLst/>
@@ -989,10 +1118,7 @@
             <a:normAutofit/>
           </a:bodyPr>
           <a:p>
-            <a:endParaRPr b="0" lang="en-US" sz="2400" spc="-1" strike="noStrike">
-              <a:solidFill>
-                <a:srgbClr val="000000"/>
-              </a:solidFill>
+            <a:endParaRPr b="0" lang="en-US" sz="3200" spc="-1" strike="noStrike">
               <a:latin typeface="Arial"/>
             </a:endParaRPr>
           </a:p>
@@ -1010,8 +1136,8 @@
         </p:nvSpPr>
         <p:spPr>
           <a:xfrm>
-            <a:off x="343080" y="3891600"/>
-            <a:ext cx="8572320" cy="2231280"/>
+            <a:off x="457200" y="3682080"/>
+            <a:ext cx="8229240" cy="1896840"/>
           </a:xfrm>
           <a:prstGeom prst="rect">
             <a:avLst/>
@@ -1026,10 +1152,7 @@
             <a:normAutofit/>
           </a:bodyPr>
           <a:p>
-            <a:endParaRPr b="0" lang="en-US" sz="2400" spc="-1" strike="noStrike">
-              <a:solidFill>
-                <a:srgbClr val="000000"/>
-              </a:solidFill>
+            <a:endParaRPr b="0" lang="en-US" sz="3200" spc="-1" strike="noStrike">
               <a:latin typeface="Arial"/>
             </a:endParaRPr>
           </a:p>
@@ -1069,8 +1192,8 @@
         </p:nvSpPr>
         <p:spPr>
           <a:xfrm>
-            <a:off x="1371600" y="152280"/>
-            <a:ext cx="7543440" cy="791640"/>
+            <a:off x="457200" y="273600"/>
+            <a:ext cx="8229240" cy="1144800"/>
           </a:xfrm>
           <a:prstGeom prst="rect">
             <a:avLst/>
@@ -1085,10 +1208,10 @@
             <a:noAutofit/>
           </a:bodyPr>
           <a:p>
-            <a:endParaRPr b="0" lang="en-US" sz="2000" spc="-1" strike="noStrike">
-              <a:solidFill>
-                <a:srgbClr val="0000b6"/>
-              </a:solidFill>
+            <a:pPr algn="ctr">
+              <a:buNone/>
+            </a:pPr>
+            <a:endParaRPr b="0" lang="en-US" sz="4400" spc="-1" strike="noStrike">
               <a:latin typeface="Arial"/>
             </a:endParaRPr>
           </a:p>
@@ -1106,8 +1229,8 @@
         </p:nvSpPr>
         <p:spPr>
           <a:xfrm>
-            <a:off x="343080" y="1447920"/>
-            <a:ext cx="4183200" cy="2231280"/>
+            <a:off x="457200" y="1604520"/>
+            <a:ext cx="4015800" cy="1896840"/>
           </a:xfrm>
           <a:prstGeom prst="rect">
             <a:avLst/>
@@ -1122,10 +1245,7 @@
             <a:normAutofit/>
           </a:bodyPr>
           <a:p>
-            <a:endParaRPr b="0" lang="en-US" sz="2400" spc="-1" strike="noStrike">
-              <a:solidFill>
-                <a:srgbClr val="000000"/>
-              </a:solidFill>
+            <a:endParaRPr b="0" lang="en-US" sz="3200" spc="-1" strike="noStrike">
               <a:latin typeface="Arial"/>
             </a:endParaRPr>
           </a:p>
@@ -1143,8 +1263,8 @@
         </p:nvSpPr>
         <p:spPr>
           <a:xfrm>
-            <a:off x="4735800" y="1447920"/>
-            <a:ext cx="4183200" cy="2231280"/>
+            <a:off x="4674240" y="1604520"/>
+            <a:ext cx="4015800" cy="1896840"/>
           </a:xfrm>
           <a:prstGeom prst="rect">
             <a:avLst/>
@@ -1159,10 +1279,7 @@
             <a:normAutofit/>
           </a:bodyPr>
           <a:p>
-            <a:endParaRPr b="0" lang="en-US" sz="2400" spc="-1" strike="noStrike">
-              <a:solidFill>
-                <a:srgbClr val="000000"/>
-              </a:solidFill>
+            <a:endParaRPr b="0" lang="en-US" sz="3200" spc="-1" strike="noStrike">
               <a:latin typeface="Arial"/>
             </a:endParaRPr>
           </a:p>
@@ -1180,8 +1297,8 @@
         </p:nvSpPr>
         <p:spPr>
           <a:xfrm>
-            <a:off x="343080" y="3891600"/>
-            <a:ext cx="4183200" cy="2231280"/>
+            <a:off x="457200" y="3682080"/>
+            <a:ext cx="4015800" cy="1896840"/>
           </a:xfrm>
           <a:prstGeom prst="rect">
             <a:avLst/>
@@ -1196,10 +1313,7 @@
             <a:normAutofit/>
           </a:bodyPr>
           <a:p>
-            <a:endParaRPr b="0" lang="en-US" sz="2400" spc="-1" strike="noStrike">
-              <a:solidFill>
-                <a:srgbClr val="000000"/>
-              </a:solidFill>
+            <a:endParaRPr b="0" lang="en-US" sz="3200" spc="-1" strike="noStrike">
               <a:latin typeface="Arial"/>
             </a:endParaRPr>
           </a:p>
@@ -1217,8 +1331,8 @@
         </p:nvSpPr>
         <p:spPr>
           <a:xfrm>
-            <a:off x="4735800" y="3891600"/>
-            <a:ext cx="4183200" cy="2231280"/>
+            <a:off x="4674240" y="3682080"/>
+            <a:ext cx="4015800" cy="1896840"/>
           </a:xfrm>
           <a:prstGeom prst="rect">
             <a:avLst/>
@@ -1233,10 +1347,7 @@
             <a:normAutofit/>
           </a:bodyPr>
           <a:p>
-            <a:endParaRPr b="0" lang="en-US" sz="2400" spc="-1" strike="noStrike">
-              <a:solidFill>
-                <a:srgbClr val="000000"/>
-              </a:solidFill>
+            <a:endParaRPr b="0" lang="en-US" sz="3200" spc="-1" strike="noStrike">
               <a:latin typeface="Arial"/>
             </a:endParaRPr>
           </a:p>
@@ -1276,8 +1387,8 @@
         </p:nvSpPr>
         <p:spPr>
           <a:xfrm>
-            <a:off x="1371600" y="152280"/>
-            <a:ext cx="7543440" cy="791640"/>
+            <a:off x="457200" y="273600"/>
+            <a:ext cx="8229240" cy="1144800"/>
           </a:xfrm>
           <a:prstGeom prst="rect">
             <a:avLst/>
@@ -1292,10 +1403,10 @@
             <a:noAutofit/>
           </a:bodyPr>
           <a:p>
-            <a:endParaRPr b="0" lang="en-US" sz="2000" spc="-1" strike="noStrike">
-              <a:solidFill>
-                <a:srgbClr val="0000b6"/>
-              </a:solidFill>
+            <a:pPr algn="ctr">
+              <a:buNone/>
+            </a:pPr>
+            <a:endParaRPr b="0" lang="en-US" sz="4400" spc="-1" strike="noStrike">
               <a:latin typeface="Arial"/>
             </a:endParaRPr>
           </a:p>
@@ -1313,8 +1424,8 @@
         </p:nvSpPr>
         <p:spPr>
           <a:xfrm>
-            <a:off x="343080" y="1447920"/>
-            <a:ext cx="2760120" cy="2231280"/>
+            <a:off x="457200" y="1604520"/>
+            <a:ext cx="2649600" cy="1896840"/>
           </a:xfrm>
           <a:prstGeom prst="rect">
             <a:avLst/>
@@ -1329,10 +1440,7 @@
             <a:normAutofit/>
           </a:bodyPr>
           <a:p>
-            <a:endParaRPr b="0" lang="en-US" sz="2400" spc="-1" strike="noStrike">
-              <a:solidFill>
-                <a:srgbClr val="000000"/>
-              </a:solidFill>
+            <a:endParaRPr b="0" lang="en-US" sz="3200" spc="-1" strike="noStrike">
               <a:latin typeface="Arial"/>
             </a:endParaRPr>
           </a:p>
@@ -1350,8 +1458,8 @@
         </p:nvSpPr>
         <p:spPr>
           <a:xfrm>
-            <a:off x="3241440" y="1447920"/>
-            <a:ext cx="2760120" cy="2231280"/>
+            <a:off x="3239640" y="1604520"/>
+            <a:ext cx="2649600" cy="1896840"/>
           </a:xfrm>
           <a:prstGeom prst="rect">
             <a:avLst/>
@@ -1366,10 +1474,7 @@
             <a:normAutofit/>
           </a:bodyPr>
           <a:p>
-            <a:endParaRPr b="0" lang="en-US" sz="2400" spc="-1" strike="noStrike">
-              <a:solidFill>
-                <a:srgbClr val="000000"/>
-              </a:solidFill>
+            <a:endParaRPr b="0" lang="en-US" sz="3200" spc="-1" strike="noStrike">
               <a:latin typeface="Arial"/>
             </a:endParaRPr>
           </a:p>
@@ -1387,8 +1492,8 @@
         </p:nvSpPr>
         <p:spPr>
           <a:xfrm>
-            <a:off x="6140160" y="1447920"/>
-            <a:ext cx="2760120" cy="2231280"/>
+            <a:off x="6022080" y="1604520"/>
+            <a:ext cx="2649600" cy="1896840"/>
           </a:xfrm>
           <a:prstGeom prst="rect">
             <a:avLst/>
@@ -1403,10 +1508,7 @@
             <a:normAutofit/>
           </a:bodyPr>
           <a:p>
-            <a:endParaRPr b="0" lang="en-US" sz="2400" spc="-1" strike="noStrike">
-              <a:solidFill>
-                <a:srgbClr val="000000"/>
-              </a:solidFill>
+            <a:endParaRPr b="0" lang="en-US" sz="3200" spc="-1" strike="noStrike">
               <a:latin typeface="Arial"/>
             </a:endParaRPr>
           </a:p>
@@ -1424,8 +1526,8 @@
         </p:nvSpPr>
         <p:spPr>
           <a:xfrm>
-            <a:off x="343080" y="3891600"/>
-            <a:ext cx="2760120" cy="2231280"/>
+            <a:off x="457200" y="3682080"/>
+            <a:ext cx="2649600" cy="1896840"/>
           </a:xfrm>
           <a:prstGeom prst="rect">
             <a:avLst/>
@@ -1440,10 +1542,7 @@
             <a:normAutofit/>
           </a:bodyPr>
           <a:p>
-            <a:endParaRPr b="0" lang="en-US" sz="2400" spc="-1" strike="noStrike">
-              <a:solidFill>
-                <a:srgbClr val="000000"/>
-              </a:solidFill>
+            <a:endParaRPr b="0" lang="en-US" sz="3200" spc="-1" strike="noStrike">
               <a:latin typeface="Arial"/>
             </a:endParaRPr>
           </a:p>
@@ -1461,8 +1560,8 @@
         </p:nvSpPr>
         <p:spPr>
           <a:xfrm>
-            <a:off x="3241440" y="3891600"/>
-            <a:ext cx="2760120" cy="2231280"/>
+            <a:off x="3239640" y="3682080"/>
+            <a:ext cx="2649600" cy="1896840"/>
           </a:xfrm>
           <a:prstGeom prst="rect">
             <a:avLst/>
@@ -1477,10 +1576,7 @@
             <a:normAutofit/>
           </a:bodyPr>
           <a:p>
-            <a:endParaRPr b="0" lang="en-US" sz="2400" spc="-1" strike="noStrike">
-              <a:solidFill>
-                <a:srgbClr val="000000"/>
-              </a:solidFill>
+            <a:endParaRPr b="0" lang="en-US" sz="3200" spc="-1" strike="noStrike">
               <a:latin typeface="Arial"/>
             </a:endParaRPr>
           </a:p>
@@ -1498,8 +1594,8 @@
         </p:nvSpPr>
         <p:spPr>
           <a:xfrm>
-            <a:off x="6140160" y="3891600"/>
-            <a:ext cx="2760120" cy="2231280"/>
+            <a:off x="6022080" y="3682080"/>
+            <a:ext cx="2649600" cy="1896840"/>
           </a:xfrm>
           <a:prstGeom prst="rect">
             <a:avLst/>
@@ -1514,10 +1610,7 @@
             <a:normAutofit/>
           </a:bodyPr>
           <a:p>
-            <a:endParaRPr b="0" lang="en-US" sz="2400" spc="-1" strike="noStrike">
-              <a:solidFill>
-                <a:srgbClr val="000000"/>
-              </a:solidFill>
+            <a:endParaRPr b="0" lang="en-US" sz="3200" spc="-1" strike="noStrike">
               <a:latin typeface="Arial"/>
             </a:endParaRPr>
           </a:p>
@@ -1599,8 +1692,8 @@
         </p:nvSpPr>
         <p:spPr>
           <a:xfrm>
-            <a:off x="1371600" y="152280"/>
-            <a:ext cx="7543440" cy="791640"/>
+            <a:off x="457200" y="273600"/>
+            <a:ext cx="8229240" cy="1144800"/>
           </a:xfrm>
           <a:prstGeom prst="rect">
             <a:avLst/>
@@ -1615,10 +1708,10 @@
             <a:noAutofit/>
           </a:bodyPr>
           <a:p>
-            <a:endParaRPr b="0" lang="en-US" sz="2000" spc="-1" strike="noStrike">
-              <a:solidFill>
-                <a:srgbClr val="0000b6"/>
-              </a:solidFill>
+            <a:pPr algn="ctr">
+              <a:buNone/>
+            </a:pPr>
+            <a:endParaRPr b="0" lang="en-US" sz="4400" spc="-1" strike="noStrike">
               <a:latin typeface="Arial"/>
             </a:endParaRPr>
           </a:p>
@@ -1636,8 +1729,8 @@
         </p:nvSpPr>
         <p:spPr>
           <a:xfrm>
-            <a:off x="343080" y="1447920"/>
-            <a:ext cx="8572320" cy="4677840"/>
+            <a:off x="457200" y="1604520"/>
+            <a:ext cx="8229240" cy="3977280"/>
           </a:xfrm>
           <a:prstGeom prst="rect">
             <a:avLst/>
@@ -1715,8 +1808,8 @@
         </p:nvSpPr>
         <p:spPr>
           <a:xfrm>
-            <a:off x="1371600" y="152280"/>
-            <a:ext cx="7543440" cy="791640"/>
+            <a:off x="457200" y="273600"/>
+            <a:ext cx="8229240" cy="1144800"/>
           </a:xfrm>
           <a:prstGeom prst="rect">
             <a:avLst/>
@@ -1731,10 +1824,10 @@
             <a:noAutofit/>
           </a:bodyPr>
           <a:p>
-            <a:endParaRPr b="0" lang="en-US" sz="2000" spc="-1" strike="noStrike">
-              <a:solidFill>
-                <a:srgbClr val="0000b6"/>
-              </a:solidFill>
+            <a:pPr algn="ctr">
+              <a:buNone/>
+            </a:pPr>
+            <a:endParaRPr b="0" lang="en-US" sz="4400" spc="-1" strike="noStrike">
               <a:latin typeface="Arial"/>
             </a:endParaRPr>
           </a:p>
@@ -1752,8 +1845,8 @@
         </p:nvSpPr>
         <p:spPr>
           <a:xfrm>
-            <a:off x="343080" y="1447920"/>
-            <a:ext cx="8572320" cy="4677840"/>
+            <a:off x="457200" y="1604520"/>
+            <a:ext cx="8229240" cy="3977280"/>
           </a:xfrm>
           <a:prstGeom prst="rect">
             <a:avLst/>
@@ -1768,10 +1861,7 @@
             <a:normAutofit/>
           </a:bodyPr>
           <a:p>
-            <a:endParaRPr b="0" lang="en-US" sz="2400" spc="-1" strike="noStrike">
-              <a:solidFill>
-                <a:srgbClr val="000000"/>
-              </a:solidFill>
+            <a:endParaRPr b="0" lang="en-US" sz="3200" spc="-1" strike="noStrike">
               <a:latin typeface="Arial"/>
             </a:endParaRPr>
           </a:p>
@@ -1831,8 +1921,8 @@
         </p:nvSpPr>
         <p:spPr>
           <a:xfrm>
-            <a:off x="1371600" y="152280"/>
-            <a:ext cx="7543440" cy="791640"/>
+            <a:off x="457200" y="273600"/>
+            <a:ext cx="8229240" cy="1144800"/>
           </a:xfrm>
           <a:prstGeom prst="rect">
             <a:avLst/>
@@ -1847,10 +1937,10 @@
             <a:noAutofit/>
           </a:bodyPr>
           <a:p>
-            <a:endParaRPr b="0" lang="en-US" sz="2000" spc="-1" strike="noStrike">
-              <a:solidFill>
-                <a:srgbClr val="0000b6"/>
-              </a:solidFill>
+            <a:pPr algn="ctr">
+              <a:buNone/>
+            </a:pPr>
+            <a:endParaRPr b="0" lang="en-US" sz="4400" spc="-1" strike="noStrike">
               <a:latin typeface="Arial"/>
             </a:endParaRPr>
           </a:p>
@@ -1868,8 +1958,8 @@
         </p:nvSpPr>
         <p:spPr>
           <a:xfrm>
-            <a:off x="343080" y="1447920"/>
-            <a:ext cx="4183200" cy="4677840"/>
+            <a:off x="457200" y="1604520"/>
+            <a:ext cx="4015800" cy="3977280"/>
           </a:xfrm>
           <a:prstGeom prst="rect">
             <a:avLst/>
@@ -1884,10 +1974,7 @@
             <a:normAutofit/>
           </a:bodyPr>
           <a:p>
-            <a:endParaRPr b="0" lang="en-US" sz="2400" spc="-1" strike="noStrike">
-              <a:solidFill>
-                <a:srgbClr val="000000"/>
-              </a:solidFill>
+            <a:endParaRPr b="0" lang="en-US" sz="3200" spc="-1" strike="noStrike">
               <a:latin typeface="Arial"/>
             </a:endParaRPr>
           </a:p>
@@ -1905,8 +1992,8 @@
         </p:nvSpPr>
         <p:spPr>
           <a:xfrm>
-            <a:off x="4735800" y="1447920"/>
-            <a:ext cx="4183200" cy="4677840"/>
+            <a:off x="4674240" y="1604520"/>
+            <a:ext cx="4015800" cy="3977280"/>
           </a:xfrm>
           <a:prstGeom prst="rect">
             <a:avLst/>
@@ -1921,10 +2008,7 @@
             <a:normAutofit/>
           </a:bodyPr>
           <a:p>
-            <a:endParaRPr b="0" lang="en-US" sz="2400" spc="-1" strike="noStrike">
-              <a:solidFill>
-                <a:srgbClr val="000000"/>
-              </a:solidFill>
+            <a:endParaRPr b="0" lang="en-US" sz="3200" spc="-1" strike="noStrike">
               <a:latin typeface="Arial"/>
             </a:endParaRPr>
           </a:p>
@@ -1984,8 +2068,8 @@
         </p:nvSpPr>
         <p:spPr>
           <a:xfrm>
-            <a:off x="1371600" y="152280"/>
-            <a:ext cx="7543440" cy="791640"/>
+            <a:off x="457200" y="273600"/>
+            <a:ext cx="8229240" cy="1144800"/>
           </a:xfrm>
           <a:prstGeom prst="rect">
             <a:avLst/>
@@ -2000,10 +2084,10 @@
             <a:noAutofit/>
           </a:bodyPr>
           <a:p>
-            <a:endParaRPr b="0" lang="en-US" sz="2000" spc="-1" strike="noStrike">
-              <a:solidFill>
-                <a:srgbClr val="0000b6"/>
-              </a:solidFill>
+            <a:pPr algn="ctr">
+              <a:buNone/>
+            </a:pPr>
+            <a:endParaRPr b="0" lang="en-US" sz="4400" spc="-1" strike="noStrike">
               <a:latin typeface="Arial"/>
             </a:endParaRPr>
           </a:p>
@@ -2063,8 +2147,8 @@
         </p:nvSpPr>
         <p:spPr>
           <a:xfrm>
-            <a:off x="1371600" y="152280"/>
-            <a:ext cx="7543440" cy="3670920"/>
+            <a:off x="457200" y="273600"/>
+            <a:ext cx="8229240" cy="5307840"/>
           </a:xfrm>
           <a:prstGeom prst="rect">
             <a:avLst/>
@@ -2142,8 +2226,8 @@
         </p:nvSpPr>
         <p:spPr>
           <a:xfrm>
-            <a:off x="1371600" y="152280"/>
-            <a:ext cx="7543440" cy="791640"/>
+            <a:off x="457200" y="273600"/>
+            <a:ext cx="8229240" cy="1144800"/>
           </a:xfrm>
           <a:prstGeom prst="rect">
             <a:avLst/>
@@ -2158,10 +2242,10 @@
             <a:noAutofit/>
           </a:bodyPr>
           <a:p>
-            <a:endParaRPr b="0" lang="en-US" sz="2000" spc="-1" strike="noStrike">
-              <a:solidFill>
-                <a:srgbClr val="0000b6"/>
-              </a:solidFill>
+            <a:pPr algn="ctr">
+              <a:buNone/>
+            </a:pPr>
+            <a:endParaRPr b="0" lang="en-US" sz="4400" spc="-1" strike="noStrike">
               <a:latin typeface="Arial"/>
             </a:endParaRPr>
           </a:p>
@@ -2179,8 +2263,8 @@
         </p:nvSpPr>
         <p:spPr>
           <a:xfrm>
-            <a:off x="343080" y="1447920"/>
-            <a:ext cx="4183200" cy="2231280"/>
+            <a:off x="457200" y="1604520"/>
+            <a:ext cx="4015800" cy="1896840"/>
           </a:xfrm>
           <a:prstGeom prst="rect">
             <a:avLst/>
@@ -2195,10 +2279,7 @@
             <a:normAutofit/>
           </a:bodyPr>
           <a:p>
-            <a:endParaRPr b="0" lang="en-US" sz="2400" spc="-1" strike="noStrike">
-              <a:solidFill>
-                <a:srgbClr val="000000"/>
-              </a:solidFill>
+            <a:endParaRPr b="0" lang="en-US" sz="3200" spc="-1" strike="noStrike">
               <a:latin typeface="Arial"/>
             </a:endParaRPr>
           </a:p>
@@ -2216,8 +2297,8 @@
         </p:nvSpPr>
         <p:spPr>
           <a:xfrm>
-            <a:off x="4735800" y="1447920"/>
-            <a:ext cx="4183200" cy="4677840"/>
+            <a:off x="4674240" y="1604520"/>
+            <a:ext cx="4015800" cy="3977280"/>
           </a:xfrm>
           <a:prstGeom prst="rect">
             <a:avLst/>
@@ -2232,10 +2313,7 @@
             <a:normAutofit/>
           </a:bodyPr>
           <a:p>
-            <a:endParaRPr b="0" lang="en-US" sz="2400" spc="-1" strike="noStrike">
-              <a:solidFill>
-                <a:srgbClr val="000000"/>
-              </a:solidFill>
+            <a:endParaRPr b="0" lang="en-US" sz="3200" spc="-1" strike="noStrike">
               <a:latin typeface="Arial"/>
             </a:endParaRPr>
           </a:p>
@@ -2253,8 +2331,8 @@
         </p:nvSpPr>
         <p:spPr>
           <a:xfrm>
-            <a:off x="343080" y="3891600"/>
-            <a:ext cx="4183200" cy="2231280"/>
+            <a:off x="457200" y="3682080"/>
+            <a:ext cx="4015800" cy="1896840"/>
           </a:xfrm>
           <a:prstGeom prst="rect">
             <a:avLst/>
@@ -2269,10 +2347,7 @@
             <a:normAutofit/>
           </a:bodyPr>
           <a:p>
-            <a:endParaRPr b="0" lang="en-US" sz="2400" spc="-1" strike="noStrike">
-              <a:solidFill>
-                <a:srgbClr val="000000"/>
-              </a:solidFill>
+            <a:endParaRPr b="0" lang="en-US" sz="3200" spc="-1" strike="noStrike">
               <a:latin typeface="Arial"/>
             </a:endParaRPr>
           </a:p>
@@ -2332,8 +2407,8 @@
         </p:nvSpPr>
         <p:spPr>
           <a:xfrm>
-            <a:off x="1371600" y="152280"/>
-            <a:ext cx="7543440" cy="791640"/>
+            <a:off x="457200" y="273600"/>
+            <a:ext cx="8229240" cy="1144800"/>
           </a:xfrm>
           <a:prstGeom prst="rect">
             <a:avLst/>
@@ -2348,10 +2423,10 @@
             <a:noAutofit/>
           </a:bodyPr>
           <a:p>
-            <a:endParaRPr b="0" lang="en-US" sz="2000" spc="-1" strike="noStrike">
-              <a:solidFill>
-                <a:srgbClr val="0000b6"/>
-              </a:solidFill>
+            <a:pPr algn="ctr">
+              <a:buNone/>
+            </a:pPr>
+            <a:endParaRPr b="0" lang="en-US" sz="4400" spc="-1" strike="noStrike">
               <a:latin typeface="Arial"/>
             </a:endParaRPr>
           </a:p>
@@ -2369,8 +2444,8 @@
         </p:nvSpPr>
         <p:spPr>
           <a:xfrm>
-            <a:off x="343080" y="1447920"/>
-            <a:ext cx="8572320" cy="4677840"/>
+            <a:off x="457200" y="1604520"/>
+            <a:ext cx="8229240" cy="3977280"/>
           </a:xfrm>
           <a:prstGeom prst="rect">
             <a:avLst/>
@@ -2428,8 +2503,8 @@
         </p:nvSpPr>
         <p:spPr>
           <a:xfrm>
-            <a:off x="1371600" y="152280"/>
-            <a:ext cx="7543440" cy="791640"/>
+            <a:off x="457200" y="273600"/>
+            <a:ext cx="8229240" cy="1144800"/>
           </a:xfrm>
           <a:prstGeom prst="rect">
             <a:avLst/>
@@ -2444,10 +2519,10 @@
             <a:noAutofit/>
           </a:bodyPr>
           <a:p>
-            <a:endParaRPr b="0" lang="en-US" sz="2000" spc="-1" strike="noStrike">
-              <a:solidFill>
-                <a:srgbClr val="0000b6"/>
-              </a:solidFill>
+            <a:pPr algn="ctr">
+              <a:buNone/>
+            </a:pPr>
+            <a:endParaRPr b="0" lang="en-US" sz="4400" spc="-1" strike="noStrike">
               <a:latin typeface="Arial"/>
             </a:endParaRPr>
           </a:p>
@@ -2465,8 +2540,8 @@
         </p:nvSpPr>
         <p:spPr>
           <a:xfrm>
-            <a:off x="343080" y="1447920"/>
-            <a:ext cx="4183200" cy="4677840"/>
+            <a:off x="457200" y="1604520"/>
+            <a:ext cx="4015800" cy="3977280"/>
           </a:xfrm>
           <a:prstGeom prst="rect">
             <a:avLst/>
@@ -2481,10 +2556,7 @@
             <a:normAutofit/>
           </a:bodyPr>
           <a:p>
-            <a:endParaRPr b="0" lang="en-US" sz="2400" spc="-1" strike="noStrike">
-              <a:solidFill>
-                <a:srgbClr val="000000"/>
-              </a:solidFill>
+            <a:endParaRPr b="0" lang="en-US" sz="3200" spc="-1" strike="noStrike">
               <a:latin typeface="Arial"/>
             </a:endParaRPr>
           </a:p>
@@ -2502,8 +2574,8 @@
         </p:nvSpPr>
         <p:spPr>
           <a:xfrm>
-            <a:off x="4735800" y="1447920"/>
-            <a:ext cx="4183200" cy="2231280"/>
+            <a:off x="4674240" y="1604520"/>
+            <a:ext cx="4015800" cy="1896840"/>
           </a:xfrm>
           <a:prstGeom prst="rect">
             <a:avLst/>
@@ -2518,10 +2590,7 @@
             <a:normAutofit/>
           </a:bodyPr>
           <a:p>
-            <a:endParaRPr b="0" lang="en-US" sz="2400" spc="-1" strike="noStrike">
-              <a:solidFill>
-                <a:srgbClr val="000000"/>
-              </a:solidFill>
+            <a:endParaRPr b="0" lang="en-US" sz="3200" spc="-1" strike="noStrike">
               <a:latin typeface="Arial"/>
             </a:endParaRPr>
           </a:p>
@@ -2539,8 +2608,8 @@
         </p:nvSpPr>
         <p:spPr>
           <a:xfrm>
-            <a:off x="4735800" y="3891600"/>
-            <a:ext cx="4183200" cy="2231280"/>
+            <a:off x="4674240" y="3682080"/>
+            <a:ext cx="4015800" cy="1896840"/>
           </a:xfrm>
           <a:prstGeom prst="rect">
             <a:avLst/>
@@ -2555,10 +2624,7 @@
             <a:normAutofit/>
           </a:bodyPr>
           <a:p>
-            <a:endParaRPr b="0" lang="en-US" sz="2400" spc="-1" strike="noStrike">
-              <a:solidFill>
-                <a:srgbClr val="000000"/>
-              </a:solidFill>
+            <a:endParaRPr b="0" lang="en-US" sz="3200" spc="-1" strike="noStrike">
               <a:latin typeface="Arial"/>
             </a:endParaRPr>
           </a:p>
@@ -2618,8 +2684,8 @@
         </p:nvSpPr>
         <p:spPr>
           <a:xfrm>
-            <a:off x="1371600" y="152280"/>
-            <a:ext cx="7543440" cy="791640"/>
+            <a:off x="457200" y="273600"/>
+            <a:ext cx="8229240" cy="1144800"/>
           </a:xfrm>
           <a:prstGeom prst="rect">
             <a:avLst/>
@@ -2634,10 +2700,10 @@
             <a:noAutofit/>
           </a:bodyPr>
           <a:p>
-            <a:endParaRPr b="0" lang="en-US" sz="2000" spc="-1" strike="noStrike">
-              <a:solidFill>
-                <a:srgbClr val="0000b6"/>
-              </a:solidFill>
+            <a:pPr algn="ctr">
+              <a:buNone/>
+            </a:pPr>
+            <a:endParaRPr b="0" lang="en-US" sz="4400" spc="-1" strike="noStrike">
               <a:latin typeface="Arial"/>
             </a:endParaRPr>
           </a:p>
@@ -2655,8 +2721,8 @@
         </p:nvSpPr>
         <p:spPr>
           <a:xfrm>
-            <a:off x="343080" y="1447920"/>
-            <a:ext cx="4183200" cy="2231280"/>
+            <a:off x="457200" y="1604520"/>
+            <a:ext cx="4015800" cy="1896840"/>
           </a:xfrm>
           <a:prstGeom prst="rect">
             <a:avLst/>
@@ -2671,10 +2737,7 @@
             <a:normAutofit/>
           </a:bodyPr>
           <a:p>
-            <a:endParaRPr b="0" lang="en-US" sz="2400" spc="-1" strike="noStrike">
-              <a:solidFill>
-                <a:srgbClr val="000000"/>
-              </a:solidFill>
+            <a:endParaRPr b="0" lang="en-US" sz="3200" spc="-1" strike="noStrike">
               <a:latin typeface="Arial"/>
             </a:endParaRPr>
           </a:p>
@@ -2692,8 +2755,8 @@
         </p:nvSpPr>
         <p:spPr>
           <a:xfrm>
-            <a:off x="4735800" y="1447920"/>
-            <a:ext cx="4183200" cy="2231280"/>
+            <a:off x="4674240" y="1604520"/>
+            <a:ext cx="4015800" cy="1896840"/>
           </a:xfrm>
           <a:prstGeom prst="rect">
             <a:avLst/>
@@ -2708,10 +2771,7 @@
             <a:normAutofit/>
           </a:bodyPr>
           <a:p>
-            <a:endParaRPr b="0" lang="en-US" sz="2400" spc="-1" strike="noStrike">
-              <a:solidFill>
-                <a:srgbClr val="000000"/>
-              </a:solidFill>
+            <a:endParaRPr b="0" lang="en-US" sz="3200" spc="-1" strike="noStrike">
               <a:latin typeface="Arial"/>
             </a:endParaRPr>
           </a:p>
@@ -2729,8 +2789,8 @@
         </p:nvSpPr>
         <p:spPr>
           <a:xfrm>
-            <a:off x="343080" y="3891600"/>
-            <a:ext cx="8572320" cy="2231280"/>
+            <a:off x="457200" y="3682080"/>
+            <a:ext cx="8229240" cy="1896840"/>
           </a:xfrm>
           <a:prstGeom prst="rect">
             <a:avLst/>
@@ -2745,10 +2805,7 @@
             <a:normAutofit/>
           </a:bodyPr>
           <a:p>
-            <a:endParaRPr b="0" lang="en-US" sz="2400" spc="-1" strike="noStrike">
-              <a:solidFill>
-                <a:srgbClr val="000000"/>
-              </a:solidFill>
+            <a:endParaRPr b="0" lang="en-US" sz="3200" spc="-1" strike="noStrike">
               <a:latin typeface="Arial"/>
             </a:endParaRPr>
           </a:p>
@@ -2808,8 +2865,8 @@
         </p:nvSpPr>
         <p:spPr>
           <a:xfrm>
-            <a:off x="1371600" y="152280"/>
-            <a:ext cx="7543440" cy="791640"/>
+            <a:off x="457200" y="273600"/>
+            <a:ext cx="8229240" cy="1144800"/>
           </a:xfrm>
           <a:prstGeom prst="rect">
             <a:avLst/>
@@ -2824,10 +2881,10 @@
             <a:noAutofit/>
           </a:bodyPr>
           <a:p>
-            <a:endParaRPr b="0" lang="en-US" sz="2000" spc="-1" strike="noStrike">
-              <a:solidFill>
-                <a:srgbClr val="0000b6"/>
-              </a:solidFill>
+            <a:pPr algn="ctr">
+              <a:buNone/>
+            </a:pPr>
+            <a:endParaRPr b="0" lang="en-US" sz="4400" spc="-1" strike="noStrike">
               <a:latin typeface="Arial"/>
             </a:endParaRPr>
           </a:p>
@@ -2845,8 +2902,8 @@
         </p:nvSpPr>
         <p:spPr>
           <a:xfrm>
-            <a:off x="343080" y="1447920"/>
-            <a:ext cx="8572320" cy="2231280"/>
+            <a:off x="457200" y="1604520"/>
+            <a:ext cx="8229240" cy="1896840"/>
           </a:xfrm>
           <a:prstGeom prst="rect">
             <a:avLst/>
@@ -2861,10 +2918,7 @@
             <a:normAutofit/>
           </a:bodyPr>
           <a:p>
-            <a:endParaRPr b="0" lang="en-US" sz="2400" spc="-1" strike="noStrike">
-              <a:solidFill>
-                <a:srgbClr val="000000"/>
-              </a:solidFill>
+            <a:endParaRPr b="0" lang="en-US" sz="3200" spc="-1" strike="noStrike">
               <a:latin typeface="Arial"/>
             </a:endParaRPr>
           </a:p>
@@ -2882,8 +2936,8 @@
         </p:nvSpPr>
         <p:spPr>
           <a:xfrm>
-            <a:off x="343080" y="3891600"/>
-            <a:ext cx="8572320" cy="2231280"/>
+            <a:off x="457200" y="3682080"/>
+            <a:ext cx="8229240" cy="1896840"/>
           </a:xfrm>
           <a:prstGeom prst="rect">
             <a:avLst/>
@@ -2898,10 +2952,7 @@
             <a:normAutofit/>
           </a:bodyPr>
           <a:p>
-            <a:endParaRPr b="0" lang="en-US" sz="2400" spc="-1" strike="noStrike">
-              <a:solidFill>
-                <a:srgbClr val="000000"/>
-              </a:solidFill>
+            <a:endParaRPr b="0" lang="en-US" sz="3200" spc="-1" strike="noStrike">
               <a:latin typeface="Arial"/>
             </a:endParaRPr>
           </a:p>
@@ -2961,8 +3012,8 @@
         </p:nvSpPr>
         <p:spPr>
           <a:xfrm>
-            <a:off x="1371600" y="152280"/>
-            <a:ext cx="7543440" cy="791640"/>
+            <a:off x="457200" y="273600"/>
+            <a:ext cx="8229240" cy="1144800"/>
           </a:xfrm>
           <a:prstGeom prst="rect">
             <a:avLst/>
@@ -2977,10 +3028,10 @@
             <a:noAutofit/>
           </a:bodyPr>
           <a:p>
-            <a:endParaRPr b="0" lang="en-US" sz="2000" spc="-1" strike="noStrike">
-              <a:solidFill>
-                <a:srgbClr val="0000b6"/>
-              </a:solidFill>
+            <a:pPr algn="ctr">
+              <a:buNone/>
+            </a:pPr>
+            <a:endParaRPr b="0" lang="en-US" sz="4400" spc="-1" strike="noStrike">
               <a:latin typeface="Arial"/>
             </a:endParaRPr>
           </a:p>
@@ -2998,8 +3049,8 @@
         </p:nvSpPr>
         <p:spPr>
           <a:xfrm>
-            <a:off x="343080" y="1447920"/>
-            <a:ext cx="4183200" cy="2231280"/>
+            <a:off x="457200" y="1604520"/>
+            <a:ext cx="4015800" cy="1896840"/>
           </a:xfrm>
           <a:prstGeom prst="rect">
             <a:avLst/>
@@ -3014,10 +3065,7 @@
             <a:normAutofit/>
           </a:bodyPr>
           <a:p>
-            <a:endParaRPr b="0" lang="en-US" sz="2400" spc="-1" strike="noStrike">
-              <a:solidFill>
-                <a:srgbClr val="000000"/>
-              </a:solidFill>
+            <a:endParaRPr b="0" lang="en-US" sz="3200" spc="-1" strike="noStrike">
               <a:latin typeface="Arial"/>
             </a:endParaRPr>
           </a:p>
@@ -3035,8 +3083,8 @@
         </p:nvSpPr>
         <p:spPr>
           <a:xfrm>
-            <a:off x="4735800" y="1447920"/>
-            <a:ext cx="4183200" cy="2231280"/>
+            <a:off x="4674240" y="1604520"/>
+            <a:ext cx="4015800" cy="1896840"/>
           </a:xfrm>
           <a:prstGeom prst="rect">
             <a:avLst/>
@@ -3051,10 +3099,7 @@
             <a:normAutofit/>
           </a:bodyPr>
           <a:p>
-            <a:endParaRPr b="0" lang="en-US" sz="2400" spc="-1" strike="noStrike">
-              <a:solidFill>
-                <a:srgbClr val="000000"/>
-              </a:solidFill>
+            <a:endParaRPr b="0" lang="en-US" sz="3200" spc="-1" strike="noStrike">
               <a:latin typeface="Arial"/>
             </a:endParaRPr>
           </a:p>
@@ -3072,8 +3117,8 @@
         </p:nvSpPr>
         <p:spPr>
           <a:xfrm>
-            <a:off x="343080" y="3891600"/>
-            <a:ext cx="4183200" cy="2231280"/>
+            <a:off x="457200" y="3682080"/>
+            <a:ext cx="4015800" cy="1896840"/>
           </a:xfrm>
           <a:prstGeom prst="rect">
             <a:avLst/>
@@ -3088,10 +3133,7 @@
             <a:normAutofit/>
           </a:bodyPr>
           <a:p>
-            <a:endParaRPr b="0" lang="en-US" sz="2400" spc="-1" strike="noStrike">
-              <a:solidFill>
-                <a:srgbClr val="000000"/>
-              </a:solidFill>
+            <a:endParaRPr b="0" lang="en-US" sz="3200" spc="-1" strike="noStrike">
               <a:latin typeface="Arial"/>
             </a:endParaRPr>
           </a:p>
@@ -3109,8 +3151,8 @@
         </p:nvSpPr>
         <p:spPr>
           <a:xfrm>
-            <a:off x="4735800" y="3891600"/>
-            <a:ext cx="4183200" cy="2231280"/>
+            <a:off x="4674240" y="3682080"/>
+            <a:ext cx="4015800" cy="1896840"/>
           </a:xfrm>
           <a:prstGeom prst="rect">
             <a:avLst/>
@@ -3125,10 +3167,7 @@
             <a:normAutofit/>
           </a:bodyPr>
           <a:p>
-            <a:endParaRPr b="0" lang="en-US" sz="2400" spc="-1" strike="noStrike">
-              <a:solidFill>
-                <a:srgbClr val="000000"/>
-              </a:solidFill>
+            <a:endParaRPr b="0" lang="en-US" sz="3200" spc="-1" strike="noStrike">
               <a:latin typeface="Arial"/>
             </a:endParaRPr>
           </a:p>
@@ -3188,8 +3227,8 @@
         </p:nvSpPr>
         <p:spPr>
           <a:xfrm>
-            <a:off x="1371600" y="152280"/>
-            <a:ext cx="7543440" cy="791640"/>
+            <a:off x="457200" y="273600"/>
+            <a:ext cx="8229240" cy="1144800"/>
           </a:xfrm>
           <a:prstGeom prst="rect">
             <a:avLst/>
@@ -3204,10 +3243,10 @@
             <a:noAutofit/>
           </a:bodyPr>
           <a:p>
-            <a:endParaRPr b="0" lang="en-US" sz="2000" spc="-1" strike="noStrike">
-              <a:solidFill>
-                <a:srgbClr val="0000b6"/>
-              </a:solidFill>
+            <a:pPr algn="ctr">
+              <a:buNone/>
+            </a:pPr>
+            <a:endParaRPr b="0" lang="en-US" sz="4400" spc="-1" strike="noStrike">
               <a:latin typeface="Arial"/>
             </a:endParaRPr>
           </a:p>
@@ -3225,8 +3264,8 @@
         </p:nvSpPr>
         <p:spPr>
           <a:xfrm>
-            <a:off x="343080" y="1447920"/>
-            <a:ext cx="2760120" cy="2231280"/>
+            <a:off x="457200" y="1604520"/>
+            <a:ext cx="2649600" cy="1896840"/>
           </a:xfrm>
           <a:prstGeom prst="rect">
             <a:avLst/>
@@ -3241,10 +3280,7 @@
             <a:normAutofit/>
           </a:bodyPr>
           <a:p>
-            <a:endParaRPr b="0" lang="en-US" sz="2400" spc="-1" strike="noStrike">
-              <a:solidFill>
-                <a:srgbClr val="000000"/>
-              </a:solidFill>
+            <a:endParaRPr b="0" lang="en-US" sz="3200" spc="-1" strike="noStrike">
               <a:latin typeface="Arial"/>
             </a:endParaRPr>
           </a:p>
@@ -3262,8 +3298,8 @@
         </p:nvSpPr>
         <p:spPr>
           <a:xfrm>
-            <a:off x="3241440" y="1447920"/>
-            <a:ext cx="2760120" cy="2231280"/>
+            <a:off x="3239640" y="1604520"/>
+            <a:ext cx="2649600" cy="1896840"/>
           </a:xfrm>
           <a:prstGeom prst="rect">
             <a:avLst/>
@@ -3278,10 +3314,7 @@
             <a:normAutofit/>
           </a:bodyPr>
           <a:p>
-            <a:endParaRPr b="0" lang="en-US" sz="2400" spc="-1" strike="noStrike">
-              <a:solidFill>
-                <a:srgbClr val="000000"/>
-              </a:solidFill>
+            <a:endParaRPr b="0" lang="en-US" sz="3200" spc="-1" strike="noStrike">
               <a:latin typeface="Arial"/>
             </a:endParaRPr>
           </a:p>
@@ -3299,8 +3332,8 @@
         </p:nvSpPr>
         <p:spPr>
           <a:xfrm>
-            <a:off x="6140160" y="1447920"/>
-            <a:ext cx="2760120" cy="2231280"/>
+            <a:off x="6022080" y="1604520"/>
+            <a:ext cx="2649600" cy="1896840"/>
           </a:xfrm>
           <a:prstGeom prst="rect">
             <a:avLst/>
@@ -3315,10 +3348,7 @@
             <a:normAutofit/>
           </a:bodyPr>
           <a:p>
-            <a:endParaRPr b="0" lang="en-US" sz="2400" spc="-1" strike="noStrike">
-              <a:solidFill>
-                <a:srgbClr val="000000"/>
-              </a:solidFill>
+            <a:endParaRPr b="0" lang="en-US" sz="3200" spc="-1" strike="noStrike">
               <a:latin typeface="Arial"/>
             </a:endParaRPr>
           </a:p>
@@ -3336,8 +3366,8 @@
         </p:nvSpPr>
         <p:spPr>
           <a:xfrm>
-            <a:off x="343080" y="3891600"/>
-            <a:ext cx="2760120" cy="2231280"/>
+            <a:off x="457200" y="3682080"/>
+            <a:ext cx="2649600" cy="1896840"/>
           </a:xfrm>
           <a:prstGeom prst="rect">
             <a:avLst/>
@@ -3352,10 +3382,7 @@
             <a:normAutofit/>
           </a:bodyPr>
           <a:p>
-            <a:endParaRPr b="0" lang="en-US" sz="2400" spc="-1" strike="noStrike">
-              <a:solidFill>
-                <a:srgbClr val="000000"/>
-              </a:solidFill>
+            <a:endParaRPr b="0" lang="en-US" sz="3200" spc="-1" strike="noStrike">
               <a:latin typeface="Arial"/>
             </a:endParaRPr>
           </a:p>
@@ -3373,8 +3400,8 @@
         </p:nvSpPr>
         <p:spPr>
           <a:xfrm>
-            <a:off x="3241440" y="3891600"/>
-            <a:ext cx="2760120" cy="2231280"/>
+            <a:off x="3239640" y="3682080"/>
+            <a:ext cx="2649600" cy="1896840"/>
           </a:xfrm>
           <a:prstGeom prst="rect">
             <a:avLst/>
@@ -3389,10 +3416,7 @@
             <a:normAutofit/>
           </a:bodyPr>
           <a:p>
-            <a:endParaRPr b="0" lang="en-US" sz="2400" spc="-1" strike="noStrike">
-              <a:solidFill>
-                <a:srgbClr val="000000"/>
-              </a:solidFill>
+            <a:endParaRPr b="0" lang="en-US" sz="3200" spc="-1" strike="noStrike">
               <a:latin typeface="Arial"/>
             </a:endParaRPr>
           </a:p>
@@ -3410,8 +3434,8 @@
         </p:nvSpPr>
         <p:spPr>
           <a:xfrm>
-            <a:off x="6140160" y="3891600"/>
-            <a:ext cx="2760120" cy="2231280"/>
+            <a:off x="6022080" y="3682080"/>
+            <a:ext cx="2649600" cy="1896840"/>
           </a:xfrm>
           <a:prstGeom prst="rect">
             <a:avLst/>
@@ -3426,10 +3450,7 @@
             <a:normAutofit/>
           </a:bodyPr>
           <a:p>
-            <a:endParaRPr b="0" lang="en-US" sz="2400" spc="-1" strike="noStrike">
-              <a:solidFill>
-                <a:srgbClr val="000000"/>
-              </a:solidFill>
+            <a:endParaRPr b="0" lang="en-US" sz="3200" spc="-1" strike="noStrike">
               <a:latin typeface="Arial"/>
             </a:endParaRPr>
           </a:p>
@@ -3489,8 +3510,8 @@
         </p:nvSpPr>
         <p:spPr>
           <a:xfrm>
-            <a:off x="1371600" y="152280"/>
-            <a:ext cx="7543440" cy="791640"/>
+            <a:off x="457200" y="273600"/>
+            <a:ext cx="8229240" cy="1144800"/>
           </a:xfrm>
           <a:prstGeom prst="rect">
             <a:avLst/>
@@ -3505,10 +3526,10 @@
             <a:noAutofit/>
           </a:bodyPr>
           <a:p>
-            <a:endParaRPr b="0" lang="en-US" sz="2000" spc="-1" strike="noStrike">
-              <a:solidFill>
-                <a:srgbClr val="0000b6"/>
-              </a:solidFill>
+            <a:pPr algn="ctr">
+              <a:buNone/>
+            </a:pPr>
+            <a:endParaRPr b="0" lang="en-US" sz="4400" spc="-1" strike="noStrike">
               <a:latin typeface="Arial"/>
             </a:endParaRPr>
           </a:p>
@@ -3526,8 +3547,8 @@
         </p:nvSpPr>
         <p:spPr>
           <a:xfrm>
-            <a:off x="343080" y="1447920"/>
-            <a:ext cx="8572320" cy="4677840"/>
+            <a:off x="457200" y="1604520"/>
+            <a:ext cx="8229240" cy="3977280"/>
           </a:xfrm>
           <a:prstGeom prst="rect">
             <a:avLst/>
@@ -3542,10 +3563,7 @@
             <a:normAutofit/>
           </a:bodyPr>
           <a:p>
-            <a:endParaRPr b="0" lang="en-US" sz="2400" spc="-1" strike="noStrike">
-              <a:solidFill>
-                <a:srgbClr val="000000"/>
-              </a:solidFill>
+            <a:endParaRPr b="0" lang="en-US" sz="3200" spc="-1" strike="noStrike">
               <a:latin typeface="Arial"/>
             </a:endParaRPr>
           </a:p>
@@ -3585,8 +3603,8 @@
         </p:nvSpPr>
         <p:spPr>
           <a:xfrm>
-            <a:off x="1371600" y="152280"/>
-            <a:ext cx="7543440" cy="791640"/>
+            <a:off x="457200" y="273600"/>
+            <a:ext cx="8229240" cy="1144800"/>
           </a:xfrm>
           <a:prstGeom prst="rect">
             <a:avLst/>
@@ -3601,10 +3619,10 @@
             <a:noAutofit/>
           </a:bodyPr>
           <a:p>
-            <a:endParaRPr b="0" lang="en-US" sz="2000" spc="-1" strike="noStrike">
-              <a:solidFill>
-                <a:srgbClr val="0000b6"/>
-              </a:solidFill>
+            <a:pPr algn="ctr">
+              <a:buNone/>
+            </a:pPr>
+            <a:endParaRPr b="0" lang="en-US" sz="4400" spc="-1" strike="noStrike">
               <a:latin typeface="Arial"/>
             </a:endParaRPr>
           </a:p>
@@ -3622,8 +3640,8 @@
         </p:nvSpPr>
         <p:spPr>
           <a:xfrm>
-            <a:off x="343080" y="1447920"/>
-            <a:ext cx="4183200" cy="4677840"/>
+            <a:off x="457200" y="1604520"/>
+            <a:ext cx="4015800" cy="3977280"/>
           </a:xfrm>
           <a:prstGeom prst="rect">
             <a:avLst/>
@@ -3638,10 +3656,7 @@
             <a:normAutofit/>
           </a:bodyPr>
           <a:p>
-            <a:endParaRPr b="0" lang="en-US" sz="2400" spc="-1" strike="noStrike">
-              <a:solidFill>
-                <a:srgbClr val="000000"/>
-              </a:solidFill>
+            <a:endParaRPr b="0" lang="en-US" sz="3200" spc="-1" strike="noStrike">
               <a:latin typeface="Arial"/>
             </a:endParaRPr>
           </a:p>
@@ -3659,8 +3674,8 @@
         </p:nvSpPr>
         <p:spPr>
           <a:xfrm>
-            <a:off x="4735800" y="1447920"/>
-            <a:ext cx="4183200" cy="4677840"/>
+            <a:off x="4674240" y="1604520"/>
+            <a:ext cx="4015800" cy="3977280"/>
           </a:xfrm>
           <a:prstGeom prst="rect">
             <a:avLst/>
@@ -3675,10 +3690,7 @@
             <a:normAutofit/>
           </a:bodyPr>
           <a:p>
-            <a:endParaRPr b="0" lang="en-US" sz="2400" spc="-1" strike="noStrike">
-              <a:solidFill>
-                <a:srgbClr val="000000"/>
-              </a:solidFill>
+            <a:endParaRPr b="0" lang="en-US" sz="3200" spc="-1" strike="noStrike">
               <a:latin typeface="Arial"/>
             </a:endParaRPr>
           </a:p>
@@ -3718,8 +3730,8 @@
         </p:nvSpPr>
         <p:spPr>
           <a:xfrm>
-            <a:off x="1371600" y="152280"/>
-            <a:ext cx="7543440" cy="791640"/>
+            <a:off x="457200" y="273600"/>
+            <a:ext cx="8229240" cy="1144800"/>
           </a:xfrm>
           <a:prstGeom prst="rect">
             <a:avLst/>
@@ -3734,10 +3746,10 @@
             <a:noAutofit/>
           </a:bodyPr>
           <a:p>
-            <a:endParaRPr b="0" lang="en-US" sz="2000" spc="-1" strike="noStrike">
-              <a:solidFill>
-                <a:srgbClr val="0000b6"/>
-              </a:solidFill>
+            <a:pPr algn="ctr">
+              <a:buNone/>
+            </a:pPr>
+            <a:endParaRPr b="0" lang="en-US" sz="4400" spc="-1" strike="noStrike">
               <a:latin typeface="Arial"/>
             </a:endParaRPr>
           </a:p>
@@ -3777,8 +3789,8 @@
         </p:nvSpPr>
         <p:spPr>
           <a:xfrm>
-            <a:off x="1371600" y="152280"/>
-            <a:ext cx="7543440" cy="3670920"/>
+            <a:off x="457200" y="273600"/>
+            <a:ext cx="8229240" cy="5307840"/>
           </a:xfrm>
           <a:prstGeom prst="rect">
             <a:avLst/>
@@ -3836,8 +3848,8 @@
         </p:nvSpPr>
         <p:spPr>
           <a:xfrm>
-            <a:off x="1371600" y="152280"/>
-            <a:ext cx="7543440" cy="791640"/>
+            <a:off x="457200" y="273600"/>
+            <a:ext cx="8229240" cy="1144800"/>
           </a:xfrm>
           <a:prstGeom prst="rect">
             <a:avLst/>
@@ -3852,10 +3864,10 @@
             <a:noAutofit/>
           </a:bodyPr>
           <a:p>
-            <a:endParaRPr b="0" lang="en-US" sz="2000" spc="-1" strike="noStrike">
-              <a:solidFill>
-                <a:srgbClr val="0000b6"/>
-              </a:solidFill>
+            <a:pPr algn="ctr">
+              <a:buNone/>
+            </a:pPr>
+            <a:endParaRPr b="0" lang="en-US" sz="4400" spc="-1" strike="noStrike">
               <a:latin typeface="Arial"/>
             </a:endParaRPr>
           </a:p>
@@ -3873,8 +3885,8 @@
         </p:nvSpPr>
         <p:spPr>
           <a:xfrm>
-            <a:off x="343080" y="1447920"/>
-            <a:ext cx="4183200" cy="2231280"/>
+            <a:off x="457200" y="1604520"/>
+            <a:ext cx="4015800" cy="1896840"/>
           </a:xfrm>
           <a:prstGeom prst="rect">
             <a:avLst/>
@@ -3889,10 +3901,7 @@
             <a:normAutofit/>
           </a:bodyPr>
           <a:p>
-            <a:endParaRPr b="0" lang="en-US" sz="2400" spc="-1" strike="noStrike">
-              <a:solidFill>
-                <a:srgbClr val="000000"/>
-              </a:solidFill>
+            <a:endParaRPr b="0" lang="en-US" sz="3200" spc="-1" strike="noStrike">
               <a:latin typeface="Arial"/>
             </a:endParaRPr>
           </a:p>
@@ -3910,8 +3919,8 @@
         </p:nvSpPr>
         <p:spPr>
           <a:xfrm>
-            <a:off x="4735800" y="1447920"/>
-            <a:ext cx="4183200" cy="4677840"/>
+            <a:off x="4674240" y="1604520"/>
+            <a:ext cx="4015800" cy="3977280"/>
           </a:xfrm>
           <a:prstGeom prst="rect">
             <a:avLst/>
@@ -3926,10 +3935,7 @@
             <a:normAutofit/>
           </a:bodyPr>
           <a:p>
-            <a:endParaRPr b="0" lang="en-US" sz="2400" spc="-1" strike="noStrike">
-              <a:solidFill>
-                <a:srgbClr val="000000"/>
-              </a:solidFill>
+            <a:endParaRPr b="0" lang="en-US" sz="3200" spc="-1" strike="noStrike">
               <a:latin typeface="Arial"/>
             </a:endParaRPr>
           </a:p>
@@ -3947,8 +3953,8 @@
         </p:nvSpPr>
         <p:spPr>
           <a:xfrm>
-            <a:off x="343080" y="3891600"/>
-            <a:ext cx="4183200" cy="2231280"/>
+            <a:off x="457200" y="3682080"/>
+            <a:ext cx="4015800" cy="1896840"/>
           </a:xfrm>
           <a:prstGeom prst="rect">
             <a:avLst/>
@@ -3963,10 +3969,7 @@
             <a:normAutofit/>
           </a:bodyPr>
           <a:p>
-            <a:endParaRPr b="0" lang="en-US" sz="2400" spc="-1" strike="noStrike">
-              <a:solidFill>
-                <a:srgbClr val="000000"/>
-              </a:solidFill>
+            <a:endParaRPr b="0" lang="en-US" sz="3200" spc="-1" strike="noStrike">
               <a:latin typeface="Arial"/>
             </a:endParaRPr>
           </a:p>
@@ -4006,8 +4009,8 @@
         </p:nvSpPr>
         <p:spPr>
           <a:xfrm>
-            <a:off x="1371600" y="152280"/>
-            <a:ext cx="7543440" cy="791640"/>
+            <a:off x="457200" y="273600"/>
+            <a:ext cx="8229240" cy="1144800"/>
           </a:xfrm>
           <a:prstGeom prst="rect">
             <a:avLst/>
@@ -4022,10 +4025,10 @@
             <a:noAutofit/>
           </a:bodyPr>
           <a:p>
-            <a:endParaRPr b="0" lang="en-US" sz="2000" spc="-1" strike="noStrike">
-              <a:solidFill>
-                <a:srgbClr val="0000b6"/>
-              </a:solidFill>
+            <a:pPr algn="ctr">
+              <a:buNone/>
+            </a:pPr>
+            <a:endParaRPr b="0" lang="en-US" sz="4400" spc="-1" strike="noStrike">
               <a:latin typeface="Arial"/>
             </a:endParaRPr>
           </a:p>
@@ -4043,8 +4046,8 @@
         </p:nvSpPr>
         <p:spPr>
           <a:xfrm>
-            <a:off x="343080" y="1447920"/>
-            <a:ext cx="4183200" cy="4677840"/>
+            <a:off x="457200" y="1604520"/>
+            <a:ext cx="4015800" cy="3977280"/>
           </a:xfrm>
           <a:prstGeom prst="rect">
             <a:avLst/>
@@ -4059,10 +4062,7 @@
             <a:normAutofit/>
           </a:bodyPr>
           <a:p>
-            <a:endParaRPr b="0" lang="en-US" sz="2400" spc="-1" strike="noStrike">
-              <a:solidFill>
-                <a:srgbClr val="000000"/>
-              </a:solidFill>
+            <a:endParaRPr b="0" lang="en-US" sz="3200" spc="-1" strike="noStrike">
               <a:latin typeface="Arial"/>
             </a:endParaRPr>
           </a:p>
@@ -4080,8 +4080,8 @@
         </p:nvSpPr>
         <p:spPr>
           <a:xfrm>
-            <a:off x="4735800" y="1447920"/>
-            <a:ext cx="4183200" cy="2231280"/>
+            <a:off x="4674240" y="1604520"/>
+            <a:ext cx="4015800" cy="1896840"/>
           </a:xfrm>
           <a:prstGeom prst="rect">
             <a:avLst/>
@@ -4096,10 +4096,7 @@
             <a:normAutofit/>
           </a:bodyPr>
           <a:p>
-            <a:endParaRPr b="0" lang="en-US" sz="2400" spc="-1" strike="noStrike">
-              <a:solidFill>
-                <a:srgbClr val="000000"/>
-              </a:solidFill>
+            <a:endParaRPr b="0" lang="en-US" sz="3200" spc="-1" strike="noStrike">
               <a:latin typeface="Arial"/>
             </a:endParaRPr>
           </a:p>
@@ -4117,8 +4114,8 @@
         </p:nvSpPr>
         <p:spPr>
           <a:xfrm>
-            <a:off x="4735800" y="3891600"/>
-            <a:ext cx="4183200" cy="2231280"/>
+            <a:off x="4674240" y="3682080"/>
+            <a:ext cx="4015800" cy="1896840"/>
           </a:xfrm>
           <a:prstGeom prst="rect">
             <a:avLst/>
@@ -4133,10 +4130,7 @@
             <a:normAutofit/>
           </a:bodyPr>
           <a:p>
-            <a:endParaRPr b="0" lang="en-US" sz="2400" spc="-1" strike="noStrike">
-              <a:solidFill>
-                <a:srgbClr val="000000"/>
-              </a:solidFill>
+            <a:endParaRPr b="0" lang="en-US" sz="3200" spc="-1" strike="noStrike">
               <a:latin typeface="Arial"/>
             </a:endParaRPr>
           </a:p>
@@ -4176,8 +4170,8 @@
         </p:nvSpPr>
         <p:spPr>
           <a:xfrm>
-            <a:off x="1371600" y="152280"/>
-            <a:ext cx="7543440" cy="791640"/>
+            <a:off x="457200" y="273600"/>
+            <a:ext cx="8229240" cy="1144800"/>
           </a:xfrm>
           <a:prstGeom prst="rect">
             <a:avLst/>
@@ -4192,10 +4186,10 @@
             <a:noAutofit/>
           </a:bodyPr>
           <a:p>
-            <a:endParaRPr b="0" lang="en-US" sz="2000" spc="-1" strike="noStrike">
-              <a:solidFill>
-                <a:srgbClr val="0000b6"/>
-              </a:solidFill>
+            <a:pPr algn="ctr">
+              <a:buNone/>
+            </a:pPr>
+            <a:endParaRPr b="0" lang="en-US" sz="4400" spc="-1" strike="noStrike">
               <a:latin typeface="Arial"/>
             </a:endParaRPr>
           </a:p>
@@ -4213,8 +4207,8 @@
         </p:nvSpPr>
         <p:spPr>
           <a:xfrm>
-            <a:off x="343080" y="1447920"/>
-            <a:ext cx="4183200" cy="2231280"/>
+            <a:off x="457200" y="1604520"/>
+            <a:ext cx="4015800" cy="1896840"/>
           </a:xfrm>
           <a:prstGeom prst="rect">
             <a:avLst/>
@@ -4229,10 +4223,7 @@
             <a:normAutofit/>
           </a:bodyPr>
           <a:p>
-            <a:endParaRPr b="0" lang="en-US" sz="2400" spc="-1" strike="noStrike">
-              <a:solidFill>
-                <a:srgbClr val="000000"/>
-              </a:solidFill>
+            <a:endParaRPr b="0" lang="en-US" sz="3200" spc="-1" strike="noStrike">
               <a:latin typeface="Arial"/>
             </a:endParaRPr>
           </a:p>
@@ -4250,8 +4241,8 @@
         </p:nvSpPr>
         <p:spPr>
           <a:xfrm>
-            <a:off x="4735800" y="1447920"/>
-            <a:ext cx="4183200" cy="2231280"/>
+            <a:off x="4674240" y="1604520"/>
+            <a:ext cx="4015800" cy="1896840"/>
           </a:xfrm>
           <a:prstGeom prst="rect">
             <a:avLst/>
@@ -4266,10 +4257,7 @@
             <a:normAutofit/>
           </a:bodyPr>
           <a:p>
-            <a:endParaRPr b="0" lang="en-US" sz="2400" spc="-1" strike="noStrike">
-              <a:solidFill>
-                <a:srgbClr val="000000"/>
-              </a:solidFill>
+            <a:endParaRPr b="0" lang="en-US" sz="3200" spc="-1" strike="noStrike">
               <a:latin typeface="Arial"/>
             </a:endParaRPr>
           </a:p>
@@ -4287,8 +4275,8 @@
         </p:nvSpPr>
         <p:spPr>
           <a:xfrm>
-            <a:off x="343080" y="3891600"/>
-            <a:ext cx="8572320" cy="2231280"/>
+            <a:off x="457200" y="3682080"/>
+            <a:ext cx="8229240" cy="1896840"/>
           </a:xfrm>
           <a:prstGeom prst="rect">
             <a:avLst/>
@@ -4303,10 +4291,7 @@
             <a:normAutofit/>
           </a:bodyPr>
           <a:p>
-            <a:endParaRPr b="0" lang="en-US" sz="2400" spc="-1" strike="noStrike">
-              <a:solidFill>
-                <a:srgbClr val="000000"/>
-              </a:solidFill>
+            <a:endParaRPr b="0" lang="en-US" sz="3200" spc="-1" strike="noStrike">
               <a:latin typeface="Arial"/>
             </a:endParaRPr>
           </a:p>
@@ -4350,9 +4335,9 @@
         <p:grpSpPr>
           <a:xfrm>
             <a:off x="1371600" y="990720"/>
-            <a:ext cx="7772040" cy="151920"/>
+            <a:ext cx="7771680" cy="151560"/>
             <a:chOff x="1371600" y="990720"/>
-            <a:chExt cx="7772040" cy="151920"/>
+            <a:chExt cx="7771680" cy="151560"/>
           </a:xfrm>
         </p:grpSpPr>
         <p:sp>
@@ -4364,7 +4349,7 @@
           <p:spPr>
             <a:xfrm>
               <a:off x="1752480" y="1066680"/>
-              <a:ext cx="7391160" cy="75960"/>
+              <a:ext cx="7390800" cy="75600"/>
             </a:xfrm>
             <a:prstGeom prst="rect">
               <a:avLst/>
@@ -4392,7 +4377,7 @@
           <p:spPr>
             <a:xfrm>
               <a:off x="1371600" y="990720"/>
-              <a:ext cx="7772040" cy="75960"/>
+              <a:ext cx="7771680" cy="75600"/>
             </a:xfrm>
             <a:prstGeom prst="rect">
               <a:avLst/>
@@ -4420,7 +4405,7 @@
           <p:spPr>
             <a:xfrm>
               <a:off x="1371600" y="990720"/>
-              <a:ext cx="75960" cy="75960"/>
+              <a:ext cx="75600" cy="75600"/>
             </a:xfrm>
             <a:prstGeom prst="rtTriangle">
               <a:avLst/>
@@ -4451,7 +4436,7 @@
           <p:spPr>
             <a:xfrm>
               <a:off x="1752480" y="1066680"/>
-              <a:ext cx="75960" cy="75960"/>
+              <a:ext cx="75600" cy="75600"/>
             </a:xfrm>
             <a:prstGeom prst="rtTriangle">
               <a:avLst/>
@@ -4479,8 +4464,8 @@
         </p:nvSpPr>
         <p:spPr>
           <a:xfrm rot="16200000">
-            <a:off x="8839080" y="1143360"/>
-            <a:ext cx="456840" cy="151920"/>
+            <a:off x="8839080" y="1143720"/>
+            <a:ext cx="456480" cy="151560"/>
           </a:xfrm>
           <a:prstGeom prst="rect">
             <a:avLst/>
@@ -4507,8 +4492,8 @@
         </p:nvSpPr>
         <p:spPr>
           <a:xfrm flipH="1" rot="5400000">
-            <a:off x="7507440" y="2550600"/>
-            <a:ext cx="3042720" cy="75960"/>
+            <a:off x="7507440" y="2550960"/>
+            <a:ext cx="3042360" cy="75600"/>
           </a:xfrm>
           <a:prstGeom prst="rect">
             <a:avLst/>
@@ -4535,8 +4520,8 @@
         </p:nvSpPr>
         <p:spPr>
           <a:xfrm flipH="1" rot="5400000">
-            <a:off x="7504920" y="2629080"/>
-            <a:ext cx="3200040" cy="75960"/>
+            <a:off x="7504920" y="2629440"/>
+            <a:ext cx="3199680" cy="75600"/>
           </a:xfrm>
           <a:prstGeom prst="rect">
             <a:avLst/>
@@ -4563,8 +4548,8 @@
         </p:nvSpPr>
         <p:spPr>
           <a:xfrm flipH="1" rot="5400000">
-            <a:off x="9089280" y="4213440"/>
-            <a:ext cx="31320" cy="75960"/>
+            <a:off x="9089280" y="4213800"/>
+            <a:ext cx="30960" cy="75600"/>
           </a:xfrm>
           <a:prstGeom prst="rtTriangle">
             <a:avLst/>
@@ -4594,8 +4579,8 @@
         </p:nvSpPr>
         <p:spPr>
           <a:xfrm flipH="1" rot="5400000">
-            <a:off x="9013320" y="4061160"/>
-            <a:ext cx="31320" cy="75960"/>
+            <a:off x="9013320" y="4061520"/>
+            <a:ext cx="30960" cy="75600"/>
           </a:xfrm>
           <a:prstGeom prst="rtTriangle">
             <a:avLst/>
@@ -4681,7 +4666,7 @@
         <p:spPr>
           <a:xfrm>
             <a:off x="0" y="6553080"/>
-            <a:ext cx="1180800" cy="304560"/>
+            <a:ext cx="1180440" cy="304200"/>
           </a:xfrm>
           <a:prstGeom prst="rect">
             <a:avLst/>
@@ -4698,7 +4683,7 @@
           <a:fontRef idx="minor"/>
         </p:style>
         <p:txBody>
-          <a:bodyPr anchor="t">
+          <a:bodyPr lIns="90000" rIns="90000" tIns="45000" bIns="45000" anchor="t">
             <a:noAutofit/>
           </a:bodyPr>
           <a:p>
@@ -4714,6 +4699,7 @@
                   <a:srgbClr val="000000"/>
                 </a:solidFill>
                 <a:latin typeface="Arial"/>
+                <a:ea typeface="DejaVu Sans"/>
               </a:rPr>
               <a:t>©ESL/EPFL   </a:t>
             </a:r>
@@ -4732,7 +4718,7 @@
         <p:spPr>
           <a:xfrm>
             <a:off x="8534520" y="6429240"/>
-            <a:ext cx="495000" cy="304200"/>
+            <a:ext cx="494640" cy="302760"/>
           </a:xfrm>
           <a:prstGeom prst="rect">
             <a:avLst/>
@@ -4749,7 +4735,7 @@
           <a:fontRef idx="minor"/>
         </p:style>
         <p:txBody>
-          <a:bodyPr anchor="t">
+          <a:bodyPr lIns="90000" rIns="90000" tIns="45000" bIns="45000" anchor="t">
             <a:spAutoFit/>
           </a:bodyPr>
           <a:p>
@@ -4762,12 +4748,13 @@
               </a:spcBef>
               <a:buNone/>
             </a:pPr>
-            <a:fld id="{C77F9202-7CE8-4C82-B606-CB2BD00335EC}" type="slidenum">
+            <a:fld id="{3954BFE4-12AB-47D8-886A-572B1ED04B47}" type="slidenum">
               <a:rPr b="0" lang="en-US" sz="1400" spc="-1" strike="noStrike">
                 <a:solidFill>
                   <a:srgbClr val="000000"/>
                 </a:solidFill>
                 <a:latin typeface="Arial"/>
+                <a:ea typeface="DejaVu Sans"/>
               </a:rPr>
               <a:t>&lt;number&gt;</a:t>
             </a:fld>
@@ -4786,7 +4773,7 @@
         <p:spPr>
           <a:xfrm>
             <a:off x="8477280" y="6381720"/>
-            <a:ext cx="475920" cy="304560"/>
+            <a:ext cx="475560" cy="304200"/>
           </a:xfrm>
           <a:prstGeom prst="rect">
             <a:avLst/>
@@ -4816,7 +4803,7 @@
         <p:spPr>
           <a:xfrm>
             <a:off x="-33480" y="250920"/>
-            <a:ext cx="1442880" cy="624960"/>
+            <a:ext cx="1442520" cy="624600"/>
           </a:xfrm>
           <a:prstGeom prst="rect">
             <a:avLst/>
@@ -4834,8 +4821,8 @@
         </p:nvSpPr>
         <p:spPr>
           <a:xfrm flipH="1" rot="5400000">
-            <a:off x="9013320" y="4061160"/>
-            <a:ext cx="31320" cy="75960"/>
+            <a:off x="9013320" y="4061520"/>
+            <a:ext cx="30960" cy="75600"/>
           </a:xfrm>
           <a:prstGeom prst="rtTriangle">
             <a:avLst/>
@@ -4862,10 +4849,10 @@
         </p:nvGrpSpPr>
         <p:grpSpPr>
           <a:xfrm>
-            <a:off x="1095120" y="1876320"/>
-            <a:ext cx="7772040" cy="4114440"/>
-            <a:chOff x="1095120" y="1876320"/>
-            <a:chExt cx="7772040" cy="4114440"/>
+            <a:off x="1094760" y="1876320"/>
+            <a:ext cx="7771680" cy="4113720"/>
+            <a:chOff x="1094760" y="1876320"/>
+            <a:chExt cx="7771680" cy="4113720"/>
           </a:xfrm>
         </p:grpSpPr>
         <p:sp>
@@ -4877,7 +4864,7 @@
           <p:spPr>
             <a:xfrm flipH="1" flipV="1">
               <a:off x="1094760" y="5838120"/>
-              <a:ext cx="7391160" cy="75960"/>
+              <a:ext cx="7390800" cy="75600"/>
             </a:xfrm>
             <a:prstGeom prst="rect">
               <a:avLst/>
@@ -4905,7 +4892,7 @@
           <p:spPr>
             <a:xfrm flipH="1" flipV="1">
               <a:off x="1094760" y="5914440"/>
-              <a:ext cx="7772040" cy="75960"/>
+              <a:ext cx="7771680" cy="75600"/>
             </a:xfrm>
             <a:prstGeom prst="rect">
               <a:avLst/>
@@ -4933,7 +4920,7 @@
           <p:spPr>
             <a:xfrm flipH="1" flipV="1">
               <a:off x="8790840" y="5914440"/>
-              <a:ext cx="75960" cy="75960"/>
+              <a:ext cx="75600" cy="75600"/>
             </a:xfrm>
             <a:prstGeom prst="rtTriangle">
               <a:avLst/>
@@ -4964,7 +4951,7 @@
           <p:spPr>
             <a:xfrm flipH="1" flipV="1">
               <a:off x="8414640" y="5838120"/>
-              <a:ext cx="75960" cy="75960"/>
+              <a:ext cx="75600" cy="75600"/>
             </a:xfrm>
             <a:prstGeom prst="rtTriangle">
               <a:avLst/>
@@ -4991,8 +4978,8 @@
           </p:nvSpPr>
           <p:spPr>
             <a:xfrm flipV="1" rot="5400000">
-              <a:off x="-312480" y="4356360"/>
-              <a:ext cx="3042720" cy="75960"/>
+              <a:off x="-312120" y="4356000"/>
+              <a:ext cx="3042360" cy="75600"/>
             </a:xfrm>
             <a:prstGeom prst="rect">
               <a:avLst/>
@@ -5019,8 +5006,8 @@
           </p:nvSpPr>
           <p:spPr>
             <a:xfrm flipV="1" rot="5400000">
-              <a:off x="-466560" y="4276440"/>
-              <a:ext cx="3200040" cy="75960"/>
+              <a:off x="-466560" y="4276800"/>
+              <a:ext cx="3199680" cy="75600"/>
             </a:xfrm>
             <a:prstGeom prst="rect">
               <a:avLst/>
@@ -5047,8 +5034,8 @@
           </p:nvSpPr>
           <p:spPr>
             <a:xfrm flipV="1" rot="5400000">
-              <a:off x="1117800" y="2692080"/>
-              <a:ext cx="31320" cy="75960"/>
+              <a:off x="1117800" y="2692440"/>
+              <a:ext cx="30960" cy="75600"/>
             </a:xfrm>
             <a:prstGeom prst="rtTriangle">
               <a:avLst/>
@@ -5078,8 +5065,8 @@
           </p:nvSpPr>
           <p:spPr>
             <a:xfrm flipV="1" rot="5400000">
-              <a:off x="1193760" y="2844360"/>
-              <a:ext cx="31320" cy="75960"/>
+              <a:off x="1193760" y="2844720"/>
+              <a:ext cx="30960" cy="75600"/>
             </a:xfrm>
             <a:prstGeom prst="rtTriangle">
               <a:avLst/>
@@ -5166,7 +5153,7 @@
         <p:spPr>
           <a:xfrm>
             <a:off x="8524800" y="6429240"/>
-            <a:ext cx="475920" cy="304200"/>
+            <a:ext cx="475560" cy="302760"/>
           </a:xfrm>
           <a:prstGeom prst="rect">
             <a:avLst/>
@@ -5183,7 +5170,7 @@
           <a:fontRef idx="minor"/>
         </p:style>
         <p:txBody>
-          <a:bodyPr anchor="t">
+          <a:bodyPr lIns="90000" rIns="90000" tIns="45000" bIns="45000" anchor="t">
             <a:spAutoFit/>
           </a:bodyPr>
           <a:p>
@@ -5196,12 +5183,13 @@
               </a:spcBef>
               <a:buNone/>
             </a:pPr>
-            <a:fld id="{8B9CE936-2553-4EE3-AE87-A8E52F5B095D}" type="slidenum">
+            <a:fld id="{FE81AD21-0568-47B9-B00B-24BAD273993B}" type="slidenum">
               <a:rPr b="0" lang="en-US" sz="1400" spc="-1" strike="noStrike">
                 <a:solidFill>
                   <a:srgbClr val="000000"/>
                 </a:solidFill>
                 <a:latin typeface="Arial"/>
+                <a:ea typeface="DejaVu Sans"/>
               </a:rPr>
               <a:t>&lt;number&gt;</a:t>
             </a:fld>
@@ -5223,41 +5211,29 @@
         </p:nvSpPr>
         <p:spPr>
           <a:xfrm>
-            <a:off x="1295280" y="1676520"/>
-            <a:ext cx="7772040" cy="1469520"/>
-          </a:xfrm>
-          <a:prstGeom prst="rect">
-            <a:avLst/>
-          </a:prstGeom>
-          <a:noFill/>
-          <a:ln w="9360">
-            <a:noFill/>
-          </a:ln>
-        </p:spPr>
-        <p:txBody>
-          <a:bodyPr numCol="1" spcCol="0" anchor="ctr">
+            <a:off x="1371600" y="152280"/>
+            <a:ext cx="7543080" cy="791280"/>
+          </a:xfrm>
+          <a:prstGeom prst="rect">
+            <a:avLst/>
+          </a:prstGeom>
+          <a:noFill/>
+          <a:ln w="0">
+            <a:noFill/>
+          </a:ln>
+        </p:spPr>
+        <p:txBody>
+          <a:bodyPr numCol="1" spcCol="0" lIns="0" rIns="0" tIns="0" bIns="0" anchor="ctr">
             <a:noAutofit/>
           </a:bodyPr>
           <a:p>
-            <a:pPr algn="ctr">
-              <a:lnSpc>
-                <a:spcPct val="100000"/>
-              </a:lnSpc>
-              <a:buNone/>
-            </a:pPr>
-            <a:r>
-              <a:rPr b="0" lang="en-US" sz="3000" spc="-1" strike="noStrike">
-                <a:solidFill>
-                  <a:srgbClr val="000000"/>
-                </a:solidFill>
+            <a:r>
+              <a:rPr b="0" lang="en-US" sz="1800" spc="-1" strike="noStrike">
                 <a:latin typeface="Arial"/>
               </a:rPr>
-              <a:t>Click to edit Master title style</a:t>
-            </a:r>
-            <a:endParaRPr b="0" lang="en-US" sz="3000" spc="-1" strike="noStrike">
-              <a:solidFill>
-                <a:srgbClr val="0000b6"/>
-              </a:solidFill>
+              <a:t>Click to edit the title text format</a:t>
+            </a:r>
+            <a:endParaRPr b="0" lang="en-US" sz="1800" spc="-1" strike="noStrike">
               <a:latin typeface="Arial"/>
             </a:endParaRPr>
           </a:p>
@@ -5303,18 +5279,12 @@
               <a:buChar char=""/>
             </a:pPr>
             <a:r>
-              <a:rPr b="0" lang="en-US" sz="2400" spc="-1" strike="noStrike">
-                <a:solidFill>
-                  <a:srgbClr val="000000"/>
-                </a:solidFill>
+              <a:rPr b="0" lang="en-US" sz="3200" spc="-1" strike="noStrike">
                 <a:latin typeface="Arial"/>
               </a:rPr>
               <a:t>Click to edit the outline text format</a:t>
             </a:r>
-            <a:endParaRPr b="0" lang="en-US" sz="2400" spc="-1" strike="noStrike">
-              <a:solidFill>
-                <a:srgbClr val="000000"/>
-              </a:solidFill>
+            <a:endParaRPr b="0" lang="en-US" sz="3200" spc="-1" strike="noStrike">
               <a:latin typeface="Arial"/>
             </a:endParaRPr>
           </a:p>
@@ -5331,18 +5301,12 @@
               <a:buChar char=""/>
             </a:pPr>
             <a:r>
-              <a:rPr b="0" lang="en-US" sz="1800" spc="-1" strike="noStrike">
-                <a:solidFill>
-                  <a:srgbClr val="000000"/>
-                </a:solidFill>
+              <a:rPr b="0" lang="en-US" sz="2800" spc="-1" strike="noStrike">
                 <a:latin typeface="Arial"/>
               </a:rPr>
               <a:t>Second Outline Level</a:t>
             </a:r>
-            <a:endParaRPr b="0" lang="en-US" sz="1800" spc="-1" strike="noStrike">
-              <a:solidFill>
-                <a:srgbClr val="000000"/>
-              </a:solidFill>
+            <a:endParaRPr b="0" lang="en-US" sz="2800" spc="-1" strike="noStrike">
               <a:latin typeface="Arial"/>
             </a:endParaRPr>
           </a:p>
@@ -5359,18 +5323,12 @@
               <a:buChar char=""/>
             </a:pPr>
             <a:r>
-              <a:rPr b="0" lang="en-US" sz="2000" spc="-1" strike="noStrike">
-                <a:solidFill>
-                  <a:srgbClr val="000000"/>
-                </a:solidFill>
+              <a:rPr b="0" lang="en-US" sz="2400" spc="-1" strike="noStrike">
                 <a:latin typeface="Arial"/>
               </a:rPr>
               <a:t>Third Outline Level</a:t>
             </a:r>
-            <a:endParaRPr b="0" lang="en-US" sz="2000" spc="-1" strike="noStrike">
-              <a:solidFill>
-                <a:srgbClr val="000000"/>
-              </a:solidFill>
+            <a:endParaRPr b="0" lang="en-US" sz="2400" spc="-1" strike="noStrike">
               <a:latin typeface="Arial"/>
             </a:endParaRPr>
           </a:p>
@@ -5388,17 +5346,11 @@
             </a:pPr>
             <a:r>
               <a:rPr b="0" lang="en-US" sz="2000" spc="-1" strike="noStrike">
-                <a:solidFill>
-                  <a:srgbClr val="000000"/>
-                </a:solidFill>
                 <a:latin typeface="Arial"/>
               </a:rPr>
               <a:t>Fourth Outline Level</a:t>
             </a:r>
             <a:endParaRPr b="0" lang="en-US" sz="2000" spc="-1" strike="noStrike">
-              <a:solidFill>
-                <a:srgbClr val="000000"/>
-              </a:solidFill>
               <a:latin typeface="Arial"/>
             </a:endParaRPr>
           </a:p>
@@ -5416,17 +5368,11 @@
             </a:pPr>
             <a:r>
               <a:rPr b="0" lang="en-US" sz="2000" spc="-1" strike="noStrike">
-                <a:solidFill>
-                  <a:srgbClr val="000000"/>
-                </a:solidFill>
                 <a:latin typeface="Arial"/>
               </a:rPr>
               <a:t>Fifth Outline Level</a:t>
             </a:r>
             <a:endParaRPr b="0" lang="en-US" sz="2000" spc="-1" strike="noStrike">
-              <a:solidFill>
-                <a:srgbClr val="000000"/>
-              </a:solidFill>
               <a:latin typeface="Arial"/>
             </a:endParaRPr>
           </a:p>
@@ -5444,17 +5390,11 @@
             </a:pPr>
             <a:r>
               <a:rPr b="0" lang="en-US" sz="2000" spc="-1" strike="noStrike">
-                <a:solidFill>
-                  <a:srgbClr val="000000"/>
-                </a:solidFill>
                 <a:latin typeface="Arial"/>
               </a:rPr>
               <a:t>Sixth Outline Level</a:t>
             </a:r>
             <a:endParaRPr b="0" lang="en-US" sz="2000" spc="-1" strike="noStrike">
-              <a:solidFill>
-                <a:srgbClr val="000000"/>
-              </a:solidFill>
               <a:latin typeface="Arial"/>
             </a:endParaRPr>
           </a:p>
@@ -5472,17 +5412,11 @@
             </a:pPr>
             <a:r>
               <a:rPr b="0" lang="en-US" sz="2000" spc="-1" strike="noStrike">
-                <a:solidFill>
-                  <a:srgbClr val="000000"/>
-                </a:solidFill>
                 <a:latin typeface="Arial"/>
               </a:rPr>
               <a:t>Seventh Outline Level</a:t>
             </a:r>
             <a:endParaRPr b="0" lang="en-US" sz="2000" spc="-1" strike="noStrike">
-              <a:solidFill>
-                <a:srgbClr val="000000"/>
-              </a:solidFill>
               <a:latin typeface="Arial"/>
             </a:endParaRPr>
           </a:p>
@@ -5541,9 +5475,9 @@
         <p:grpSpPr>
           <a:xfrm>
             <a:off x="1371600" y="990720"/>
-            <a:ext cx="7772040" cy="151920"/>
+            <a:ext cx="7771680" cy="151560"/>
             <a:chOff x="1371600" y="990720"/>
-            <a:chExt cx="7772040" cy="151920"/>
+            <a:chExt cx="7771680" cy="151560"/>
           </a:xfrm>
         </p:grpSpPr>
         <p:sp>
@@ -5555,7 +5489,7 @@
           <p:spPr>
             <a:xfrm>
               <a:off x="1752480" y="1066680"/>
-              <a:ext cx="7391160" cy="75960"/>
+              <a:ext cx="7390800" cy="75600"/>
             </a:xfrm>
             <a:prstGeom prst="rect">
               <a:avLst/>
@@ -5583,7 +5517,7 @@
           <p:spPr>
             <a:xfrm>
               <a:off x="1371600" y="990720"/>
-              <a:ext cx="7772040" cy="75960"/>
+              <a:ext cx="7771680" cy="75600"/>
             </a:xfrm>
             <a:prstGeom prst="rect">
               <a:avLst/>
@@ -5611,7 +5545,7 @@
           <p:spPr>
             <a:xfrm>
               <a:off x="1371600" y="990720"/>
-              <a:ext cx="75960" cy="75960"/>
+              <a:ext cx="75600" cy="75600"/>
             </a:xfrm>
             <a:prstGeom prst="rtTriangle">
               <a:avLst/>
@@ -5642,7 +5576,7 @@
           <p:spPr>
             <a:xfrm>
               <a:off x="1752480" y="1066680"/>
-              <a:ext cx="75960" cy="75960"/>
+              <a:ext cx="75600" cy="75600"/>
             </a:xfrm>
             <a:prstGeom prst="rtTriangle">
               <a:avLst/>
@@ -5670,8 +5604,8 @@
         </p:nvSpPr>
         <p:spPr>
           <a:xfrm rot="16200000">
-            <a:off x="8839080" y="1143360"/>
-            <a:ext cx="456840" cy="151920"/>
+            <a:off x="8839080" y="1143720"/>
+            <a:ext cx="456480" cy="151560"/>
           </a:xfrm>
           <a:prstGeom prst="rect">
             <a:avLst/>
@@ -5698,8 +5632,8 @@
         </p:nvSpPr>
         <p:spPr>
           <a:xfrm flipH="1" rot="5400000">
-            <a:off x="7507440" y="2550600"/>
-            <a:ext cx="3042720" cy="75960"/>
+            <a:off x="7507440" y="2550960"/>
+            <a:ext cx="3042360" cy="75600"/>
           </a:xfrm>
           <a:prstGeom prst="rect">
             <a:avLst/>
@@ -5726,8 +5660,8 @@
         </p:nvSpPr>
         <p:spPr>
           <a:xfrm flipH="1" rot="5400000">
-            <a:off x="7504920" y="2629080"/>
-            <a:ext cx="3200040" cy="75960"/>
+            <a:off x="7504920" y="2629440"/>
+            <a:ext cx="3199680" cy="75600"/>
           </a:xfrm>
           <a:prstGeom prst="rect">
             <a:avLst/>
@@ -5754,8 +5688,8 @@
         </p:nvSpPr>
         <p:spPr>
           <a:xfrm flipH="1" rot="5400000">
-            <a:off x="9089280" y="4213440"/>
-            <a:ext cx="31320" cy="75960"/>
+            <a:off x="9089280" y="4213800"/>
+            <a:ext cx="30960" cy="75600"/>
           </a:xfrm>
           <a:prstGeom prst="rtTriangle">
             <a:avLst/>
@@ -5785,8 +5719,8 @@
         </p:nvSpPr>
         <p:spPr>
           <a:xfrm flipH="1" rot="5400000">
-            <a:off x="9013320" y="4061160"/>
-            <a:ext cx="31320" cy="75960"/>
+            <a:off x="9013320" y="4061520"/>
+            <a:ext cx="30960" cy="75600"/>
           </a:xfrm>
           <a:prstGeom prst="rtTriangle">
             <a:avLst/>
@@ -5872,7 +5806,7 @@
         <p:spPr>
           <a:xfrm>
             <a:off x="0" y="6553080"/>
-            <a:ext cx="1180800" cy="304560"/>
+            <a:ext cx="1180440" cy="304200"/>
           </a:xfrm>
           <a:prstGeom prst="rect">
             <a:avLst/>
@@ -5889,7 +5823,7 @@
           <a:fontRef idx="minor"/>
         </p:style>
         <p:txBody>
-          <a:bodyPr anchor="t">
+          <a:bodyPr lIns="90000" rIns="90000" tIns="45000" bIns="45000" anchor="t">
             <a:noAutofit/>
           </a:bodyPr>
           <a:p>
@@ -5905,6 +5839,7 @@
                   <a:srgbClr val="000000"/>
                 </a:solidFill>
                 <a:latin typeface="Arial"/>
+                <a:ea typeface="DejaVu Sans"/>
               </a:rPr>
               <a:t>©ESL/EPFL   </a:t>
             </a:r>
@@ -5923,7 +5858,7 @@
         <p:spPr>
           <a:xfrm>
             <a:off x="8534520" y="6429240"/>
-            <a:ext cx="495000" cy="304200"/>
+            <a:ext cx="494640" cy="302760"/>
           </a:xfrm>
           <a:prstGeom prst="rect">
             <a:avLst/>
@@ -5940,7 +5875,7 @@
           <a:fontRef idx="minor"/>
         </p:style>
         <p:txBody>
-          <a:bodyPr anchor="t">
+          <a:bodyPr lIns="90000" rIns="90000" tIns="45000" bIns="45000" anchor="t">
             <a:spAutoFit/>
           </a:bodyPr>
           <a:p>
@@ -5953,12 +5888,13 @@
               </a:spcBef>
               <a:buNone/>
             </a:pPr>
-            <a:fld id="{33B58E54-82CC-4088-84E1-EE2C56E83425}" type="slidenum">
+            <a:fld id="{3A913740-9F68-4E1E-9CAD-013C538B1133}" type="slidenum">
               <a:rPr b="0" lang="en-US" sz="1400" spc="-1" strike="noStrike">
                 <a:solidFill>
                   <a:srgbClr val="000000"/>
                 </a:solidFill>
                 <a:latin typeface="Arial"/>
+                <a:ea typeface="DejaVu Sans"/>
               </a:rPr>
               <a:t>&lt;number&gt;</a:t>
             </a:fld>
@@ -5977,7 +5913,7 @@
         <p:spPr>
           <a:xfrm>
             <a:off x="8477280" y="6381720"/>
-            <a:ext cx="475920" cy="304560"/>
+            <a:ext cx="475560" cy="304200"/>
           </a:xfrm>
           <a:prstGeom prst="rect">
             <a:avLst/>
@@ -6007,7 +5943,7 @@
         <p:spPr>
           <a:xfrm>
             <a:off x="-33480" y="250920"/>
-            <a:ext cx="1442880" cy="624960"/>
+            <a:ext cx="1442520" cy="624600"/>
           </a:xfrm>
           <a:prstGeom prst="rect">
             <a:avLst/>
@@ -6024,258 +5960,24 @@
             <a:spLocks noGrp="1"/>
           </p:cNvSpPr>
           <p:nvPr>
-            <p:ph type="title"/>
-          </p:nvPr>
-        </p:nvSpPr>
-        <p:spPr>
-          <a:xfrm>
-            <a:off x="1371600" y="152280"/>
-            <a:ext cx="7543440" cy="791640"/>
-          </a:xfrm>
-          <a:prstGeom prst="rect">
-            <a:avLst/>
-          </a:prstGeom>
-          <a:noFill/>
-          <a:ln w="9360">
-            <a:noFill/>
-          </a:ln>
-        </p:spPr>
-        <p:txBody>
-          <a:bodyPr numCol="1" spcCol="0" anchor="ctr">
-            <a:noAutofit/>
-          </a:bodyPr>
-          <a:p>
-            <a:pPr algn="ctr">
-              <a:lnSpc>
-                <a:spcPct val="100000"/>
-              </a:lnSpc>
-              <a:buNone/>
-            </a:pPr>
-            <a:r>
-              <a:rPr b="0" lang="es-ES_tradnl" sz="3000" spc="-1" strike="noStrike">
-                <a:solidFill>
-                  <a:srgbClr val="000000"/>
-                </a:solidFill>
-                <a:latin typeface="Arial"/>
-              </a:rPr>
-              <a:t>Click to edit Master title style</a:t>
-            </a:r>
-            <a:endParaRPr b="0" lang="en-US" sz="3000" spc="-1" strike="noStrike">
-              <a:solidFill>
-                <a:srgbClr val="0000b6"/>
-              </a:solidFill>
-              <a:latin typeface="Arial"/>
-            </a:endParaRPr>
-          </a:p>
-        </p:txBody>
-      </p:sp>
-      <p:sp>
-        <p:nvSpPr>
-          <p:cNvPr id="84" name="PlaceHolder 2"/>
-          <p:cNvSpPr>
-            <a:spLocks noGrp="1"/>
-          </p:cNvSpPr>
-          <p:nvPr>
-            <p:ph type="body"/>
-          </p:nvPr>
-        </p:nvSpPr>
-        <p:spPr>
-          <a:xfrm>
-            <a:off x="343080" y="1447920"/>
-            <a:ext cx="8572320" cy="4677840"/>
-          </a:xfrm>
-          <a:prstGeom prst="rect">
-            <a:avLst/>
-          </a:prstGeom>
-          <a:noFill/>
-          <a:ln w="9360">
-            <a:noFill/>
-          </a:ln>
-        </p:spPr>
-        <p:txBody>
-          <a:bodyPr numCol="1" spcCol="0" anchor="t">
-            <a:noAutofit/>
-          </a:bodyPr>
-          <a:p>
-            <a:pPr marL="341280" indent="-341280">
-              <a:lnSpc>
-                <a:spcPct val="100000"/>
-              </a:lnSpc>
-              <a:spcBef>
-                <a:spcPts val="479"/>
-              </a:spcBef>
-              <a:buClr>
-                <a:srgbClr val="ff0000"/>
-              </a:buClr>
-              <a:buFont typeface="Wingdings" charset="2"/>
-              <a:buChar char=""/>
-            </a:pPr>
-            <a:r>
-              <a:rPr b="0" lang="es-ES_tradnl" sz="2400" spc="-1" strike="noStrike">
-                <a:solidFill>
-                  <a:srgbClr val="000000"/>
-                </a:solidFill>
-                <a:latin typeface="Arial"/>
-              </a:rPr>
-              <a:t>Click to edit Master text styles</a:t>
-            </a:r>
-            <a:endParaRPr b="0" lang="en-US" sz="2400" spc="-1" strike="noStrike">
-              <a:solidFill>
-                <a:srgbClr val="000000"/>
-              </a:solidFill>
-              <a:latin typeface="Arial"/>
-            </a:endParaRPr>
-          </a:p>
-          <a:p>
-            <a:pPr lvl="1" marL="740880" indent="-284040">
-              <a:lnSpc>
-                <a:spcPct val="100000"/>
-              </a:lnSpc>
-              <a:spcBef>
-                <a:spcPts val="400"/>
-              </a:spcBef>
-              <a:buClr>
-                <a:srgbClr val="669998"/>
-              </a:buClr>
-              <a:buFont typeface="Wingdings" charset="2"/>
-              <a:buChar char=""/>
-            </a:pPr>
-            <a:r>
-              <a:rPr b="0" lang="es-ES_tradnl" sz="2000" spc="-1" strike="noStrike">
-                <a:solidFill>
-                  <a:srgbClr val="000000"/>
-                </a:solidFill>
-                <a:latin typeface="Arial"/>
-                <a:ea typeface="ＭＳ Ｐゴシック"/>
-              </a:rPr>
-              <a:t>Second level</a:t>
-            </a:r>
-            <a:endParaRPr b="0" lang="en-US" sz="2000" spc="-1" strike="noStrike">
-              <a:solidFill>
-                <a:srgbClr val="000000"/>
-              </a:solidFill>
-              <a:latin typeface="Arial"/>
-            </a:endParaRPr>
-          </a:p>
-          <a:p>
-            <a:pPr lvl="2" marL="1140840" indent="-226800">
-              <a:lnSpc>
-                <a:spcPct val="100000"/>
-              </a:lnSpc>
-              <a:spcBef>
-                <a:spcPts val="360"/>
-              </a:spcBef>
-              <a:buClr>
-                <a:srgbClr val="9abcbb"/>
-              </a:buClr>
-              <a:buFont typeface="Symbol"/>
-              <a:buChar char="-"/>
-            </a:pPr>
-            <a:r>
-              <a:rPr b="0" lang="es-ES_tradnl" sz="1800" spc="-1" strike="noStrike">
-                <a:solidFill>
-                  <a:srgbClr val="000000"/>
-                </a:solidFill>
-                <a:latin typeface="Arial"/>
-                <a:ea typeface="ＭＳ Ｐゴシック"/>
-              </a:rPr>
-              <a:t>Third level</a:t>
-            </a:r>
-            <a:endParaRPr b="0" lang="en-US" sz="1800" spc="-1" strike="noStrike">
-              <a:solidFill>
-                <a:srgbClr val="000000"/>
-              </a:solidFill>
-              <a:latin typeface="Arial"/>
-            </a:endParaRPr>
-          </a:p>
-          <a:p>
-            <a:pPr lvl="3" marL="1597680" indent="-226800">
-              <a:lnSpc>
-                <a:spcPct val="100000"/>
-              </a:lnSpc>
-              <a:spcBef>
-                <a:spcPts val="400"/>
-              </a:spcBef>
-              <a:buClr>
-                <a:srgbClr val="000000"/>
-              </a:buClr>
-              <a:buFont typeface="Symbol" charset="2"/>
-              <a:buChar char=""/>
-            </a:pPr>
-            <a:r>
-              <a:rPr b="0" lang="es-ES_tradnl" sz="2000" spc="-1" strike="noStrike">
-                <a:solidFill>
-                  <a:srgbClr val="000000"/>
-                </a:solidFill>
-                <a:latin typeface="Arial"/>
-                <a:ea typeface="ＭＳ Ｐゴシック"/>
-              </a:rPr>
-              <a:t>Fourth level</a:t>
-            </a:r>
-            <a:endParaRPr b="0" lang="en-US" sz="2000" spc="-1" strike="noStrike">
-              <a:solidFill>
-                <a:srgbClr val="000000"/>
-              </a:solidFill>
-              <a:latin typeface="Arial"/>
-            </a:endParaRPr>
-          </a:p>
-          <a:p>
-            <a:pPr marL="2054520" indent="-226800">
-              <a:lnSpc>
-                <a:spcPct val="100000"/>
-              </a:lnSpc>
-              <a:spcBef>
-                <a:spcPts val="400"/>
-              </a:spcBef>
-              <a:buNone/>
-              <a:tabLst>
-                <a:tab algn="l" pos="0"/>
-              </a:tabLst>
-            </a:pPr>
-            <a:r>
-              <a:rPr b="0" lang="es-ES_tradnl" sz="2000" spc="-1" strike="noStrike">
-                <a:solidFill>
-                  <a:srgbClr val="000000"/>
-                </a:solidFill>
-                <a:latin typeface="Arial"/>
-                <a:ea typeface="ＭＳ Ｐゴシック"/>
-              </a:rPr>
-              <a:t>Fifth level</a:t>
-            </a:r>
-            <a:endParaRPr b="0" lang="en-US" sz="2000" spc="-1" strike="noStrike">
-              <a:solidFill>
-                <a:srgbClr val="000000"/>
-              </a:solidFill>
-              <a:latin typeface="Arial"/>
-            </a:endParaRPr>
-          </a:p>
-        </p:txBody>
-      </p:sp>
-      <p:sp>
-        <p:nvSpPr>
-          <p:cNvPr id="85" name="PlaceHolder 3"/>
-          <p:cNvSpPr>
-            <a:spLocks noGrp="1"/>
-          </p:cNvSpPr>
-          <p:nvPr>
             <p:ph type="ftr" idx="1"/>
           </p:nvPr>
         </p:nvSpPr>
         <p:spPr>
           <a:xfrm>
             <a:off x="3213000" y="6505560"/>
-            <a:ext cx="2895120" cy="285480"/>
-          </a:xfrm>
-          <a:prstGeom prst="rect">
-            <a:avLst/>
-          </a:prstGeom>
-          <a:noFill/>
-          <a:ln w="0">
-            <a:noFill/>
-          </a:ln>
-        </p:spPr>
-        <p:txBody>
-          <a:bodyPr anchor="t">
+            <a:ext cx="2894760" cy="285120"/>
+          </a:xfrm>
+          <a:prstGeom prst="rect">
+            <a:avLst/>
+          </a:prstGeom>
+          <a:noFill/>
+          <a:ln w="0">
+            <a:noFill/>
+          </a:ln>
+        </p:spPr>
+        <p:txBody>
+          <a:bodyPr lIns="90000" rIns="90000" tIns="45000" bIns="45000" anchor="t">
             <a:noAutofit/>
           </a:bodyPr>
           <a:lstStyle>
@@ -6310,6 +6012,232 @@
             </a:r>
             <a:endParaRPr b="0" lang="en-US" sz="2000" spc="-1" strike="noStrike">
               <a:latin typeface="Times New Roman"/>
+            </a:endParaRPr>
+          </a:p>
+        </p:txBody>
+      </p:sp>
+      <p:sp>
+        <p:nvSpPr>
+          <p:cNvPr id="84" name="PlaceHolder 2"/>
+          <p:cNvSpPr>
+            <a:spLocks noGrp="1"/>
+          </p:cNvSpPr>
+          <p:nvPr>
+            <p:ph type="title"/>
+          </p:nvPr>
+        </p:nvSpPr>
+        <p:spPr>
+          <a:xfrm>
+            <a:off x="457200" y="273600"/>
+            <a:ext cx="8229240" cy="1144800"/>
+          </a:xfrm>
+          <a:prstGeom prst="rect">
+            <a:avLst/>
+          </a:prstGeom>
+          <a:noFill/>
+          <a:ln w="0">
+            <a:noFill/>
+          </a:ln>
+        </p:spPr>
+        <p:txBody>
+          <a:bodyPr lIns="0" rIns="0" tIns="0" bIns="0" anchor="ctr">
+            <a:noAutofit/>
+          </a:bodyPr>
+          <a:p>
+            <a:pPr algn="ctr">
+              <a:buNone/>
+            </a:pPr>
+            <a:r>
+              <a:rPr b="0" lang="en-US" sz="4400" spc="-1" strike="noStrike">
+                <a:latin typeface="Arial"/>
+              </a:rPr>
+              <a:t>Click to edit the title text format</a:t>
+            </a:r>
+            <a:endParaRPr b="0" lang="en-US" sz="4400" spc="-1" strike="noStrike">
+              <a:latin typeface="Arial"/>
+            </a:endParaRPr>
+          </a:p>
+        </p:txBody>
+      </p:sp>
+      <p:sp>
+        <p:nvSpPr>
+          <p:cNvPr id="85" name="PlaceHolder 3"/>
+          <p:cNvSpPr>
+            <a:spLocks noGrp="1"/>
+          </p:cNvSpPr>
+          <p:nvPr>
+            <p:ph type="body"/>
+          </p:nvPr>
+        </p:nvSpPr>
+        <p:spPr>
+          <a:xfrm>
+            <a:off x="457200" y="1604520"/>
+            <a:ext cx="8229240" cy="3977280"/>
+          </a:xfrm>
+          <a:prstGeom prst="rect">
+            <a:avLst/>
+          </a:prstGeom>
+          <a:noFill/>
+          <a:ln w="0">
+            <a:noFill/>
+          </a:ln>
+        </p:spPr>
+        <p:txBody>
+          <a:bodyPr lIns="0" rIns="0" tIns="0" bIns="0" anchor="t">
+            <a:normAutofit/>
+          </a:bodyPr>
+          <a:p>
+            <a:pPr marL="432000" indent="-324000">
+              <a:spcBef>
+                <a:spcPts val="1417"/>
+              </a:spcBef>
+              <a:buClr>
+                <a:srgbClr val="000000"/>
+              </a:buClr>
+              <a:buSzPct val="45000"/>
+              <a:buFont typeface="Wingdings" charset="2"/>
+              <a:buChar char=""/>
+            </a:pPr>
+            <a:r>
+              <a:rPr b="0" lang="en-US" sz="3200" spc="-1" strike="noStrike">
+                <a:latin typeface="Arial"/>
+              </a:rPr>
+              <a:t>Click to edit the outline text format</a:t>
+            </a:r>
+            <a:endParaRPr b="0" lang="en-US" sz="3200" spc="-1" strike="noStrike">
+              <a:latin typeface="Arial"/>
+            </a:endParaRPr>
+          </a:p>
+          <a:p>
+            <a:pPr lvl="1" marL="864000" indent="-324000">
+              <a:spcBef>
+                <a:spcPts val="1134"/>
+              </a:spcBef>
+              <a:buClr>
+                <a:srgbClr val="000000"/>
+              </a:buClr>
+              <a:buSzPct val="75000"/>
+              <a:buFont typeface="Symbol" charset="2"/>
+              <a:buChar char=""/>
+            </a:pPr>
+            <a:r>
+              <a:rPr b="0" lang="en-US" sz="2800" spc="-1" strike="noStrike">
+                <a:latin typeface="Arial"/>
+              </a:rPr>
+              <a:t>Second Outline Level</a:t>
+            </a:r>
+            <a:endParaRPr b="0" lang="en-US" sz="2800" spc="-1" strike="noStrike">
+              <a:latin typeface="Arial"/>
+            </a:endParaRPr>
+          </a:p>
+          <a:p>
+            <a:pPr lvl="2" marL="1296000" indent="-288000">
+              <a:spcBef>
+                <a:spcPts val="850"/>
+              </a:spcBef>
+              <a:buClr>
+                <a:srgbClr val="000000"/>
+              </a:buClr>
+              <a:buSzPct val="45000"/>
+              <a:buFont typeface="Wingdings" charset="2"/>
+              <a:buChar char=""/>
+            </a:pPr>
+            <a:r>
+              <a:rPr b="0" lang="en-US" sz="2400" spc="-1" strike="noStrike">
+                <a:latin typeface="Arial"/>
+              </a:rPr>
+              <a:t>Third Outline Level</a:t>
+            </a:r>
+            <a:endParaRPr b="0" lang="en-US" sz="2400" spc="-1" strike="noStrike">
+              <a:latin typeface="Arial"/>
+            </a:endParaRPr>
+          </a:p>
+          <a:p>
+            <a:pPr lvl="3" marL="1728000" indent="-216000">
+              <a:spcBef>
+                <a:spcPts val="567"/>
+              </a:spcBef>
+              <a:buClr>
+                <a:srgbClr val="000000"/>
+              </a:buClr>
+              <a:buSzPct val="75000"/>
+              <a:buFont typeface="Symbol" charset="2"/>
+              <a:buChar char=""/>
+            </a:pPr>
+            <a:r>
+              <a:rPr b="0" lang="en-US" sz="2000" spc="-1" strike="noStrike">
+                <a:latin typeface="Arial"/>
+              </a:rPr>
+              <a:t>Fourth Outline Level</a:t>
+            </a:r>
+            <a:endParaRPr b="0" lang="en-US" sz="2000" spc="-1" strike="noStrike">
+              <a:latin typeface="Arial"/>
+            </a:endParaRPr>
+          </a:p>
+          <a:p>
+            <a:pPr lvl="4" marL="2160000" indent="-216000">
+              <a:spcBef>
+                <a:spcPts val="283"/>
+              </a:spcBef>
+              <a:buClr>
+                <a:srgbClr val="000000"/>
+              </a:buClr>
+              <a:buSzPct val="45000"/>
+              <a:buFont typeface="Wingdings" charset="2"/>
+              <a:buChar char=""/>
+            </a:pPr>
+            <a:r>
+              <a:rPr b="0" lang="en-US" sz="2000" spc="-1" strike="noStrike">
+                <a:latin typeface="Arial"/>
+              </a:rPr>
+              <a:t>Fifth Outline Level</a:t>
+            </a:r>
+            <a:endParaRPr b="0" lang="en-US" sz="2000" spc="-1" strike="noStrike">
+              <a:latin typeface="Arial"/>
+            </a:endParaRPr>
+          </a:p>
+          <a:p>
+            <a:pPr lvl="5" marL="2592000" indent="-216000">
+              <a:spcBef>
+                <a:spcPts val="283"/>
+              </a:spcBef>
+              <a:buClr>
+                <a:srgbClr val="000000"/>
+              </a:buClr>
+              <a:buSzPct val="45000"/>
+              <a:buFont typeface="Wingdings" charset="2"/>
+              <a:buChar char=""/>
+            </a:pPr>
+            <a:r>
+              <a:rPr b="0" lang="en-US" sz="2000" spc="-1" strike="noStrike">
+                <a:latin typeface="Arial"/>
+              </a:rPr>
+              <a:t>Sixth Outline Level</a:t>
+            </a:r>
+            <a:endParaRPr b="0" lang="en-US" sz="2000" spc="-1" strike="noStrike">
+              <a:latin typeface="Arial"/>
+            </a:endParaRPr>
+          </a:p>
+          <a:p>
+            <a:pPr lvl="6" marL="3024000" indent="-216000">
+              <a:spcBef>
+                <a:spcPts val="283"/>
+              </a:spcBef>
+              <a:buClr>
+                <a:srgbClr val="000000"/>
+              </a:buClr>
+              <a:buSzPct val="45000"/>
+              <a:buFont typeface="Wingdings" charset="2"/>
+              <a:buChar char=""/>
+            </a:pPr>
+            <a:r>
+              <a:rPr b="0" lang="en-US" sz="2000" spc="-1" strike="noStrike">
+                <a:latin typeface="Arial"/>
+              </a:rPr>
+              <a:t>Seventh Outline Level</a:t>
+            </a:r>
+            <a:endParaRPr b="0" lang="en-US" sz="2000" spc="-1" strike="noStrike">
+              <a:latin typeface="Arial"/>
             </a:endParaRPr>
           </a:p>
         </p:txBody>
@@ -6360,7 +6288,7 @@
         <p:spPr>
           <a:xfrm>
             <a:off x="804960" y="4202280"/>
-            <a:ext cx="183960" cy="396360"/>
+            <a:ext cx="183600" cy="396000"/>
           </a:xfrm>
           <a:prstGeom prst="rect">
             <a:avLst/>
@@ -6386,7 +6314,7 @@
         <p:spPr>
           <a:xfrm>
             <a:off x="738360" y="5105520"/>
-            <a:ext cx="183960" cy="396360"/>
+            <a:ext cx="183600" cy="396000"/>
           </a:xfrm>
           <a:prstGeom prst="rect">
             <a:avLst/>
@@ -6411,8 +6339,8 @@
         </p:nvSpPr>
         <p:spPr>
           <a:xfrm>
-            <a:off x="911160" y="6355080"/>
-            <a:ext cx="183960" cy="700560"/>
+            <a:off x="912240" y="6355800"/>
+            <a:ext cx="181080" cy="699120"/>
           </a:xfrm>
           <a:prstGeom prst="rect">
             <a:avLst/>
@@ -6429,7 +6357,7 @@
           <a:fontRef idx="minor"/>
         </p:style>
         <p:txBody>
-          <a:bodyPr wrap="none" anchor="ctr">
+          <a:bodyPr wrap="none" lIns="90000" rIns="90000" tIns="45000" bIns="45000" anchor="ctr">
             <a:spAutoFit/>
           </a:bodyPr>
           <a:p>
@@ -6469,7 +6397,7 @@
         <p:spPr>
           <a:xfrm>
             <a:off x="1222920" y="5194080"/>
-            <a:ext cx="7920720" cy="647280"/>
+            <a:ext cx="7920360" cy="646920"/>
           </a:xfrm>
           <a:prstGeom prst="rect">
             <a:avLst/>
@@ -6480,7 +6408,7 @@
           </a:ln>
         </p:spPr>
         <p:txBody>
-          <a:bodyPr numCol="1" spcCol="0" anchor="ctr">
+          <a:bodyPr numCol="1" spcCol="0" lIns="0" rIns="0" tIns="0" bIns="0" anchor="ctr">
             <a:noAutofit/>
           </a:bodyPr>
           <a:p>
@@ -6511,9 +6439,6 @@
               <a:t>s</a:t>
             </a:r>
             <a:endParaRPr b="0" lang="en-US" sz="2400" spc="-1" strike="noStrike">
-              <a:solidFill>
-                <a:srgbClr val="0000b6"/>
-              </a:solidFill>
               <a:latin typeface="Arial"/>
             </a:endParaRPr>
           </a:p>
@@ -6528,7 +6453,7 @@
         <p:spPr>
           <a:xfrm>
             <a:off x="1296360" y="1906920"/>
-            <a:ext cx="7847280" cy="1469520"/>
+            <a:ext cx="7846920" cy="1469160"/>
           </a:xfrm>
           <a:prstGeom prst="rect">
             <a:avLst/>
@@ -6545,7 +6470,7 @@
           <a:fontRef idx="minor"/>
         </p:style>
         <p:txBody>
-          <a:bodyPr anchor="ctr">
+          <a:bodyPr lIns="90000" rIns="90000" tIns="45000" bIns="45000" anchor="ctr">
             <a:noAutofit/>
           </a:bodyPr>
           <a:p>
@@ -6600,7 +6525,7 @@
             <a:r>
               <a:rPr b="0" lang="es-ES" sz="2800" spc="-1" strike="noStrike" u="sng">
                 <a:solidFill>
-                  <a:srgbClr val="4169e1"/>
+                  <a:srgbClr val="009999"/>
                 </a:solidFill>
                 <a:uFillTx/>
                 <a:latin typeface="Arial"/>
@@ -6628,7 +6553,7 @@
         <p:spPr>
           <a:xfrm>
             <a:off x="-37800" y="241920"/>
-            <a:ext cx="1494360" cy="647280"/>
+            <a:ext cx="1494000" cy="646920"/>
           </a:xfrm>
           <a:prstGeom prst="rect">
             <a:avLst/>
@@ -6638,6 +6563,46 @@
           </a:ln>
         </p:spPr>
       </p:pic>
+      <p:sp>
+        <p:nvSpPr>
+          <p:cNvPr id="134" name=""/>
+          <p:cNvSpPr txBox="1"/>
+          <p:nvPr/>
+        </p:nvSpPr>
+        <p:spPr>
+          <a:xfrm>
+            <a:off x="4583160" y="3886200"/>
+            <a:ext cx="2274840" cy="883080"/>
+          </a:xfrm>
+          <a:prstGeom prst="rect">
+            <a:avLst/>
+          </a:prstGeom>
+          <a:noFill/>
+          <a:ln w="0">
+            <a:noFill/>
+          </a:ln>
+        </p:spPr>
+        <p:txBody>
+          <a:bodyPr lIns="90000" rIns="90000" tIns="45000" bIns="45000" anchor="t">
+            <a:noAutofit/>
+          </a:bodyPr>
+          <a:p>
+            <a:r>
+              <a:rPr b="0" lang="es-ES" sz="2200" spc="-1" strike="noStrike">
+                <a:solidFill>
+                  <a:srgbClr val="000000"/>
+                </a:solidFill>
+                <a:latin typeface="Arial"/>
+                <a:ea typeface="ＭＳ Ｐゴシック"/>
+              </a:rPr>
+              <a:t>01 / 2024</a:t>
+            </a:r>
+            <a:endParaRPr b="0" lang="en-US" sz="2200" spc="-1" strike="noStrike">
+              <a:latin typeface="Arial"/>
+            </a:endParaRPr>
+          </a:p>
+        </p:txBody>
+      </p:sp>
     </p:spTree>
   </p:cSld>
   <mc:AlternateContent>
@@ -6670,7 +6635,7 @@
       </p:grpSpPr>
       <p:sp>
         <p:nvSpPr>
-          <p:cNvPr id="134" name="PlaceHolder 1"/>
+          <p:cNvPr id="135" name="PlaceHolder 1"/>
           <p:cNvSpPr>
             <a:spLocks noGrp="1"/>
           </p:cNvSpPr>
@@ -6681,7 +6646,7 @@
         <p:spPr>
           <a:xfrm>
             <a:off x="1371600" y="152280"/>
-            <a:ext cx="7543440" cy="791640"/>
+            <a:ext cx="7543080" cy="791280"/>
           </a:xfrm>
           <a:prstGeom prst="rect">
             <a:avLst/>
@@ -6692,7 +6657,7 @@
           </a:ln>
         </p:spPr>
         <p:txBody>
-          <a:bodyPr numCol="1" spcCol="0" anchor="ctr">
+          <a:bodyPr numCol="1" spcCol="0" lIns="90000" rIns="90000" tIns="45000" bIns="45000" anchor="ctr">
             <a:noAutofit/>
           </a:bodyPr>
           <a:p>
@@ -6712,17 +6677,14 @@
               <a:t>NDS features: checklist (1/2)</a:t>
             </a:r>
             <a:endParaRPr b="0" lang="en-US" sz="3000" spc="-1" strike="noStrike">
-              <a:solidFill>
-                <a:srgbClr val="0000b6"/>
-              </a:solidFill>
-              <a:latin typeface="Arial"/>
-            </a:endParaRPr>
-          </a:p>
-        </p:txBody>
-      </p:sp>
-      <p:sp>
-        <p:nvSpPr>
-          <p:cNvPr id="135" name="PlaceHolder 2"/>
+              <a:latin typeface="Arial"/>
+            </a:endParaRPr>
+          </a:p>
+        </p:txBody>
+      </p:sp>
+      <p:sp>
+        <p:nvSpPr>
+          <p:cNvPr id="136" name="PlaceHolder 2"/>
           <p:cNvSpPr>
             <a:spLocks noGrp="1"/>
           </p:cNvSpPr>
@@ -6733,7 +6695,7 @@
         <p:spPr>
           <a:xfrm>
             <a:off x="373680" y="1190520"/>
-            <a:ext cx="8572320" cy="5300280"/>
+            <a:ext cx="8571960" cy="5299920"/>
           </a:xfrm>
           <a:prstGeom prst="rect">
             <a:avLst/>
@@ -6744,7 +6706,7 @@
           </a:ln>
         </p:spPr>
         <p:txBody>
-          <a:bodyPr numCol="1" spcCol="0" anchor="t">
+          <a:bodyPr numCol="1" spcCol="0" lIns="90000" rIns="90000" tIns="45000" bIns="45000" anchor="t">
             <a:noAutofit/>
           </a:bodyPr>
           <a:p>
@@ -6771,9 +6733,6 @@
               <a:t>ARM Processors </a:t>
             </a:r>
             <a:endParaRPr b="0" lang="en-US" sz="2000" spc="-1" strike="noStrike">
-              <a:solidFill>
-                <a:srgbClr val="000000"/>
-              </a:solidFill>
               <a:latin typeface="Arial"/>
             </a:endParaRPr>
           </a:p>
@@ -6799,32 +6758,9 @@
                 <a:latin typeface="Arial"/>
                 <a:ea typeface="ＭＳ Ｐゴシック"/>
               </a:rPr>
-              <a:t>describe what you use the ARM9 (and optionally the ARM7) for</a:t>
+              <a:t>ARM9 to control the two screens, the buttons (Left, Right, Up, Down, Start, A), send IPC messages to ARM7 to control sound.</a:t>
             </a:r>
             <a:endParaRPr b="0" lang="en-US" sz="1800" spc="-1" strike="noStrike">
-              <a:solidFill>
-                <a:srgbClr val="000000"/>
-              </a:solidFill>
-              <a:latin typeface="Arial"/>
-            </a:endParaRPr>
-          </a:p>
-          <a:p>
-            <a:pPr marL="341280" indent="-341280">
-              <a:lnSpc>
-                <a:spcPct val="100000"/>
-              </a:lnSpc>
-              <a:spcBef>
-                <a:spcPts val="320"/>
-              </a:spcBef>
-              <a:buNone/>
-              <a:tabLst>
-                <a:tab algn="l" pos="0"/>
-              </a:tabLst>
-            </a:pPr>
-            <a:endParaRPr b="0" lang="en-US" sz="1600" spc="-1" strike="noStrike">
-              <a:solidFill>
-                <a:srgbClr val="000000"/>
-              </a:solidFill>
               <a:latin typeface="Arial"/>
             </a:endParaRPr>
           </a:p>
@@ -6856,9 +6792,6 @@
               <a:t>Timers / Interrupts</a:t>
             </a:r>
             <a:endParaRPr b="0" lang="en-US" sz="2000" spc="-1" strike="noStrike">
-              <a:solidFill>
-                <a:srgbClr val="000000"/>
-              </a:solidFill>
               <a:latin typeface="Arial"/>
             </a:endParaRPr>
           </a:p>
@@ -6887,32 +6820,40 @@
                 <a:latin typeface="Arial"/>
                 <a:ea typeface="ＭＳ Ｐゴシック"/>
               </a:rPr>
-              <a:t>describe how you use the timers and interrupts in your project </a:t>
+              <a:t>Timer 1: FREQ_64(60), game state FSM update.</a:t>
             </a:r>
             <a:endParaRPr b="0" lang="en-US" sz="1800" spc="-1" strike="noStrike">
-              <a:solidFill>
-                <a:srgbClr val="000000"/>
-              </a:solidFill>
-              <a:latin typeface="Arial"/>
-            </a:endParaRPr>
-          </a:p>
-          <a:p>
-            <a:pPr marL="341280" indent="-341280">
+              <a:latin typeface="Arial"/>
+            </a:endParaRPr>
+          </a:p>
+          <a:p>
+            <a:pPr lvl="1" marL="740880" indent="-284040">
               <a:lnSpc>
                 <a:spcPct val="100000"/>
               </a:lnSpc>
               <a:spcBef>
-                <a:spcPts val="320"/>
+                <a:spcPts val="360"/>
               </a:spcBef>
-              <a:buNone/>
+              <a:buClr>
+                <a:srgbClr val="669998"/>
+              </a:buClr>
+              <a:buFont typeface="Wingdings" charset="2"/>
+              <a:buChar char=""/>
               <a:tabLst>
                 <a:tab algn="l" pos="0"/>
               </a:tabLst>
             </a:pPr>
-            <a:endParaRPr b="0" lang="en-US" sz="1600" spc="-1" strike="noStrike">
-              <a:solidFill>
-                <a:srgbClr val="000000"/>
-              </a:solidFill>
+            <a:r>
+              <a:rPr b="0" lang="en-US" sz="1800" spc="-1" strike="noStrike">
+                <a:solidFill>
+                  <a:srgbClr val="000000"/>
+                </a:solidFill>
+                <a:latin typeface="Arial"/>
+                <a:ea typeface="ＭＳ Ｐゴシック"/>
+              </a:rPr>
+              <a:t>Timer 0: variable speed, game time progress bar.</a:t>
+            </a:r>
+            <a:endParaRPr b="0" lang="en-US" sz="1800" spc="-1" strike="noStrike">
               <a:latin typeface="Arial"/>
             </a:endParaRPr>
           </a:p>
@@ -6944,9 +6885,6 @@
               <a:t>Graphics </a:t>
             </a:r>
             <a:endParaRPr b="0" lang="en-US" sz="2000" spc="-1" strike="noStrike">
-              <a:solidFill>
-                <a:srgbClr val="000000"/>
-              </a:solidFill>
               <a:latin typeface="Arial"/>
             </a:endParaRPr>
           </a:p>
@@ -6975,32 +6913,40 @@
                 <a:latin typeface="Arial"/>
                 <a:ea typeface="ＭＳ Ｐゴシック"/>
               </a:rPr>
-              <a:t>describe how you use the main/sub screen in the project</a:t>
+              <a:t>Main screen: Mode 5 with backgrounds 2 and 3 (ext. rotoscale), used to display the game pieces, and the board background + begin menu.</a:t>
             </a:r>
             <a:endParaRPr b="0" lang="en-US" sz="1800" spc="-1" strike="noStrike">
-              <a:solidFill>
-                <a:srgbClr val="000000"/>
-              </a:solidFill>
-              <a:latin typeface="Arial"/>
-            </a:endParaRPr>
-          </a:p>
-          <a:p>
-            <a:pPr marL="341280" indent="-341280">
+              <a:latin typeface="Arial"/>
+            </a:endParaRPr>
+          </a:p>
+          <a:p>
+            <a:pPr lvl="1" marL="740880" indent="-284040">
               <a:lnSpc>
                 <a:spcPct val="100000"/>
               </a:lnSpc>
               <a:spcBef>
-                <a:spcPts val="320"/>
+                <a:spcPts val="360"/>
               </a:spcBef>
-              <a:buNone/>
+              <a:buClr>
+                <a:srgbClr val="669998"/>
+              </a:buClr>
+              <a:buFont typeface="Wingdings" charset="2"/>
+              <a:buChar char=""/>
               <a:tabLst>
                 <a:tab algn="l" pos="0"/>
               </a:tabLst>
             </a:pPr>
-            <a:endParaRPr b="0" lang="en-US" sz="1600" spc="-1" strike="noStrike">
-              <a:solidFill>
-                <a:srgbClr val="000000"/>
-              </a:solidFill>
+            <a:r>
+              <a:rPr b="0" lang="en-US" sz="1800" spc="-1" strike="noStrike">
+                <a:solidFill>
+                  <a:srgbClr val="000000"/>
+                </a:solidFill>
+                <a:latin typeface="Arial"/>
+                <a:ea typeface="ＭＳ Ｐゴシック"/>
+              </a:rPr>
+              <a:t>Sub screen: Mode 5 with backgrounds 0 (tiles) and 2 (ext. rotoscale), used to display the settings selection + progress bar, and the game over screen.</a:t>
+            </a:r>
+            <a:endParaRPr b="0" lang="en-US" sz="1800" spc="-1" strike="noStrike">
               <a:latin typeface="Arial"/>
             </a:endParaRPr>
           </a:p>
@@ -7032,9 +6978,6 @@
               <a:t>Keypad </a:t>
             </a:r>
             <a:endParaRPr b="0" lang="en-US" sz="2000" spc="-1" strike="noStrike">
-              <a:solidFill>
-                <a:srgbClr val="000000"/>
-              </a:solidFill>
               <a:latin typeface="Arial"/>
             </a:endParaRPr>
           </a:p>
@@ -7063,72 +7006,103 @@
                 <a:latin typeface="Arial"/>
                 <a:ea typeface="ＭＳ Ｐゴシック"/>
               </a:rPr>
-              <a:t>describe how you use the keypad in the project</a:t>
+              <a:t>Controlling the top game board actions:</a:t>
             </a:r>
             <a:endParaRPr b="0" lang="en-US" sz="1800" spc="-1" strike="noStrike">
-              <a:solidFill>
-                <a:srgbClr val="000000"/>
-              </a:solidFill>
-              <a:latin typeface="Arial"/>
-            </a:endParaRPr>
-          </a:p>
-          <a:p>
-            <a:pPr>
+              <a:latin typeface="Arial"/>
+            </a:endParaRPr>
+          </a:p>
+          <a:p>
+            <a:pPr lvl="2" marL="1296000" indent="-288000">
               <a:lnSpc>
                 <a:spcPct val="100000"/>
               </a:lnSpc>
               <a:spcBef>
-                <a:spcPts val="400"/>
+                <a:spcPts val="850"/>
               </a:spcBef>
-              <a:buNone/>
+              <a:buClr>
+                <a:srgbClr val="000000"/>
+              </a:buClr>
+              <a:buSzPct val="45000"/>
+              <a:buFont typeface="Wingdings" charset="2"/>
+              <a:buChar char=""/>
               <a:tabLst>
                 <a:tab algn="l" pos="0"/>
               </a:tabLst>
             </a:pPr>
-            <a:endParaRPr b="0" lang="en-US" sz="2000" spc="-1" strike="noStrike">
-              <a:solidFill>
-                <a:srgbClr val="000000"/>
-              </a:solidFill>
-              <a:latin typeface="Arial"/>
-            </a:endParaRPr>
-          </a:p>
-          <a:p>
-            <a:pPr marL="341280" indent="-341280">
+            <a:r>
+              <a:rPr b="0" lang="en-US" sz="1800" spc="-1" strike="noStrike">
+                <a:solidFill>
+                  <a:srgbClr val="000000"/>
+                </a:solidFill>
+                <a:latin typeface="Arial"/>
+                <a:ea typeface="ＭＳ Ｐゴシック"/>
+              </a:rPr>
+              <a:t>Left, Right, Up, Down = move selected cell</a:t>
+            </a:r>
+            <a:endParaRPr b="0" lang="en-US" sz="1800" spc="-1" strike="noStrike">
+              <a:latin typeface="Arial"/>
+            </a:endParaRPr>
+          </a:p>
+          <a:p>
+            <a:pPr lvl="2" marL="1296000" indent="-288000">
               <a:lnSpc>
                 <a:spcPct val="100000"/>
               </a:lnSpc>
               <a:spcBef>
-                <a:spcPts val="320"/>
+                <a:spcPts val="850"/>
               </a:spcBef>
-              <a:buNone/>
+              <a:buClr>
+                <a:srgbClr val="000000"/>
+              </a:buClr>
+              <a:buSzPct val="45000"/>
+              <a:buFont typeface="Wingdings" charset="2"/>
+              <a:buChar char=""/>
               <a:tabLst>
                 <a:tab algn="l" pos="0"/>
               </a:tabLst>
             </a:pPr>
-            <a:endParaRPr b="0" lang="en-US" sz="1600" spc="-1" strike="noStrike">
-              <a:solidFill>
-                <a:srgbClr val="000000"/>
-              </a:solidFill>
-              <a:latin typeface="Arial"/>
-            </a:endParaRPr>
-          </a:p>
-          <a:p>
-            <a:pPr>
+            <a:r>
+              <a:rPr b="0" lang="en-US" sz="1800" spc="-1" strike="noStrike">
+                <a:solidFill>
+                  <a:srgbClr val="000000"/>
+                </a:solidFill>
+                <a:latin typeface="Arial"/>
+                <a:ea typeface="ＭＳ Ｐゴシック"/>
+              </a:rPr>
+              <a:t>A = Place cell                Start = Begin + End + Restart game</a:t>
+            </a:r>
+            <a:endParaRPr b="0" lang="en-US" sz="1800" spc="-1" strike="noStrike">
+              <a:latin typeface="Arial"/>
+            </a:endParaRPr>
+          </a:p>
+          <a:p>
+            <a:pPr lvl="1" marL="740880" indent="-284040">
               <a:lnSpc>
                 <a:spcPct val="100000"/>
               </a:lnSpc>
               <a:spcBef>
-                <a:spcPts val="400"/>
+                <a:spcPts val="360"/>
               </a:spcBef>
-              <a:buNone/>
+              <a:buClr>
+                <a:srgbClr val="669998"/>
+              </a:buClr>
+              <a:buFont typeface="Wingdings" charset="2"/>
+              <a:buChar char=""/>
               <a:tabLst>
                 <a:tab algn="l" pos="0"/>
               </a:tabLst>
             </a:pPr>
-            <a:endParaRPr b="0" lang="en-US" sz="2000" spc="-1" strike="noStrike">
-              <a:solidFill>
-                <a:srgbClr val="000000"/>
-              </a:solidFill>
+            <a:r>
+              <a:rPr b="0" lang="en-US" sz="1800" spc="-1" strike="noStrike">
+                <a:solidFill>
+                  <a:srgbClr val="000000"/>
+                </a:solidFill>
+                <a:latin typeface="Arial"/>
+              </a:rPr>
+              <a:t> </a:t>
+            </a:r>
+            <a:endParaRPr b="0" lang="en-US" sz="1800" spc="-1" strike="noStrike">
               <a:latin typeface="Arial"/>
             </a:endParaRPr>
           </a:p>
@@ -7178,7 +7152,7 @@
                                           </p:stCondLst>
                                         </p:cTn>
                                         <p:tgtEl>
-                                          <p:spTgt spid="135">
+                                          <p:spTgt spid="136">
                                             <p:txEl>
                                               <p:pRg st="0" end="0"/>
                                             </p:txEl>
@@ -7209,7 +7183,7 @@
                                           </p:stCondLst>
                                         </p:cTn>
                                         <p:tgtEl>
-                                          <p:spTgt spid="135">
+                                          <p:spTgt spid="136">
                                             <p:txEl>
                                               <p:pRg st="1" end="1"/>
                                             </p:txEl>
@@ -7258,9 +7232,9 @@
                                           </p:stCondLst>
                                         </p:cTn>
                                         <p:tgtEl>
-                                          <p:spTgt spid="135">
+                                          <p:spTgt spid="136">
                                             <p:txEl>
-                                              <p:pRg st="3" end="3"/>
+                                              <p:pRg st="2" end="2"/>
                                             </p:txEl>
                                           </p:spTgt>
                                         </p:tgtEl>
@@ -7289,9 +7263,40 @@
                                           </p:stCondLst>
                                         </p:cTn>
                                         <p:tgtEl>
-                                          <p:spTgt spid="135">
+                                          <p:spTgt spid="136">
                                             <p:txEl>
-                                              <p:pRg st="4" end="4"/>
+                                              <p:pRg st="3" end="3"/>
+                                            </p:txEl>
+                                          </p:spTgt>
+                                        </p:tgtEl>
+                                        <p:attrNameLst>
+                                          <p:attrName>style.visibility</p:attrName>
+                                        </p:attrNameLst>
+                                      </p:cBhvr>
+                                      <p:to>
+                                        <p:strVal val="visible"/>
+                                      </p:to>
+                                    </p:set>
+                                  </p:childTnLst>
+                                </p:cTn>
+                              </p:par>
+                              <p:par>
+                                <p:cTn id="15" nodeType="withEffect" fill="hold" presetClass="entr" presetID="1">
+                                  <p:stCondLst>
+                                    <p:cond delay="0"/>
+                                  </p:stCondLst>
+                                  <p:childTnLst>
+                                    <p:set>
+                                      <p:cBhvr>
+                                        <p:cTn id="16" dur="1" fill="hold">
+                                          <p:stCondLst>
+                                            <p:cond delay="0"/>
+                                          </p:stCondLst>
+                                        </p:cTn>
+                                        <p:tgtEl>
+                                          <p:spTgt spid="136">
+                                            <p:txEl>
+                                              <p:pRg st="5" end="5"/>
                                             </p:txEl>
                                           </p:spTgt>
                                         </p:tgtEl>
@@ -7313,50 +7318,19 @@
                     </p:cTn>
                   </p:par>
                   <p:par>
-                    <p:cTn id="15" fill="hold">
+                    <p:cTn id="17" fill="hold">
                       <p:stCondLst>
                         <p:cond delay="indefinite"/>
                       </p:stCondLst>
                       <p:childTnLst>
                         <p:par>
-                          <p:cTn id="16" fill="hold">
+                          <p:cTn id="18" fill="hold">
                             <p:stCondLst>
                               <p:cond delay="0"/>
                             </p:stCondLst>
                             <p:childTnLst>
                               <p:par>
-                                <p:cTn id="17" nodeType="clickEffect" fill="hold" presetClass="entr" presetID="1">
-                                  <p:stCondLst>
-                                    <p:cond delay="0"/>
-                                  </p:stCondLst>
-                                  <p:childTnLst>
-                                    <p:set>
-                                      <p:cBhvr>
-                                        <p:cTn id="18" dur="1" fill="hold">
-                                          <p:stCondLst>
-                                            <p:cond delay="0"/>
-                                          </p:stCondLst>
-                                        </p:cTn>
-                                        <p:tgtEl>
-                                          <p:spTgt spid="135">
-                                            <p:txEl>
-                                              <p:pRg st="6" end="6"/>
-                                            </p:txEl>
-                                          </p:spTgt>
-                                        </p:tgtEl>
-                                        <p:attrNameLst>
-                                          <p:attrName>style.visibility</p:attrName>
-                                        </p:attrNameLst>
-                                      </p:cBhvr>
-                                      <p:to>
-                                        <p:strVal val="visible"/>
-                                      </p:to>
-                                    </p:set>
-                                  </p:childTnLst>
-                                </p:cTn>
-                              </p:par>
-                              <p:par>
-                                <p:cTn id="19" nodeType="withEffect" fill="hold" presetClass="entr" presetID="1">
+                                <p:cTn id="19" nodeType="clickEffect" fill="hold" presetClass="entr" presetID="1">
                                   <p:stCondLst>
                                     <p:cond delay="0"/>
                                   </p:stCondLst>
@@ -7369,89 +7343,9 @@
                                           </p:stCondLst>
                                         </p:cTn>
                                         <p:tgtEl>
-                                          <p:spTgt spid="135">
+                                          <p:spTgt spid="136">
                                             <p:txEl>
                                               <p:pRg st="7" end="7"/>
-                                            </p:txEl>
-                                          </p:spTgt>
-                                        </p:tgtEl>
-                                        <p:attrNameLst>
-                                          <p:attrName>style.visibility</p:attrName>
-                                        </p:attrNameLst>
-                                      </p:cBhvr>
-                                      <p:to>
-                                        <p:strVal val="visible"/>
-                                      </p:to>
-                                    </p:set>
-                                  </p:childTnLst>
-                                </p:cTn>
-                              </p:par>
-                            </p:childTnLst>
-                          </p:cTn>
-                        </p:par>
-                      </p:childTnLst>
-                    </p:cTn>
-                  </p:par>
-                  <p:par>
-                    <p:cTn id="21" fill="hold">
-                      <p:stCondLst>
-                        <p:cond delay="indefinite"/>
-                      </p:stCondLst>
-                      <p:childTnLst>
-                        <p:par>
-                          <p:cTn id="22" fill="hold">
-                            <p:stCondLst>
-                              <p:cond delay="0"/>
-                            </p:stCondLst>
-                            <p:childTnLst>
-                              <p:par>
-                                <p:cTn id="23" nodeType="clickEffect" fill="hold" presetClass="entr" presetID="1">
-                                  <p:stCondLst>
-                                    <p:cond delay="0"/>
-                                  </p:stCondLst>
-                                  <p:childTnLst>
-                                    <p:set>
-                                      <p:cBhvr>
-                                        <p:cTn id="24" dur="1" fill="hold">
-                                          <p:stCondLst>
-                                            <p:cond delay="0"/>
-                                          </p:stCondLst>
-                                        </p:cTn>
-                                        <p:tgtEl>
-                                          <p:spTgt spid="135">
-                                            <p:txEl>
-                                              <p:pRg st="9" end="9"/>
-                                            </p:txEl>
-                                          </p:spTgt>
-                                        </p:tgtEl>
-                                        <p:attrNameLst>
-                                          <p:attrName>style.visibility</p:attrName>
-                                        </p:attrNameLst>
-                                      </p:cBhvr>
-                                      <p:to>
-                                        <p:strVal val="visible"/>
-                                      </p:to>
-                                    </p:set>
-                                  </p:childTnLst>
-                                </p:cTn>
-                              </p:par>
-                              <p:par>
-                                <p:cTn id="25" nodeType="withEffect" fill="hold" presetClass="entr" presetID="1">
-                                  <p:stCondLst>
-                                    <p:cond delay="0"/>
-                                  </p:stCondLst>
-                                  <p:childTnLst>
-                                    <p:set>
-                                      <p:cBhvr>
-                                        <p:cTn id="26" dur="1" fill="hold">
-                                          <p:stCondLst>
-                                            <p:cond delay="0"/>
-                                          </p:stCondLst>
-                                        </p:cTn>
-                                        <p:tgtEl>
-                                          <p:spTgt spid="135">
-                                            <p:txEl>
-                                              <p:pRg st="10" end="10"/>
                                             </p:txEl>
                                           </p:spTgt>
                                         </p:tgtEl>
@@ -7516,7 +7410,7 @@
       </p:grpSpPr>
       <p:sp>
         <p:nvSpPr>
-          <p:cNvPr id="136" name="PlaceHolder 1"/>
+          <p:cNvPr id="137" name="PlaceHolder 1"/>
           <p:cNvSpPr>
             <a:spLocks noGrp="1"/>
           </p:cNvSpPr>
@@ -7527,7 +7421,7 @@
         <p:spPr>
           <a:xfrm>
             <a:off x="1371600" y="152280"/>
-            <a:ext cx="7543440" cy="791640"/>
+            <a:ext cx="7543080" cy="791280"/>
           </a:xfrm>
           <a:prstGeom prst="rect">
             <a:avLst/>
@@ -7538,7 +7432,7 @@
           </a:ln>
         </p:spPr>
         <p:txBody>
-          <a:bodyPr numCol="1" spcCol="0" anchor="ctr">
+          <a:bodyPr numCol="1" spcCol="0" lIns="90000" rIns="90000" tIns="45000" bIns="45000" anchor="ctr">
             <a:noAutofit/>
           </a:bodyPr>
           <a:p>
@@ -7558,17 +7452,14 @@
               <a:t>NDS features: checklist (2/2)</a:t>
             </a:r>
             <a:endParaRPr b="0" lang="en-US" sz="3000" spc="-1" strike="noStrike">
-              <a:solidFill>
-                <a:srgbClr val="0000b6"/>
-              </a:solidFill>
-              <a:latin typeface="Arial"/>
-            </a:endParaRPr>
-          </a:p>
-        </p:txBody>
-      </p:sp>
-      <p:sp>
-        <p:nvSpPr>
-          <p:cNvPr id="137" name="PlaceHolder 2"/>
+              <a:latin typeface="Arial"/>
+            </a:endParaRPr>
+          </a:p>
+        </p:txBody>
+      </p:sp>
+      <p:sp>
+        <p:nvSpPr>
+          <p:cNvPr id="138" name="PlaceHolder 2"/>
           <p:cNvSpPr>
             <a:spLocks noGrp="1"/>
           </p:cNvSpPr>
@@ -7579,7 +7470,7 @@
         <p:spPr>
           <a:xfrm>
             <a:off x="373680" y="1190520"/>
-            <a:ext cx="8572320" cy="5300280"/>
+            <a:ext cx="8313120" cy="5299920"/>
           </a:xfrm>
           <a:prstGeom prst="rect">
             <a:avLst/>
@@ -7590,7 +7481,7 @@
           </a:ln>
         </p:spPr>
         <p:txBody>
-          <a:bodyPr numCol="1" spcCol="0" anchor="t">
+          <a:bodyPr numCol="1" spcCol="0" lIns="90000" rIns="90000" tIns="45000" bIns="45000" anchor="t">
             <a:noAutofit/>
           </a:bodyPr>
           <a:p>
@@ -7607,9 +7498,6 @@
               </a:tabLst>
             </a:pPr>
             <a:endParaRPr b="0" lang="en-US" sz="1600" spc="-1" strike="noStrike">
-              <a:solidFill>
-                <a:srgbClr val="000000"/>
-              </a:solidFill>
               <a:latin typeface="Arial"/>
             </a:endParaRPr>
           </a:p>
@@ -7649,9 +7537,6 @@
               <a:t> </a:t>
             </a:r>
             <a:endParaRPr b="0" lang="en-US" sz="2000" spc="-1" strike="noStrike">
-              <a:solidFill>
-                <a:srgbClr val="000000"/>
-              </a:solidFill>
               <a:latin typeface="Arial"/>
             </a:endParaRPr>
           </a:p>
@@ -7680,32 +7565,40 @@
                 <a:latin typeface="Arial"/>
                 <a:ea typeface="ＭＳ Ｐゴシック"/>
               </a:rPr>
-              <a:t>describe how you use the touchscreen features in the project</a:t>
+              <a:t>Select the settings in the begin menu, 6 different touch areas used.</a:t>
             </a:r>
             <a:endParaRPr b="0" lang="en-US" sz="1800" spc="-1" strike="noStrike">
-              <a:solidFill>
-                <a:srgbClr val="000000"/>
-              </a:solidFill>
-              <a:latin typeface="Arial"/>
-            </a:endParaRPr>
-          </a:p>
-          <a:p>
-            <a:pPr marL="456840">
+              <a:latin typeface="Arial"/>
+            </a:endParaRPr>
+          </a:p>
+          <a:p>
+            <a:pPr lvl="1" marL="740880" indent="-284040">
               <a:lnSpc>
                 <a:spcPct val="100000"/>
               </a:lnSpc>
               <a:spcBef>
-                <a:spcPts val="320"/>
+                <a:spcPts val="360"/>
               </a:spcBef>
-              <a:buNone/>
+              <a:buClr>
+                <a:srgbClr val="669998"/>
+              </a:buClr>
+              <a:buFont typeface="Wingdings" charset="2"/>
+              <a:buChar char=""/>
               <a:tabLst>
                 <a:tab algn="l" pos="0"/>
               </a:tabLst>
             </a:pPr>
-            <a:endParaRPr b="0" lang="en-US" sz="1600" spc="-1" strike="noStrike">
-              <a:solidFill>
-                <a:srgbClr val="000000"/>
-              </a:solidFill>
+            <a:r>
+              <a:rPr b="0" lang="en-US" sz="1800" spc="-1" strike="noStrike">
+                <a:solidFill>
+                  <a:srgbClr val="000000"/>
+                </a:solidFill>
+                <a:latin typeface="Arial"/>
+                <a:ea typeface="ＭＳ Ｐゴシック"/>
+              </a:rPr>
+              <a:t>Reading touchscreen by polling.</a:t>
+            </a:r>
+            <a:endParaRPr b="0" lang="en-US" sz="1800" spc="-1" strike="noStrike">
               <a:latin typeface="Arial"/>
             </a:endParaRPr>
           </a:p>
@@ -7737,9 +7630,6 @@
               <a:t>Sound</a:t>
             </a:r>
             <a:endParaRPr b="0" lang="en-US" sz="2000" spc="-1" strike="noStrike">
-              <a:solidFill>
-                <a:srgbClr val="000000"/>
-              </a:solidFill>
               <a:latin typeface="Arial"/>
             </a:endParaRPr>
           </a:p>
@@ -7768,32 +7658,71 @@
                 <a:latin typeface="Arial"/>
                 <a:ea typeface="ＭＳ Ｐゴシック"/>
               </a:rPr>
-              <a:t>describe how you use the sound devices (speakers or input channels) in the project</a:t>
+              <a:t>There is a background music (MOD format) in the menu.</a:t>
             </a:r>
             <a:endParaRPr b="0" lang="en-US" sz="1800" spc="-1" strike="noStrike">
-              <a:solidFill>
-                <a:srgbClr val="000000"/>
-              </a:solidFill>
-              <a:latin typeface="Arial"/>
-            </a:endParaRPr>
-          </a:p>
-          <a:p>
-            <a:pPr marL="456840">
+              <a:latin typeface="Arial"/>
+            </a:endParaRPr>
+          </a:p>
+          <a:p>
+            <a:pPr lvl="1" marL="740880" indent="-284040">
               <a:lnSpc>
                 <a:spcPct val="100000"/>
               </a:lnSpc>
               <a:spcBef>
-                <a:spcPts val="320"/>
+                <a:spcPts val="360"/>
               </a:spcBef>
-              <a:buNone/>
+              <a:buClr>
+                <a:srgbClr val="669998"/>
+              </a:buClr>
+              <a:buFont typeface="Wingdings" charset="2"/>
+              <a:buChar char=""/>
               <a:tabLst>
                 <a:tab algn="l" pos="0"/>
               </a:tabLst>
             </a:pPr>
-            <a:endParaRPr b="0" lang="en-US" sz="1600" spc="-1" strike="noStrike">
-              <a:solidFill>
-                <a:srgbClr val="000000"/>
-              </a:solidFill>
+            <a:r>
+              <a:rPr b="0" lang="en-US" sz="1800" spc="-1" strike="noStrike">
+                <a:solidFill>
+                  <a:srgbClr val="000000"/>
+                </a:solidFill>
+                <a:latin typeface="Arial"/>
+                <a:ea typeface="ＭＳ Ｐゴシック"/>
+              </a:rPr>
+              <a:t>Another background music (MOD format) is playing during a game.</a:t>
+            </a:r>
+            <a:endParaRPr b="0" lang="en-US" sz="1800" spc="-1" strike="noStrike">
+              <a:latin typeface="Arial"/>
+            </a:endParaRPr>
+          </a:p>
+          <a:p>
+            <a:pPr lvl="1" marL="740880" indent="-284040">
+              <a:lnSpc>
+                <a:spcPct val="100000"/>
+              </a:lnSpc>
+              <a:spcBef>
+                <a:spcPts val="360"/>
+              </a:spcBef>
+              <a:buClr>
+                <a:srgbClr val="669998"/>
+              </a:buClr>
+              <a:buFont typeface="Wingdings" charset="2"/>
+              <a:buChar char=""/>
+              <a:tabLst>
+                <a:tab algn="l" pos="0"/>
+              </a:tabLst>
+            </a:pPr>
+            <a:r>
+              <a:rPr b="0" lang="en-US" sz="1800" spc="-1" strike="noStrike">
+                <a:solidFill>
+                  <a:srgbClr val="000000"/>
+                </a:solidFill>
+                <a:latin typeface="Arial"/>
+                <a:ea typeface="ＭＳ Ｐゴシック"/>
+              </a:rPr>
+              <a:t>Playing 3 sound effects (WAV format): when selecting a setting in the menu, when placing a piece on the board, and at the end of the game. </a:t>
+            </a:r>
+            <a:endParaRPr b="0" lang="en-US" sz="1800" spc="-1" strike="noStrike">
               <a:latin typeface="Arial"/>
             </a:endParaRPr>
           </a:p>
@@ -7822,12 +7751,9 @@
                 <a:latin typeface="Arial"/>
                 <a:ea typeface="ＭＳ Ｐゴシック"/>
               </a:rPr>
-              <a:t>Secondary Storage (optional)</a:t>
+              <a:t>WiFi</a:t>
             </a:r>
             <a:endParaRPr b="0" lang="en-US" sz="2000" spc="-1" strike="noStrike">
-              <a:solidFill>
-                <a:srgbClr val="000000"/>
-              </a:solidFill>
               <a:latin typeface="Arial"/>
             </a:endParaRPr>
           </a:p>
@@ -7856,32 +7782,9 @@
                 <a:latin typeface="Arial"/>
                 <a:ea typeface="ＭＳ Ｐゴシック"/>
               </a:rPr>
-              <a:t>describe how you use the SDcard file system in the project</a:t>
+              <a:t>describe how you use the WiFi in the project TODO</a:t>
             </a:r>
             <a:endParaRPr b="0" lang="en-US" sz="1800" spc="-1" strike="noStrike">
-              <a:solidFill>
-                <a:srgbClr val="000000"/>
-              </a:solidFill>
-              <a:latin typeface="Arial"/>
-            </a:endParaRPr>
-          </a:p>
-          <a:p>
-            <a:pPr marL="456840">
-              <a:lnSpc>
-                <a:spcPct val="100000"/>
-              </a:lnSpc>
-              <a:spcBef>
-                <a:spcPts val="360"/>
-              </a:spcBef>
-              <a:buNone/>
-              <a:tabLst>
-                <a:tab algn="l" pos="0"/>
-              </a:tabLst>
-            </a:pPr>
-            <a:endParaRPr b="0" lang="en-US" sz="1800" spc="-1" strike="noStrike">
-              <a:solidFill>
-                <a:srgbClr val="000000"/>
-              </a:solidFill>
               <a:latin typeface="Arial"/>
             </a:endParaRPr>
           </a:p>
@@ -7910,12 +7813,9 @@
                 <a:latin typeface="Arial"/>
                 <a:ea typeface="ＭＳ Ｐゴシック"/>
               </a:rPr>
-              <a:t>WiFi (optional)</a:t>
+              <a:t>Sprites</a:t>
             </a:r>
             <a:endParaRPr b="0" lang="en-US" sz="2000" spc="-1" strike="noStrike">
-              <a:solidFill>
-                <a:srgbClr val="000000"/>
-              </a:solidFill>
               <a:latin typeface="Arial"/>
             </a:endParaRPr>
           </a:p>
@@ -7944,160 +7844,9 @@
                 <a:latin typeface="Arial"/>
                 <a:ea typeface="ＭＳ Ｐゴシック"/>
               </a:rPr>
-              <a:t>describe how you use the WiFi in the project</a:t>
+              <a:t>I used 4 sprites in the project, all of them are used to display the outcome of the game on the Game Over screen: a crown for the winner, each side (2) has their sprite, a clock to indicate the lack of time</a:t>
             </a:r>
             <a:endParaRPr b="0" lang="en-US" sz="1800" spc="-1" strike="noStrike">
-              <a:solidFill>
-                <a:srgbClr val="000000"/>
-              </a:solidFill>
-              <a:latin typeface="Arial"/>
-            </a:endParaRPr>
-          </a:p>
-          <a:p>
-            <a:pPr marL="456840">
-              <a:lnSpc>
-                <a:spcPct val="100000"/>
-              </a:lnSpc>
-              <a:spcBef>
-                <a:spcPts val="360"/>
-              </a:spcBef>
-              <a:buNone/>
-              <a:tabLst>
-                <a:tab algn="l" pos="0"/>
-              </a:tabLst>
-            </a:pPr>
-            <a:endParaRPr b="0" lang="en-US" sz="1800" spc="-1" strike="noStrike">
-              <a:solidFill>
-                <a:srgbClr val="000000"/>
-              </a:solidFill>
-              <a:latin typeface="Arial"/>
-            </a:endParaRPr>
-          </a:p>
-          <a:p>
-            <a:pPr marL="341280" indent="-341280">
-              <a:lnSpc>
-                <a:spcPct val="100000"/>
-              </a:lnSpc>
-              <a:spcBef>
-                <a:spcPts val="400"/>
-              </a:spcBef>
-              <a:buClr>
-                <a:srgbClr val="ff0000"/>
-              </a:buClr>
-              <a:buFont typeface="Wingdings" charset="2"/>
-              <a:buChar char=""/>
-              <a:tabLst>
-                <a:tab algn="l" pos="0"/>
-              </a:tabLst>
-            </a:pPr>
-            <a:r>
-              <a:rPr b="1" lang="en-US" sz="2000" spc="-1" strike="noStrike">
-                <a:solidFill>
-                  <a:srgbClr val="000000"/>
-                </a:solidFill>
-                <a:latin typeface="Arial"/>
-                <a:ea typeface="ＭＳ Ｐゴシック"/>
-              </a:rPr>
-              <a:t>Sprites (optional)</a:t>
-            </a:r>
-            <a:endParaRPr b="0" lang="en-US" sz="2000" spc="-1" strike="noStrike">
-              <a:solidFill>
-                <a:srgbClr val="000000"/>
-              </a:solidFill>
-              <a:latin typeface="Arial"/>
-            </a:endParaRPr>
-          </a:p>
-          <a:p>
-            <a:pPr lvl="1" marL="740880" indent="-284040">
-              <a:lnSpc>
-                <a:spcPct val="100000"/>
-              </a:lnSpc>
-              <a:spcBef>
-                <a:spcPts val="360"/>
-              </a:spcBef>
-              <a:buClr>
-                <a:srgbClr val="669998"/>
-              </a:buClr>
-              <a:buFont typeface="Wingdings" charset="2"/>
-              <a:buChar char=""/>
-              <a:tabLst>
-                <a:tab algn="l" pos="0"/>
-              </a:tabLst>
-            </a:pPr>
-            <a:r>
-              <a:rPr b="0" lang="en-US" sz="1800" spc="-1" strike="noStrike">
-                <a:solidFill>
-                  <a:srgbClr val="000000"/>
-                </a:solidFill>
-                <a:latin typeface="Arial"/>
-                <a:ea typeface="ＭＳ Ｐゴシック"/>
-              </a:rPr>
-              <a:t>describe how you use the sprites in the project</a:t>
-            </a:r>
-            <a:endParaRPr b="0" lang="en-US" sz="1800" spc="-1" strike="noStrike">
-              <a:solidFill>
-                <a:srgbClr val="000000"/>
-              </a:solidFill>
-              <a:latin typeface="Arial"/>
-            </a:endParaRPr>
-          </a:p>
-          <a:p>
-            <a:pPr>
-              <a:lnSpc>
-                <a:spcPct val="100000"/>
-              </a:lnSpc>
-              <a:spcBef>
-                <a:spcPts val="439"/>
-              </a:spcBef>
-              <a:buNone/>
-              <a:tabLst>
-                <a:tab algn="l" pos="0"/>
-              </a:tabLst>
-            </a:pPr>
-            <a:endParaRPr b="0" lang="en-US" sz="2200" spc="-1" strike="noStrike">
-              <a:solidFill>
-                <a:srgbClr val="000000"/>
-              </a:solidFill>
-              <a:latin typeface="Arial"/>
-            </a:endParaRPr>
-          </a:p>
-          <a:p>
-            <a:pPr>
-              <a:lnSpc>
-                <a:spcPct val="100000"/>
-              </a:lnSpc>
-              <a:spcBef>
-                <a:spcPts val="439"/>
-              </a:spcBef>
-              <a:buNone/>
-              <a:tabLst>
-                <a:tab algn="l" pos="0"/>
-              </a:tabLst>
-            </a:pPr>
-            <a:endParaRPr b="0" lang="en-US" sz="2200" spc="-1" strike="noStrike">
-              <a:solidFill>
-                <a:srgbClr val="000000"/>
-              </a:solidFill>
-              <a:latin typeface="Arial"/>
-            </a:endParaRPr>
-          </a:p>
-          <a:p>
-            <a:pPr>
-              <a:lnSpc>
-                <a:spcPct val="100000"/>
-              </a:lnSpc>
-              <a:spcBef>
-                <a:spcPts val="439"/>
-              </a:spcBef>
-              <a:buNone/>
-              <a:tabLst>
-                <a:tab algn="l" pos="0"/>
-              </a:tabLst>
-            </a:pPr>
-            <a:endParaRPr b="0" lang="en-US" sz="2200" spc="-1" strike="noStrike">
-              <a:solidFill>
-                <a:srgbClr val="000000"/>
-              </a:solidFill>
               <a:latin typeface="Arial"/>
             </a:endParaRPr>
           </a:p>
@@ -8116,38 +7865,38 @@
   <p:timing>
     <p:tnLst>
       <p:par>
-        <p:cTn id="27" dur="indefinite" restart="never" nodeType="tmRoot">
+        <p:cTn id="21" dur="indefinite" restart="never" nodeType="tmRoot">
           <p:childTnLst>
             <p:seq>
-              <p:cTn id="28" dur="indefinite" nodeType="mainSeq">
+              <p:cTn id="22" dur="indefinite" nodeType="mainSeq">
                 <p:childTnLst>
                   <p:par>
-                    <p:cTn id="29" fill="hold">
+                    <p:cTn id="23" fill="hold">
                       <p:stCondLst>
                         <p:cond delay="indefinite"/>
                       </p:stCondLst>
                       <p:childTnLst>
                         <p:par>
-                          <p:cTn id="30" fill="hold">
+                          <p:cTn id="24" fill="hold">
                             <p:stCondLst>
                               <p:cond delay="0"/>
                             </p:stCondLst>
                             <p:childTnLst>
                               <p:par>
-                                <p:cTn id="31" nodeType="clickEffect" fill="hold" presetClass="entr" presetID="1">
+                                <p:cTn id="25" nodeType="clickEffect" fill="hold" presetClass="entr" presetID="1">
                                   <p:stCondLst>
                                     <p:cond delay="0"/>
                                   </p:stCondLst>
                                   <p:childTnLst>
                                     <p:set>
                                       <p:cBhvr>
-                                        <p:cTn id="32" dur="1" fill="hold">
+                                        <p:cTn id="26" dur="1" fill="hold">
                                           <p:stCondLst>
                                             <p:cond delay="0"/>
                                           </p:stCondLst>
                                         </p:cTn>
                                         <p:tgtEl>
-                                          <p:spTgt spid="137">
+                                          <p:spTgt spid="138">
                                             <p:txEl>
                                               <p:pRg st="1" end="1"/>
                                             </p:txEl>
@@ -8165,22 +7914,53 @@
                                 </p:cTn>
                               </p:par>
                               <p:par>
-                                <p:cTn id="33" nodeType="withEffect" fill="hold" presetClass="entr" presetID="1">
+                                <p:cTn id="27" nodeType="withEffect" fill="hold" presetClass="entr" presetID="1">
                                   <p:stCondLst>
                                     <p:cond delay="0"/>
                                   </p:stCondLst>
                                   <p:childTnLst>
                                     <p:set>
                                       <p:cBhvr>
-                                        <p:cTn id="34" dur="1" fill="hold">
+                                        <p:cTn id="28" dur="1" fill="hold">
                                           <p:stCondLst>
                                             <p:cond delay="0"/>
                                           </p:stCondLst>
                                         </p:cTn>
                                         <p:tgtEl>
-                                          <p:spTgt spid="137">
+                                          <p:spTgt spid="138">
                                             <p:txEl>
                                               <p:pRg st="2" end="2"/>
+                                            </p:txEl>
+                                          </p:spTgt>
+                                        </p:tgtEl>
+                                        <p:attrNameLst>
+                                          <p:attrName>style.visibility</p:attrName>
+                                        </p:attrNameLst>
+                                      </p:cBhvr>
+                                      <p:to>
+                                        <p:strVal val="visible"/>
+                                      </p:to>
+                                    </p:set>
+                                  </p:childTnLst>
+                                </p:cTn>
+                              </p:par>
+                              <p:par>
+                                <p:cTn id="29" nodeType="withEffect" fill="hold" presetClass="entr" presetID="1">
+                                  <p:stCondLst>
+                                    <p:cond delay="0"/>
+                                  </p:stCondLst>
+                                  <p:childTnLst>
+                                    <p:set>
+                                      <p:cBhvr>
+                                        <p:cTn id="30" dur="1" fill="hold">
+                                          <p:stCondLst>
+                                            <p:cond delay="0"/>
+                                          </p:stCondLst>
+                                        </p:cTn>
+                                        <p:tgtEl>
+                                          <p:spTgt spid="138">
+                                            <p:txEl>
+                                              <p:pRg st="4" end="4"/>
                                             </p:txEl>
                                           </p:spTgt>
                                         </p:tgtEl>
@@ -8202,34 +7982,34 @@
                     </p:cTn>
                   </p:par>
                   <p:par>
-                    <p:cTn id="35" fill="hold">
+                    <p:cTn id="31" fill="hold">
                       <p:stCondLst>
                         <p:cond delay="indefinite"/>
                       </p:stCondLst>
                       <p:childTnLst>
                         <p:par>
-                          <p:cTn id="36" fill="hold">
+                          <p:cTn id="32" fill="hold">
                             <p:stCondLst>
                               <p:cond delay="0"/>
                             </p:stCondLst>
                             <p:childTnLst>
                               <p:par>
-                                <p:cTn id="37" nodeType="clickEffect" fill="hold" presetClass="entr" presetID="1">
+                                <p:cTn id="33" nodeType="clickEffect" fill="hold" presetClass="entr" presetID="1">
                                   <p:stCondLst>
                                     <p:cond delay="0"/>
                                   </p:stCondLst>
                                   <p:childTnLst>
                                     <p:set>
                                       <p:cBhvr>
-                                        <p:cTn id="38" dur="1" fill="hold">
+                                        <p:cTn id="34" dur="1" fill="hold">
                                           <p:stCondLst>
                                             <p:cond delay="0"/>
                                           </p:stCondLst>
                                         </p:cTn>
                                         <p:tgtEl>
-                                          <p:spTgt spid="137">
+                                          <p:spTgt spid="138">
                                             <p:txEl>
-                                              <p:pRg st="4" end="4"/>
+                                              <p:pRg st="6" end="6"/>
                                             </p:txEl>
                                           </p:spTgt>
                                         </p:tgtEl>
@@ -8245,22 +8025,22 @@
                                 </p:cTn>
                               </p:par>
                               <p:par>
-                                <p:cTn id="39" nodeType="withEffect" fill="hold" presetClass="entr" presetID="1">
+                                <p:cTn id="35" nodeType="withEffect" fill="hold" presetClass="entr" presetID="1">
                                   <p:stCondLst>
                                     <p:cond delay="0"/>
                                   </p:stCondLst>
                                   <p:childTnLst>
                                     <p:set>
                                       <p:cBhvr>
-                                        <p:cTn id="40" dur="1" fill="hold">
+                                        <p:cTn id="36" dur="1" fill="hold">
                                           <p:stCondLst>
                                             <p:cond delay="0"/>
                                           </p:stCondLst>
                                         </p:cTn>
                                         <p:tgtEl>
-                                          <p:spTgt spid="137">
+                                          <p:spTgt spid="138">
                                             <p:txEl>
-                                              <p:pRg st="5" end="5"/>
+                                              <p:pRg st="7" end="7"/>
                                             </p:txEl>
                                           </p:spTgt>
                                         </p:tgtEl>
@@ -8282,63 +8062,32 @@
                     </p:cTn>
                   </p:par>
                   <p:par>
-                    <p:cTn id="41" fill="hold">
+                    <p:cTn id="37" fill="hold">
                       <p:stCondLst>
                         <p:cond delay="indefinite"/>
                       </p:stCondLst>
                       <p:childTnLst>
                         <p:par>
-                          <p:cTn id="42" fill="hold">
+                          <p:cTn id="38" fill="hold">
                             <p:stCondLst>
                               <p:cond delay="0"/>
                             </p:stCondLst>
                             <p:childTnLst>
                               <p:par>
-                                <p:cTn id="43" nodeType="clickEffect" fill="hold" presetClass="entr" presetID="1">
+                                <p:cTn id="39" nodeType="clickEffect" fill="hold" presetClass="entr" presetID="1">
                                   <p:stCondLst>
                                     <p:cond delay="0"/>
                                   </p:stCondLst>
                                   <p:childTnLst>
                                     <p:set>
                                       <p:cBhvr>
-                                        <p:cTn id="44" dur="1" fill="hold">
+                                        <p:cTn id="40" dur="1" fill="hold">
                                           <p:stCondLst>
                                             <p:cond delay="0"/>
                                           </p:stCondLst>
                                         </p:cTn>
                                         <p:tgtEl>
-                                          <p:spTgt spid="137">
-                                            <p:txEl>
-                                              <p:pRg st="7" end="7"/>
-                                            </p:txEl>
-                                          </p:spTgt>
-                                        </p:tgtEl>
-                                        <p:attrNameLst>
-                                          <p:attrName>style.visibility</p:attrName>
-                                        </p:attrNameLst>
-                                      </p:cBhvr>
-                                      <p:to>
-                                        <p:strVal val="visible"/>
-                                      </p:to>
-                                    </p:set>
-                                  </p:childTnLst>
-                                </p:cTn>
-                              </p:par>
-                              <p:par>
-                                <p:cTn id="45" nodeType="withEffect" fill="hold" presetClass="entr" presetID="1">
-                                  <p:stCondLst>
-                                    <p:cond delay="0"/>
-                                  </p:stCondLst>
-                                  <p:childTnLst>
-                                    <p:set>
-                                      <p:cBhvr>
-                                        <p:cTn id="46" dur="1" fill="hold">
-                                          <p:stCondLst>
-                                            <p:cond delay="0"/>
-                                          </p:stCondLst>
-                                        </p:cTn>
-                                        <p:tgtEl>
-                                          <p:spTgt spid="137">
+                                          <p:spTgt spid="138">
                                             <p:txEl>
                                               <p:pRg st="8" end="8"/>
                                             </p:txEl>
@@ -8355,152 +8104,23 @@
                                   </p:childTnLst>
                                 </p:cTn>
                               </p:par>
-                            </p:childTnLst>
-                          </p:cTn>
-                        </p:par>
-                      </p:childTnLst>
-                    </p:cTn>
-                  </p:par>
-                  <p:par>
-                    <p:cTn id="47" fill="hold">
-                      <p:stCondLst>
-                        <p:cond delay="indefinite"/>
-                      </p:stCondLst>
-                      <p:childTnLst>
-                        <p:par>
-                          <p:cTn id="48" fill="hold">
-                            <p:stCondLst>
-                              <p:cond delay="0"/>
-                            </p:stCondLst>
-                            <p:childTnLst>
                               <p:par>
-                                <p:cTn id="49" nodeType="clickEffect" fill="hold" presetClass="entr" presetID="1">
+                                <p:cTn id="41" nodeType="withEffect" fill="hold" presetClass="entr" presetID="1">
                                   <p:stCondLst>
                                     <p:cond delay="0"/>
                                   </p:stCondLst>
                                   <p:childTnLst>
                                     <p:set>
                                       <p:cBhvr>
-                                        <p:cTn id="50" dur="1" fill="hold">
+                                        <p:cTn id="42" dur="1" fill="hold">
                                           <p:stCondLst>
                                             <p:cond delay="0"/>
                                           </p:stCondLst>
                                         </p:cTn>
                                         <p:tgtEl>
-                                          <p:spTgt spid="137">
+                                          <p:spTgt spid="138">
                                             <p:txEl>
-                                              <p:pRg st="10" end="10"/>
-                                            </p:txEl>
-                                          </p:spTgt>
-                                        </p:tgtEl>
-                                        <p:attrNameLst>
-                                          <p:attrName>style.visibility</p:attrName>
-                                        </p:attrNameLst>
-                                      </p:cBhvr>
-                                      <p:to>
-                                        <p:strVal val="visible"/>
-                                      </p:to>
-                                    </p:set>
-                                  </p:childTnLst>
-                                </p:cTn>
-                              </p:par>
-                              <p:par>
-                                <p:cTn id="51" nodeType="withEffect" fill="hold" presetClass="entr" presetID="1">
-                                  <p:stCondLst>
-                                    <p:cond delay="0"/>
-                                  </p:stCondLst>
-                                  <p:childTnLst>
-                                    <p:set>
-                                      <p:cBhvr>
-                                        <p:cTn id="52" dur="1" fill="hold">
-                                          <p:stCondLst>
-                                            <p:cond delay="0"/>
-                                          </p:stCondLst>
-                                        </p:cTn>
-                                        <p:tgtEl>
-                                          <p:spTgt spid="137">
-                                            <p:txEl>
-                                              <p:pRg st="11" end="11"/>
-                                            </p:txEl>
-                                          </p:spTgt>
-                                        </p:tgtEl>
-                                        <p:attrNameLst>
-                                          <p:attrName>style.visibility</p:attrName>
-                                        </p:attrNameLst>
-                                      </p:cBhvr>
-                                      <p:to>
-                                        <p:strVal val="visible"/>
-                                      </p:to>
-                                    </p:set>
-                                  </p:childTnLst>
-                                </p:cTn>
-                              </p:par>
-                            </p:childTnLst>
-                          </p:cTn>
-                        </p:par>
-                      </p:childTnLst>
-                    </p:cTn>
-                  </p:par>
-                  <p:par>
-                    <p:cTn id="53" fill="hold">
-                      <p:stCondLst>
-                        <p:cond delay="indefinite"/>
-                      </p:stCondLst>
-                      <p:childTnLst>
-                        <p:par>
-                          <p:cTn id="54" fill="hold">
-                            <p:stCondLst>
-                              <p:cond delay="0"/>
-                            </p:stCondLst>
-                            <p:childTnLst>
-                              <p:par>
-                                <p:cTn id="55" nodeType="clickEffect" fill="hold" presetClass="entr" presetID="1">
-                                  <p:stCondLst>
-                                    <p:cond delay="0"/>
-                                  </p:stCondLst>
-                                  <p:childTnLst>
-                                    <p:set>
-                                      <p:cBhvr>
-                                        <p:cTn id="56" dur="1" fill="hold">
-                                          <p:stCondLst>
-                                            <p:cond delay="0"/>
-                                          </p:stCondLst>
-                                        </p:cTn>
-                                        <p:tgtEl>
-                                          <p:spTgt spid="137">
-                                            <p:txEl>
-                                              <p:pRg st="13" end="13"/>
-                                            </p:txEl>
-                                          </p:spTgt>
-                                        </p:tgtEl>
-                                        <p:attrNameLst>
-                                          <p:attrName>style.visibility</p:attrName>
-                                        </p:attrNameLst>
-                                      </p:cBhvr>
-                                      <p:to>
-                                        <p:strVal val="visible"/>
-                                      </p:to>
-                                    </p:set>
-                                  </p:childTnLst>
-                                </p:cTn>
-                              </p:par>
-                              <p:par>
-                                <p:cTn id="57" nodeType="withEffect" fill="hold" presetClass="entr" presetID="1">
-                                  <p:stCondLst>
-                                    <p:cond delay="0"/>
-                                  </p:stCondLst>
-                                  <p:childTnLst>
-                                    <p:set>
-                                      <p:cBhvr>
-                                        <p:cTn id="58" dur="1" fill="hold">
-                                          <p:stCondLst>
-                                            <p:cond delay="0"/>
-                                          </p:stCondLst>
-                                        </p:cTn>
-                                        <p:tgtEl>
-                                          <p:spTgt spid="137">
-                                            <p:txEl>
-                                              <p:pRg st="14" end="14"/>
+                                              <p:pRg st="9" end="9"/>
                                             </p:txEl>
                                           </p:spTgt>
                                         </p:tgtEl>
@@ -8565,7 +8185,7 @@
       </p:grpSpPr>
       <p:sp>
         <p:nvSpPr>
-          <p:cNvPr id="138" name="PlaceHolder 1"/>
+          <p:cNvPr id="139" name="PlaceHolder 1"/>
           <p:cNvSpPr>
             <a:spLocks noGrp="1"/>
           </p:cNvSpPr>
@@ -8576,7 +8196,7 @@
         <p:spPr>
           <a:xfrm>
             <a:off x="1371600" y="152280"/>
-            <a:ext cx="7543440" cy="791640"/>
+            <a:ext cx="7543080" cy="791280"/>
           </a:xfrm>
           <a:prstGeom prst="rect">
             <a:avLst/>
@@ -8587,7 +8207,7 @@
           </a:ln>
         </p:spPr>
         <p:txBody>
-          <a:bodyPr numCol="1" spcCol="0" anchor="ctr">
+          <a:bodyPr numCol="1" spcCol="0" lIns="90000" rIns="90000" tIns="45000" bIns="45000" anchor="ctr">
             <a:noAutofit/>
           </a:bodyPr>
           <a:p>
@@ -8607,17 +8227,14 @@
               <a:t>NDS project screenshot</a:t>
             </a:r>
             <a:endParaRPr b="0" lang="en-US" sz="3000" spc="-1" strike="noStrike">
-              <a:solidFill>
-                <a:srgbClr val="0000b6"/>
-              </a:solidFill>
-              <a:latin typeface="Arial"/>
-            </a:endParaRPr>
-          </a:p>
-        </p:txBody>
-      </p:sp>
-      <p:sp>
-        <p:nvSpPr>
-          <p:cNvPr id="139" name="PlaceHolder 2"/>
+              <a:latin typeface="Arial"/>
+            </a:endParaRPr>
+          </a:p>
+        </p:txBody>
+      </p:sp>
+      <p:sp>
+        <p:nvSpPr>
+          <p:cNvPr id="140" name="PlaceHolder 2"/>
           <p:cNvSpPr>
             <a:spLocks noGrp="1"/>
           </p:cNvSpPr>
@@ -8628,7 +8245,7 @@
         <p:spPr>
           <a:xfrm>
             <a:off x="373680" y="1190520"/>
-            <a:ext cx="8572320" cy="5300280"/>
+            <a:ext cx="8571960" cy="5299920"/>
           </a:xfrm>
           <a:prstGeom prst="rect">
             <a:avLst/>
@@ -8639,7 +8256,7 @@
           </a:ln>
         </p:spPr>
         <p:txBody>
-          <a:bodyPr numCol="1" spcCol="0" anchor="t">
+          <a:bodyPr numCol="1" spcCol="0" lIns="90000" rIns="90000" tIns="45000" bIns="45000" anchor="t">
             <a:noAutofit/>
           </a:bodyPr>
           <a:p>
@@ -8656,9 +8273,6 @@
               </a:tabLst>
             </a:pPr>
             <a:endParaRPr b="0" lang="en-US" sz="1600" spc="-1" strike="noStrike">
-              <a:solidFill>
-                <a:srgbClr val="000000"/>
-              </a:solidFill>
               <a:latin typeface="Arial"/>
             </a:endParaRPr>
           </a:p>
@@ -8689,9 +8303,6 @@
               <a:t>Include an image with the final view/s of your project on the actual NDS device</a:t>
             </a:r>
             <a:endParaRPr b="0" lang="en-US" sz="2000" spc="-1" strike="noStrike">
-              <a:solidFill>
-                <a:srgbClr val="000000"/>
-              </a:solidFill>
               <a:latin typeface="Arial"/>
             </a:endParaRPr>
           </a:p>
@@ -8709,14 +8320,34 @@
               </a:tabLst>
             </a:pPr>
             <a:endParaRPr b="0" lang="en-US" sz="1600" spc="-1" strike="noStrike">
-              <a:solidFill>
-                <a:srgbClr val="000000"/>
-              </a:solidFill>
-              <a:latin typeface="Arial"/>
-            </a:endParaRPr>
-          </a:p>
-        </p:txBody>
-      </p:sp>
+              <a:latin typeface="Arial"/>
+            </a:endParaRPr>
+          </a:p>
+        </p:txBody>
+      </p:sp>
+      <p:pic>
+        <p:nvPicPr>
+          <p:cNvPr id="141" name="" descr=""/>
+          <p:cNvPicPr/>
+          <p:nvPr/>
+        </p:nvPicPr>
+        <p:blipFill>
+          <a:blip r:embed="rId1"/>
+          <a:stretch/>
+        </p:blipFill>
+        <p:spPr>
+          <a:xfrm>
+            <a:off x="2514600" y="2521440"/>
+            <a:ext cx="4566240" cy="3650760"/>
+          </a:xfrm>
+          <a:prstGeom prst="rect">
+            <a:avLst/>
+          </a:prstGeom>
+          <a:ln w="0">
+            <a:noFill/>
+          </a:ln>
+        </p:spPr>
+      </p:pic>
     </p:spTree>
   </p:cSld>
   <mc:AlternateContent>

--- a/project/tic-tac-tile.pptx
+++ b/project/tic-tac-tile.pptx
@@ -71,139 +71,7 @@
               <a:rPr b="0" lang="en-US" sz="4400" spc="-1" strike="noStrike">
                 <a:latin typeface="Arial"/>
               </a:rPr>
-              <a:t>C</a:t>
-            </a:r>
-            <a:r>
-              <a:rPr b="0" lang="en-US" sz="4400" spc="-1" strike="noStrike">
-                <a:latin typeface="Arial"/>
-              </a:rPr>
-              <a:t>l</a:t>
-            </a:r>
-            <a:r>
-              <a:rPr b="0" lang="en-US" sz="4400" spc="-1" strike="noStrike">
-                <a:latin typeface="Arial"/>
-              </a:rPr>
-              <a:t>i</a:t>
-            </a:r>
-            <a:r>
-              <a:rPr b="0" lang="en-US" sz="4400" spc="-1" strike="noStrike">
-                <a:latin typeface="Arial"/>
-              </a:rPr>
-              <a:t>c</a:t>
-            </a:r>
-            <a:r>
-              <a:rPr b="0" lang="en-US" sz="4400" spc="-1" strike="noStrike">
-                <a:latin typeface="Arial"/>
-              </a:rPr>
-              <a:t>k</a:t>
-            </a:r>
-            <a:r>
-              <a:rPr b="0" lang="en-US" sz="4400" spc="-1" strike="noStrike">
-                <a:latin typeface="Arial"/>
-              </a:rPr>
-              <a:t> </a:t>
-            </a:r>
-            <a:r>
-              <a:rPr b="0" lang="en-US" sz="4400" spc="-1" strike="noStrike">
-                <a:latin typeface="Arial"/>
-              </a:rPr>
-              <a:t>t</a:t>
-            </a:r>
-            <a:r>
-              <a:rPr b="0" lang="en-US" sz="4400" spc="-1" strike="noStrike">
-                <a:latin typeface="Arial"/>
-              </a:rPr>
-              <a:t>o</a:t>
-            </a:r>
-            <a:r>
-              <a:rPr b="0" lang="en-US" sz="4400" spc="-1" strike="noStrike">
-                <a:latin typeface="Arial"/>
-              </a:rPr>
-              <a:t> </a:t>
-            </a:r>
-            <a:r>
-              <a:rPr b="0" lang="en-US" sz="4400" spc="-1" strike="noStrike">
-                <a:latin typeface="Arial"/>
-              </a:rPr>
-              <a:t>m</a:t>
-            </a:r>
-            <a:r>
-              <a:rPr b="0" lang="en-US" sz="4400" spc="-1" strike="noStrike">
-                <a:latin typeface="Arial"/>
-              </a:rPr>
-              <a:t>o</a:t>
-            </a:r>
-            <a:r>
-              <a:rPr b="0" lang="en-US" sz="4400" spc="-1" strike="noStrike">
-                <a:latin typeface="Arial"/>
-              </a:rPr>
-              <a:t>v</a:t>
-            </a:r>
-            <a:r>
-              <a:rPr b="0" lang="en-US" sz="4400" spc="-1" strike="noStrike">
-                <a:latin typeface="Arial"/>
-              </a:rPr>
-              <a:t>e</a:t>
-            </a:r>
-            <a:r>
-              <a:rPr b="0" lang="en-US" sz="4400" spc="-1" strike="noStrike">
-                <a:latin typeface="Arial"/>
-              </a:rPr>
-              <a:t> </a:t>
-            </a:r>
-            <a:r>
-              <a:rPr b="0" lang="en-US" sz="4400" spc="-1" strike="noStrike">
-                <a:latin typeface="Arial"/>
-              </a:rPr>
-              <a:t>t</a:t>
-            </a:r>
-            <a:r>
-              <a:rPr b="0" lang="en-US" sz="4400" spc="-1" strike="noStrike">
-                <a:latin typeface="Arial"/>
-              </a:rPr>
-              <a:t>h</a:t>
-            </a:r>
-            <a:r>
-              <a:rPr b="0" lang="en-US" sz="4400" spc="-1" strike="noStrike">
-                <a:latin typeface="Arial"/>
-              </a:rPr>
-              <a:t>e</a:t>
-            </a:r>
-            <a:r>
-              <a:rPr b="0" lang="en-US" sz="4400" spc="-1" strike="noStrike">
-                <a:latin typeface="Arial"/>
-              </a:rPr>
-              <a:t> </a:t>
-            </a:r>
-            <a:r>
-              <a:rPr b="0" lang="en-US" sz="4400" spc="-1" strike="noStrike">
-                <a:latin typeface="Arial"/>
-              </a:rPr>
-              <a:t>s</a:t>
-            </a:r>
-            <a:r>
-              <a:rPr b="0" lang="en-US" sz="4400" spc="-1" strike="noStrike">
-                <a:latin typeface="Arial"/>
-              </a:rPr>
-              <a:t>l</a:t>
-            </a:r>
-            <a:r>
-              <a:rPr b="0" lang="en-US" sz="4400" spc="-1" strike="noStrike">
-                <a:latin typeface="Arial"/>
-              </a:rPr>
-              <a:t>i</a:t>
-            </a:r>
-            <a:r>
-              <a:rPr b="0" lang="en-US" sz="4400" spc="-1" strike="noStrike">
-                <a:latin typeface="Arial"/>
-              </a:rPr>
-              <a:t>d</a:t>
-            </a:r>
-            <a:r>
-              <a:rPr b="0" lang="en-US" sz="4400" spc="-1" strike="noStrike">
-                <a:latin typeface="Arial"/>
-              </a:rPr>
-              <a:t>e</a:t>
+              <a:t>Click to move the slide</a:t>
             </a:r>
             <a:endParaRPr b="0" lang="en-US" sz="4400" spc="-1" strike="noStrike">
               <a:latin typeface="Arial"/>
@@ -428,7 +296,7 @@
             <a:pPr algn="r">
               <a:buNone/>
             </a:pPr>
-            <a:fld id="{3FAC29D7-6927-4AAC-9D92-8C3CCAEBC4C2}" type="slidenum">
+            <a:fld id="{C74F4D93-FDEF-4F92-B2EE-C487A98760FA}" type="slidenum">
               <a:rPr b="0" lang="en-US" sz="1400" spc="-1" strike="noStrike">
                 <a:latin typeface="Times New Roman"/>
               </a:rPr>
@@ -476,7 +344,7 @@
         <p:spPr>
           <a:xfrm>
             <a:off x="4048200" y="9712440"/>
-            <a:ext cx="3036240" cy="505800"/>
+            <a:ext cx="3035880" cy="505440"/>
           </a:xfrm>
           <a:prstGeom prst="rect">
             <a:avLst/>
@@ -511,7 +379,7 @@
               </a:lnSpc>
               <a:buNone/>
             </a:pPr>
-            <a:fld id="{F5E67644-E933-410E-A1B2-3914D7F0666B}" type="slidenum">
+            <a:fld id="{526D1BE8-BA5F-412C-B987-7163055EC533}" type="slidenum">
               <a:rPr b="0" lang="en-US" sz="1400" spc="-1" strike="noStrike">
                 <a:solidFill>
                   <a:srgbClr val="000000"/>
@@ -539,7 +407,7 @@
         <p:spPr>
           <a:xfrm>
             <a:off x="955800" y="758880"/>
-            <a:ext cx="5182560" cy="3886920"/>
+            <a:ext cx="5182200" cy="3886560"/>
           </a:xfrm>
           <a:prstGeom prst="rect">
             <a:avLst/>
@@ -562,7 +430,7 @@
         <p:spPr>
           <a:xfrm>
             <a:off x="934920" y="4897440"/>
-            <a:ext cx="5217480" cy="4561920"/>
+            <a:ext cx="5217120" cy="4561560"/>
           </a:xfrm>
           <a:prstGeom prst="rect">
             <a:avLst/>
@@ -618,7 +486,7 @@
         <p:spPr>
           <a:xfrm>
             <a:off x="4048200" y="9712440"/>
-            <a:ext cx="3036240" cy="505800"/>
+            <a:ext cx="3035880" cy="505440"/>
           </a:xfrm>
           <a:prstGeom prst="rect">
             <a:avLst/>
@@ -653,7 +521,7 @@
               </a:lnSpc>
               <a:buNone/>
             </a:pPr>
-            <a:fld id="{0BEA7657-E05C-4F71-89E6-00378F2A12ED}" type="slidenum">
+            <a:fld id="{8A0D2521-C0D8-4CC5-9359-630AD634E1C7}" type="slidenum">
               <a:rPr b="0" lang="en-US" sz="1400" spc="-1" strike="noStrike">
                 <a:solidFill>
                   <a:srgbClr val="000000"/>
@@ -681,7 +549,7 @@
         <p:spPr>
           <a:xfrm>
             <a:off x="993600" y="765000"/>
-            <a:ext cx="5117400" cy="3837960"/>
+            <a:ext cx="5117040" cy="3837600"/>
           </a:xfrm>
           <a:prstGeom prst="rect">
             <a:avLst/>
@@ -704,7 +572,7 @@
         <p:spPr>
           <a:xfrm>
             <a:off x="709560" y="4861080"/>
-            <a:ext cx="5679360" cy="4607640"/>
+            <a:ext cx="5679000" cy="4607280"/>
           </a:xfrm>
           <a:prstGeom prst="rect">
             <a:avLst/>
@@ -760,7 +628,7 @@
         <p:spPr>
           <a:xfrm>
             <a:off x="4048200" y="9712440"/>
-            <a:ext cx="3036240" cy="505800"/>
+            <a:ext cx="3035880" cy="505440"/>
           </a:xfrm>
           <a:prstGeom prst="rect">
             <a:avLst/>
@@ -795,7 +663,7 @@
               </a:lnSpc>
               <a:buNone/>
             </a:pPr>
-            <a:fld id="{A4DCC97C-9F80-4A2F-801B-446421864EE6}" type="slidenum">
+            <a:fld id="{F75A0E08-E188-4D38-82ED-1C584DF4BD23}" type="slidenum">
               <a:rPr b="0" lang="en-US" sz="1400" spc="-1" strike="noStrike">
                 <a:solidFill>
                   <a:srgbClr val="000000"/>
@@ -823,7 +691,7 @@
         <p:spPr>
           <a:xfrm>
             <a:off x="993600" y="765000"/>
-            <a:ext cx="5117400" cy="3837960"/>
+            <a:ext cx="5117040" cy="3837600"/>
           </a:xfrm>
           <a:prstGeom prst="rect">
             <a:avLst/>
@@ -846,7 +714,7 @@
         <p:spPr>
           <a:xfrm>
             <a:off x="709560" y="4861080"/>
-            <a:ext cx="5679360" cy="4607640"/>
+            <a:ext cx="5679000" cy="4607280"/>
           </a:xfrm>
           <a:prstGeom prst="rect">
             <a:avLst/>
@@ -902,7 +770,7 @@
         <p:spPr>
           <a:xfrm>
             <a:off x="4048200" y="9712440"/>
-            <a:ext cx="3036240" cy="505800"/>
+            <a:ext cx="3035880" cy="505440"/>
           </a:xfrm>
           <a:prstGeom prst="rect">
             <a:avLst/>
@@ -937,7 +805,7 @@
               </a:lnSpc>
               <a:buNone/>
             </a:pPr>
-            <a:fld id="{D86DD1D7-4E41-498E-9C58-CC936A61FAA3}" type="slidenum">
+            <a:fld id="{26B48361-6231-4D01-942F-A53B99526E2B}" type="slidenum">
               <a:rPr b="0" lang="en-US" sz="1400" spc="-1" strike="noStrike">
                 <a:solidFill>
                   <a:srgbClr val="000000"/>
@@ -965,7 +833,7 @@
         <p:spPr>
           <a:xfrm>
             <a:off x="993600" y="765000"/>
-            <a:ext cx="5117400" cy="3837960"/>
+            <a:ext cx="5117040" cy="3837600"/>
           </a:xfrm>
           <a:prstGeom prst="rect">
             <a:avLst/>
@@ -988,7 +856,7 @@
         <p:spPr>
           <a:xfrm>
             <a:off x="709560" y="4861080"/>
-            <a:ext cx="5679360" cy="4607640"/>
+            <a:ext cx="5679000" cy="4607280"/>
           </a:xfrm>
           <a:prstGeom prst="rect">
             <a:avLst/>
@@ -4335,9 +4203,9 @@
         <p:grpSpPr>
           <a:xfrm>
             <a:off x="1371600" y="990720"/>
-            <a:ext cx="7771680" cy="151560"/>
+            <a:ext cx="7771320" cy="151200"/>
             <a:chOff x="1371600" y="990720"/>
-            <a:chExt cx="7771680" cy="151560"/>
+            <a:chExt cx="7771320" cy="151200"/>
           </a:xfrm>
         </p:grpSpPr>
         <p:sp>
@@ -4349,7 +4217,7 @@
           <p:spPr>
             <a:xfrm>
               <a:off x="1752480" y="1066680"/>
-              <a:ext cx="7390800" cy="75600"/>
+              <a:ext cx="7390440" cy="75240"/>
             </a:xfrm>
             <a:prstGeom prst="rect">
               <a:avLst/>
@@ -4377,7 +4245,7 @@
           <p:spPr>
             <a:xfrm>
               <a:off x="1371600" y="990720"/>
-              <a:ext cx="7771680" cy="75600"/>
+              <a:ext cx="7771320" cy="75240"/>
             </a:xfrm>
             <a:prstGeom prst="rect">
               <a:avLst/>
@@ -4405,7 +4273,7 @@
           <p:spPr>
             <a:xfrm>
               <a:off x="1371600" y="990720"/>
-              <a:ext cx="75600" cy="75600"/>
+              <a:ext cx="75240" cy="75240"/>
             </a:xfrm>
             <a:prstGeom prst="rtTriangle">
               <a:avLst/>
@@ -4436,7 +4304,7 @@
           <p:spPr>
             <a:xfrm>
               <a:off x="1752480" y="1066680"/>
-              <a:ext cx="75600" cy="75600"/>
+              <a:ext cx="75240" cy="75240"/>
             </a:xfrm>
             <a:prstGeom prst="rtTriangle">
               <a:avLst/>
@@ -4464,8 +4332,8 @@
         </p:nvSpPr>
         <p:spPr>
           <a:xfrm rot="16200000">
-            <a:off x="8839080" y="1143720"/>
-            <a:ext cx="456480" cy="151560"/>
+            <a:off x="8839080" y="1144080"/>
+            <a:ext cx="456120" cy="151200"/>
           </a:xfrm>
           <a:prstGeom prst="rect">
             <a:avLst/>
@@ -4492,8 +4360,8 @@
         </p:nvSpPr>
         <p:spPr>
           <a:xfrm flipH="1" rot="5400000">
-            <a:off x="7507440" y="2550960"/>
-            <a:ext cx="3042360" cy="75600"/>
+            <a:off x="7506720" y="2551320"/>
+            <a:ext cx="3042000" cy="75240"/>
           </a:xfrm>
           <a:prstGeom prst="rect">
             <a:avLst/>
@@ -4520,8 +4388,8 @@
         </p:nvSpPr>
         <p:spPr>
           <a:xfrm flipH="1" rot="5400000">
-            <a:off x="7504920" y="2629440"/>
-            <a:ext cx="3199680" cy="75600"/>
+            <a:off x="7504200" y="2629800"/>
+            <a:ext cx="3199320" cy="75240"/>
           </a:xfrm>
           <a:prstGeom prst="rect">
             <a:avLst/>
@@ -4548,8 +4416,8 @@
         </p:nvSpPr>
         <p:spPr>
           <a:xfrm flipH="1" rot="5400000">
-            <a:off x="9089280" y="4213800"/>
-            <a:ext cx="30960" cy="75600"/>
+            <a:off x="9088560" y="4214160"/>
+            <a:ext cx="30600" cy="75240"/>
           </a:xfrm>
           <a:prstGeom prst="rtTriangle">
             <a:avLst/>
@@ -4579,8 +4447,8 @@
         </p:nvSpPr>
         <p:spPr>
           <a:xfrm flipH="1" rot="5400000">
-            <a:off x="9013320" y="4061520"/>
-            <a:ext cx="30960" cy="75600"/>
+            <a:off x="9012600" y="4061880"/>
+            <a:ext cx="30600" cy="75240"/>
           </a:xfrm>
           <a:prstGeom prst="rtTriangle">
             <a:avLst/>
@@ -4666,7 +4534,7 @@
         <p:spPr>
           <a:xfrm>
             <a:off x="0" y="6553080"/>
-            <a:ext cx="1180440" cy="304200"/>
+            <a:ext cx="1180080" cy="303840"/>
           </a:xfrm>
           <a:prstGeom prst="rect">
             <a:avLst/>
@@ -4718,7 +4586,7 @@
         <p:spPr>
           <a:xfrm>
             <a:off x="8534520" y="6429240"/>
-            <a:ext cx="494640" cy="302760"/>
+            <a:ext cx="494280" cy="302760"/>
           </a:xfrm>
           <a:prstGeom prst="rect">
             <a:avLst/>
@@ -4748,7 +4616,7 @@
               </a:spcBef>
               <a:buNone/>
             </a:pPr>
-            <a:fld id="{3954BFE4-12AB-47D8-886A-572B1ED04B47}" type="slidenum">
+            <a:fld id="{5778C612-C0FB-41A5-8ECB-276256C3BC9A}" type="slidenum">
               <a:rPr b="0" lang="en-US" sz="1400" spc="-1" strike="noStrike">
                 <a:solidFill>
                   <a:srgbClr val="000000"/>
@@ -4773,7 +4641,7 @@
         <p:spPr>
           <a:xfrm>
             <a:off x="8477280" y="6381720"/>
-            <a:ext cx="475560" cy="304200"/>
+            <a:ext cx="475200" cy="303840"/>
           </a:xfrm>
           <a:prstGeom prst="rect">
             <a:avLst/>
@@ -4803,7 +4671,7 @@
         <p:spPr>
           <a:xfrm>
             <a:off x="-33480" y="250920"/>
-            <a:ext cx="1442520" cy="624600"/>
+            <a:ext cx="1442160" cy="624240"/>
           </a:xfrm>
           <a:prstGeom prst="rect">
             <a:avLst/>
@@ -4821,8 +4689,8 @@
         </p:nvSpPr>
         <p:spPr>
           <a:xfrm flipH="1" rot="5400000">
-            <a:off x="9013320" y="4061520"/>
-            <a:ext cx="30960" cy="75600"/>
+            <a:off x="9012600" y="4061880"/>
+            <a:ext cx="30600" cy="75240"/>
           </a:xfrm>
           <a:prstGeom prst="rtTriangle">
             <a:avLst/>
@@ -4849,10 +4717,10 @@
         </p:nvGrpSpPr>
         <p:grpSpPr>
           <a:xfrm>
-            <a:off x="1094760" y="1876320"/>
-            <a:ext cx="7771680" cy="4113720"/>
-            <a:chOff x="1094760" y="1876320"/>
-            <a:chExt cx="7771680" cy="4113720"/>
+            <a:off x="1094400" y="1876320"/>
+            <a:ext cx="7771320" cy="4113000"/>
+            <a:chOff x="1094400" y="1876320"/>
+            <a:chExt cx="7771320" cy="4113000"/>
           </a:xfrm>
         </p:grpSpPr>
         <p:sp>
@@ -4863,8 +4731,8 @@
           </p:nvSpPr>
           <p:spPr>
             <a:xfrm flipH="1" flipV="1">
-              <a:off x="1094760" y="5838120"/>
-              <a:ext cx="7390800" cy="75600"/>
+              <a:off x="1094040" y="5837400"/>
+              <a:ext cx="7390440" cy="75240"/>
             </a:xfrm>
             <a:prstGeom prst="rect">
               <a:avLst/>
@@ -4891,8 +4759,8 @@
           </p:nvSpPr>
           <p:spPr>
             <a:xfrm flipH="1" flipV="1">
-              <a:off x="1094760" y="5914440"/>
-              <a:ext cx="7771680" cy="75600"/>
+              <a:off x="1094040" y="5913720"/>
+              <a:ext cx="7771320" cy="75240"/>
             </a:xfrm>
             <a:prstGeom prst="rect">
               <a:avLst/>
@@ -4919,8 +4787,8 @@
           </p:nvSpPr>
           <p:spPr>
             <a:xfrm flipH="1" flipV="1">
-              <a:off x="8790840" y="5914440"/>
-              <a:ext cx="75600" cy="75600"/>
+              <a:off x="8790120" y="5913720"/>
+              <a:ext cx="75240" cy="75240"/>
             </a:xfrm>
             <a:prstGeom prst="rtTriangle">
               <a:avLst/>
@@ -4950,8 +4818,8 @@
           </p:nvSpPr>
           <p:spPr>
             <a:xfrm flipH="1" flipV="1">
-              <a:off x="8414640" y="5838120"/>
-              <a:ext cx="75600" cy="75600"/>
+              <a:off x="8413920" y="5837400"/>
+              <a:ext cx="75240" cy="75240"/>
             </a:xfrm>
             <a:prstGeom prst="rtTriangle">
               <a:avLst/>
@@ -4978,8 +4846,8 @@
           </p:nvSpPr>
           <p:spPr>
             <a:xfrm flipV="1" rot="5400000">
-              <a:off x="-312120" y="4356000"/>
-              <a:ext cx="3042360" cy="75600"/>
+              <a:off x="-311760" y="4356360"/>
+              <a:ext cx="3042000" cy="75240"/>
             </a:xfrm>
             <a:prstGeom prst="rect">
               <a:avLst/>
@@ -5006,8 +4874,8 @@
           </p:nvSpPr>
           <p:spPr>
             <a:xfrm flipV="1" rot="5400000">
-              <a:off x="-466560" y="4276800"/>
-              <a:ext cx="3199680" cy="75600"/>
+              <a:off x="-466560" y="4276440"/>
+              <a:ext cx="3199320" cy="75240"/>
             </a:xfrm>
             <a:prstGeom prst="rect">
               <a:avLst/>
@@ -5034,8 +4902,8 @@
           </p:nvSpPr>
           <p:spPr>
             <a:xfrm flipV="1" rot="5400000">
-              <a:off x="1117800" y="2692440"/>
-              <a:ext cx="30960" cy="75600"/>
+              <a:off x="1117800" y="2692080"/>
+              <a:ext cx="30600" cy="75240"/>
             </a:xfrm>
             <a:prstGeom prst="rtTriangle">
               <a:avLst/>
@@ -5065,8 +4933,8 @@
           </p:nvSpPr>
           <p:spPr>
             <a:xfrm flipV="1" rot="5400000">
-              <a:off x="1193760" y="2844720"/>
-              <a:ext cx="30960" cy="75600"/>
+              <a:off x="1193760" y="2844360"/>
+              <a:ext cx="30600" cy="75240"/>
             </a:xfrm>
             <a:prstGeom prst="rtTriangle">
               <a:avLst/>
@@ -5153,7 +5021,7 @@
         <p:spPr>
           <a:xfrm>
             <a:off x="8524800" y="6429240"/>
-            <a:ext cx="475560" cy="302760"/>
+            <a:ext cx="475200" cy="302760"/>
           </a:xfrm>
           <a:prstGeom prst="rect">
             <a:avLst/>
@@ -5183,7 +5051,7 @@
               </a:spcBef>
               <a:buNone/>
             </a:pPr>
-            <a:fld id="{FE81AD21-0568-47B9-B00B-24BAD273993B}" type="slidenum">
+            <a:fld id="{771D07EE-8FAD-44BF-A0E1-91F4F4CE57C0}" type="slidenum">
               <a:rPr b="0" lang="en-US" sz="1400" spc="-1" strike="noStrike">
                 <a:solidFill>
                   <a:srgbClr val="000000"/>
@@ -5211,8 +5079,8 @@
         </p:nvSpPr>
         <p:spPr>
           <a:xfrm>
-            <a:off x="1371600" y="152280"/>
-            <a:ext cx="7543080" cy="791280"/>
+            <a:off x="457200" y="273600"/>
+            <a:ext cx="8228880" cy="1144440"/>
           </a:xfrm>
           <a:prstGeom prst="rect">
             <a:avLst/>
@@ -5252,7 +5120,7 @@
         <p:spPr>
           <a:xfrm>
             <a:off x="457200" y="1604520"/>
-            <a:ext cx="8229240" cy="3977280"/>
+            <a:ext cx="8228880" cy="3976920"/>
           </a:xfrm>
           <a:prstGeom prst="rect">
             <a:avLst/>
@@ -5279,12 +5147,12 @@
               <a:buChar char=""/>
             </a:pPr>
             <a:r>
-              <a:rPr b="0" lang="en-US" sz="3200" spc="-1" strike="noStrike">
+              <a:rPr b="0" lang="en-US" sz="1800" spc="-1" strike="noStrike">
                 <a:latin typeface="Arial"/>
               </a:rPr>
               <a:t>Click to edit the outline text format</a:t>
             </a:r>
-            <a:endParaRPr b="0" lang="en-US" sz="3200" spc="-1" strike="noStrike">
+            <a:endParaRPr b="0" lang="en-US" sz="1800" spc="-1" strike="noStrike">
               <a:latin typeface="Arial"/>
             </a:endParaRPr>
           </a:p>
@@ -5301,12 +5169,12 @@
               <a:buChar char=""/>
             </a:pPr>
             <a:r>
-              <a:rPr b="0" lang="en-US" sz="2800" spc="-1" strike="noStrike">
+              <a:rPr b="0" lang="en-US" sz="1800" spc="-1" strike="noStrike">
                 <a:latin typeface="Arial"/>
               </a:rPr>
               <a:t>Second Outline Level</a:t>
             </a:r>
-            <a:endParaRPr b="0" lang="en-US" sz="2800" spc="-1" strike="noStrike">
+            <a:endParaRPr b="0" lang="en-US" sz="1800" spc="-1" strike="noStrike">
               <a:latin typeface="Arial"/>
             </a:endParaRPr>
           </a:p>
@@ -5323,12 +5191,12 @@
               <a:buChar char=""/>
             </a:pPr>
             <a:r>
-              <a:rPr b="0" lang="en-US" sz="2400" spc="-1" strike="noStrike">
+              <a:rPr b="0" lang="en-US" sz="1800" spc="-1" strike="noStrike">
                 <a:latin typeface="Arial"/>
               </a:rPr>
               <a:t>Third Outline Level</a:t>
             </a:r>
-            <a:endParaRPr b="0" lang="en-US" sz="2400" spc="-1" strike="noStrike">
+            <a:endParaRPr b="0" lang="en-US" sz="1800" spc="-1" strike="noStrike">
               <a:latin typeface="Arial"/>
             </a:endParaRPr>
           </a:p>
@@ -5345,12 +5213,12 @@
               <a:buChar char=""/>
             </a:pPr>
             <a:r>
-              <a:rPr b="0" lang="en-US" sz="2000" spc="-1" strike="noStrike">
+              <a:rPr b="0" lang="en-US" sz="1800" spc="-1" strike="noStrike">
                 <a:latin typeface="Arial"/>
               </a:rPr>
               <a:t>Fourth Outline Level</a:t>
             </a:r>
-            <a:endParaRPr b="0" lang="en-US" sz="2000" spc="-1" strike="noStrike">
+            <a:endParaRPr b="0" lang="en-US" sz="1800" spc="-1" strike="noStrike">
               <a:latin typeface="Arial"/>
             </a:endParaRPr>
           </a:p>
@@ -5367,12 +5235,12 @@
               <a:buChar char=""/>
             </a:pPr>
             <a:r>
-              <a:rPr b="0" lang="en-US" sz="2000" spc="-1" strike="noStrike">
+              <a:rPr b="0" lang="en-US" sz="1800" spc="-1" strike="noStrike">
                 <a:latin typeface="Arial"/>
               </a:rPr>
               <a:t>Fifth Outline Level</a:t>
             </a:r>
-            <a:endParaRPr b="0" lang="en-US" sz="2000" spc="-1" strike="noStrike">
+            <a:endParaRPr b="0" lang="en-US" sz="1800" spc="-1" strike="noStrike">
               <a:latin typeface="Arial"/>
             </a:endParaRPr>
           </a:p>
@@ -5389,12 +5257,12 @@
               <a:buChar char=""/>
             </a:pPr>
             <a:r>
-              <a:rPr b="0" lang="en-US" sz="2000" spc="-1" strike="noStrike">
+              <a:rPr b="0" lang="en-US" sz="1800" spc="-1" strike="noStrike">
                 <a:latin typeface="Arial"/>
               </a:rPr>
               <a:t>Sixth Outline Level</a:t>
             </a:r>
-            <a:endParaRPr b="0" lang="en-US" sz="2000" spc="-1" strike="noStrike">
+            <a:endParaRPr b="0" lang="en-US" sz="1800" spc="-1" strike="noStrike">
               <a:latin typeface="Arial"/>
             </a:endParaRPr>
           </a:p>
@@ -5411,12 +5279,12 @@
               <a:buChar char=""/>
             </a:pPr>
             <a:r>
-              <a:rPr b="0" lang="en-US" sz="2000" spc="-1" strike="noStrike">
+              <a:rPr b="0" lang="en-US" sz="1800" spc="-1" strike="noStrike">
                 <a:latin typeface="Arial"/>
               </a:rPr>
               <a:t>Seventh Outline Level</a:t>
             </a:r>
-            <a:endParaRPr b="0" lang="en-US" sz="2000" spc="-1" strike="noStrike">
+            <a:endParaRPr b="0" lang="en-US" sz="1800" spc="-1" strike="noStrike">
               <a:latin typeface="Arial"/>
             </a:endParaRPr>
           </a:p>
@@ -5475,9 +5343,9 @@
         <p:grpSpPr>
           <a:xfrm>
             <a:off x="1371600" y="990720"/>
-            <a:ext cx="7771680" cy="151560"/>
+            <a:ext cx="7771320" cy="151200"/>
             <a:chOff x="1371600" y="990720"/>
-            <a:chExt cx="7771680" cy="151560"/>
+            <a:chExt cx="7771320" cy="151200"/>
           </a:xfrm>
         </p:grpSpPr>
         <p:sp>
@@ -5489,7 +5357,7 @@
           <p:spPr>
             <a:xfrm>
               <a:off x="1752480" y="1066680"/>
-              <a:ext cx="7390800" cy="75600"/>
+              <a:ext cx="7390440" cy="75240"/>
             </a:xfrm>
             <a:prstGeom prst="rect">
               <a:avLst/>
@@ -5517,7 +5385,7 @@
           <p:spPr>
             <a:xfrm>
               <a:off x="1371600" y="990720"/>
-              <a:ext cx="7771680" cy="75600"/>
+              <a:ext cx="7771320" cy="75240"/>
             </a:xfrm>
             <a:prstGeom prst="rect">
               <a:avLst/>
@@ -5545,7 +5413,7 @@
           <p:spPr>
             <a:xfrm>
               <a:off x="1371600" y="990720"/>
-              <a:ext cx="75600" cy="75600"/>
+              <a:ext cx="75240" cy="75240"/>
             </a:xfrm>
             <a:prstGeom prst="rtTriangle">
               <a:avLst/>
@@ -5576,7 +5444,7 @@
           <p:spPr>
             <a:xfrm>
               <a:off x="1752480" y="1066680"/>
-              <a:ext cx="75600" cy="75600"/>
+              <a:ext cx="75240" cy="75240"/>
             </a:xfrm>
             <a:prstGeom prst="rtTriangle">
               <a:avLst/>
@@ -5604,8 +5472,8 @@
         </p:nvSpPr>
         <p:spPr>
           <a:xfrm rot="16200000">
-            <a:off x="8839080" y="1143720"/>
-            <a:ext cx="456480" cy="151560"/>
+            <a:off x="8839080" y="1144080"/>
+            <a:ext cx="456120" cy="151200"/>
           </a:xfrm>
           <a:prstGeom prst="rect">
             <a:avLst/>
@@ -5632,8 +5500,8 @@
         </p:nvSpPr>
         <p:spPr>
           <a:xfrm flipH="1" rot="5400000">
-            <a:off x="7507440" y="2550960"/>
-            <a:ext cx="3042360" cy="75600"/>
+            <a:off x="7506720" y="2551320"/>
+            <a:ext cx="3042000" cy="75240"/>
           </a:xfrm>
           <a:prstGeom prst="rect">
             <a:avLst/>
@@ -5660,8 +5528,8 @@
         </p:nvSpPr>
         <p:spPr>
           <a:xfrm flipH="1" rot="5400000">
-            <a:off x="7504920" y="2629440"/>
-            <a:ext cx="3199680" cy="75600"/>
+            <a:off x="7504200" y="2629800"/>
+            <a:ext cx="3199320" cy="75240"/>
           </a:xfrm>
           <a:prstGeom prst="rect">
             <a:avLst/>
@@ -5688,8 +5556,8 @@
         </p:nvSpPr>
         <p:spPr>
           <a:xfrm flipH="1" rot="5400000">
-            <a:off x="9089280" y="4213800"/>
-            <a:ext cx="30960" cy="75600"/>
+            <a:off x="9088560" y="4214160"/>
+            <a:ext cx="30600" cy="75240"/>
           </a:xfrm>
           <a:prstGeom prst="rtTriangle">
             <a:avLst/>
@@ -5719,8 +5587,8 @@
         </p:nvSpPr>
         <p:spPr>
           <a:xfrm flipH="1" rot="5400000">
-            <a:off x="9013320" y="4061520"/>
-            <a:ext cx="30960" cy="75600"/>
+            <a:off x="9012600" y="4061880"/>
+            <a:ext cx="30600" cy="75240"/>
           </a:xfrm>
           <a:prstGeom prst="rtTriangle">
             <a:avLst/>
@@ -5806,7 +5674,7 @@
         <p:spPr>
           <a:xfrm>
             <a:off x="0" y="6553080"/>
-            <a:ext cx="1180440" cy="304200"/>
+            <a:ext cx="1180080" cy="303840"/>
           </a:xfrm>
           <a:prstGeom prst="rect">
             <a:avLst/>
@@ -5858,7 +5726,7 @@
         <p:spPr>
           <a:xfrm>
             <a:off x="8534520" y="6429240"/>
-            <a:ext cx="494640" cy="302760"/>
+            <a:ext cx="494280" cy="302760"/>
           </a:xfrm>
           <a:prstGeom prst="rect">
             <a:avLst/>
@@ -5888,7 +5756,7 @@
               </a:spcBef>
               <a:buNone/>
             </a:pPr>
-            <a:fld id="{3A913740-9F68-4E1E-9CAD-013C538B1133}" type="slidenum">
+            <a:fld id="{D93A0973-05CC-4B72-B1F7-DADFAFC919E5}" type="slidenum">
               <a:rPr b="0" lang="en-US" sz="1400" spc="-1" strike="noStrike">
                 <a:solidFill>
                   <a:srgbClr val="000000"/>
@@ -5913,7 +5781,7 @@
         <p:spPr>
           <a:xfrm>
             <a:off x="8477280" y="6381720"/>
-            <a:ext cx="475560" cy="304200"/>
+            <a:ext cx="475200" cy="303840"/>
           </a:xfrm>
           <a:prstGeom prst="rect">
             <a:avLst/>
@@ -5943,7 +5811,7 @@
         <p:spPr>
           <a:xfrm>
             <a:off x="-33480" y="250920"/>
-            <a:ext cx="1442520" cy="624600"/>
+            <a:ext cx="1442160" cy="624240"/>
           </a:xfrm>
           <a:prstGeom prst="rect">
             <a:avLst/>
@@ -5966,7 +5834,7 @@
         <p:spPr>
           <a:xfrm>
             <a:off x="3213000" y="6505560"/>
-            <a:ext cx="2894760" cy="285120"/>
+            <a:ext cx="2894400" cy="284760"/>
           </a:xfrm>
           <a:prstGeom prst="rect">
             <a:avLst/>
@@ -6288,7 +6156,7 @@
         <p:spPr>
           <a:xfrm>
             <a:off x="804960" y="4202280"/>
-            <a:ext cx="183600" cy="396000"/>
+            <a:ext cx="183240" cy="395640"/>
           </a:xfrm>
           <a:prstGeom prst="rect">
             <a:avLst/>
@@ -6314,7 +6182,7 @@
         <p:spPr>
           <a:xfrm>
             <a:off x="738360" y="5105520"/>
-            <a:ext cx="183600" cy="396000"/>
+            <a:ext cx="183240" cy="395640"/>
           </a:xfrm>
           <a:prstGeom prst="rect">
             <a:avLst/>
@@ -6340,7 +6208,7 @@
         <p:spPr>
           <a:xfrm>
             <a:off x="912240" y="6355800"/>
-            <a:ext cx="181080" cy="699120"/>
+            <a:ext cx="180720" cy="699120"/>
           </a:xfrm>
           <a:prstGeom prst="rect">
             <a:avLst/>
@@ -6397,7 +6265,7 @@
         <p:spPr>
           <a:xfrm>
             <a:off x="1222920" y="5194080"/>
-            <a:ext cx="7920360" cy="646920"/>
+            <a:ext cx="7920000" cy="646560"/>
           </a:xfrm>
           <a:prstGeom prst="rect">
             <a:avLst/>
@@ -6453,7 +6321,7 @@
         <p:spPr>
           <a:xfrm>
             <a:off x="1296360" y="1906920"/>
-            <a:ext cx="7846920" cy="1469160"/>
+            <a:ext cx="7846560" cy="1468800"/>
           </a:xfrm>
           <a:prstGeom prst="rect">
             <a:avLst/>
@@ -6553,7 +6421,7 @@
         <p:spPr>
           <a:xfrm>
             <a:off x="-37800" y="241920"/>
-            <a:ext cx="1494000" cy="646920"/>
+            <a:ext cx="1493640" cy="646560"/>
           </a:xfrm>
           <a:prstGeom prst="rect">
             <a:avLst/>
@@ -6566,27 +6434,39 @@
       <p:sp>
         <p:nvSpPr>
           <p:cNvPr id="134" name=""/>
-          <p:cNvSpPr txBox="1"/>
+          <p:cNvSpPr/>
           <p:nvPr/>
         </p:nvSpPr>
         <p:spPr>
           <a:xfrm>
             <a:off x="4583160" y="3886200"/>
-            <a:ext cx="2274840" cy="883080"/>
-          </a:xfrm>
-          <a:prstGeom prst="rect">
-            <a:avLst/>
-          </a:prstGeom>
-          <a:noFill/>
-          <a:ln w="0">
-            <a:noFill/>
-          </a:ln>
-        </p:spPr>
+            <a:ext cx="2274480" cy="882720"/>
+          </a:xfrm>
+          <a:prstGeom prst="rect">
+            <a:avLst/>
+          </a:prstGeom>
+          <a:noFill/>
+          <a:ln w="0">
+            <a:noFill/>
+          </a:ln>
+        </p:spPr>
+        <p:style>
+          <a:lnRef idx="0"/>
+          <a:fillRef idx="0"/>
+          <a:effectRef idx="0"/>
+          <a:fontRef idx="minor"/>
+        </p:style>
         <p:txBody>
           <a:bodyPr lIns="90000" rIns="90000" tIns="45000" bIns="45000" anchor="t">
             <a:noAutofit/>
           </a:bodyPr>
           <a:p>
+            <a:pPr>
+              <a:lnSpc>
+                <a:spcPct val="100000"/>
+              </a:lnSpc>
+              <a:buNone/>
+            </a:pPr>
             <a:r>
               <a:rPr b="0" lang="es-ES" sz="2200" spc="-1" strike="noStrike">
                 <a:solidFill>
@@ -6646,7 +6526,7 @@
         <p:spPr>
           <a:xfrm>
             <a:off x="1371600" y="152280"/>
-            <a:ext cx="7543080" cy="791280"/>
+            <a:ext cx="7542720" cy="790920"/>
           </a:xfrm>
           <a:prstGeom prst="rect">
             <a:avLst/>
@@ -6694,8 +6574,8 @@
         </p:nvSpPr>
         <p:spPr>
           <a:xfrm>
-            <a:off x="373680" y="1190520"/>
-            <a:ext cx="8571960" cy="5299920"/>
+            <a:off x="373680" y="1154520"/>
+            <a:ext cx="8571600" cy="5299560"/>
           </a:xfrm>
           <a:prstGeom prst="rect">
             <a:avLst/>
@@ -6759,6 +6639,34 @@
                 <a:ea typeface="ＭＳ Ｐゴシック"/>
               </a:rPr>
               <a:t>ARM9 to control the two screens, the buttons (Left, Right, Up, Down, Start, A), send IPC messages to ARM7 to control sound.</a:t>
+            </a:r>
+            <a:endParaRPr b="0" lang="en-US" sz="1800" spc="-1" strike="noStrike">
+              <a:latin typeface="Arial"/>
+            </a:endParaRPr>
+          </a:p>
+          <a:p>
+            <a:pPr lvl="1" marL="740880" indent="-284040">
+              <a:lnSpc>
+                <a:spcPct val="100000"/>
+              </a:lnSpc>
+              <a:spcBef>
+                <a:spcPts val="360"/>
+              </a:spcBef>
+              <a:buClr>
+                <a:srgbClr val="669998"/>
+              </a:buClr>
+              <a:buFont typeface="Wingdings" charset="2"/>
+              <a:buChar char=""/>
+            </a:pPr>
+            <a:r>
+              <a:rPr b="0" lang="en-US" sz="1800" spc="-1" strike="noStrike">
+                <a:solidFill>
+                  <a:srgbClr val="000000"/>
+                </a:solidFill>
+                <a:latin typeface="Arial"/>
+                <a:ea typeface="ＭＳ Ｐゴシック"/>
+              </a:rPr>
+              <a:t>ARM7 for audio, touchscreen and Wi-Fi.</a:t>
             </a:r>
             <a:endParaRPr b="0" lang="en-US" sz="1800" spc="-1" strike="noStrike">
               <a:latin typeface="Arial"/>
@@ -7006,7 +6914,7 @@
                 <a:latin typeface="Arial"/>
                 <a:ea typeface="ＭＳ Ｐゴシック"/>
               </a:rPr>
-              <a:t>Controlling the top game board actions:</a:t>
+              <a:t>Controlling the top game board actions (interrupts):</a:t>
             </a:r>
             <a:endParaRPr b="0" lang="en-US" sz="1800" spc="-1" strike="noStrike">
               <a:latin typeface="Arial"/>
@@ -7070,37 +6978,7 @@
                 <a:latin typeface="Arial"/>
                 <a:ea typeface="ＭＳ Ｐゴシック"/>
               </a:rPr>
-              <a:t>A = Place cell                Start = Begin + End + Restart game</a:t>
-            </a:r>
-            <a:endParaRPr b="0" lang="en-US" sz="1800" spc="-1" strike="noStrike">
-              <a:latin typeface="Arial"/>
-            </a:endParaRPr>
-          </a:p>
-          <a:p>
-            <a:pPr lvl="1" marL="740880" indent="-284040">
-              <a:lnSpc>
-                <a:spcPct val="100000"/>
-              </a:lnSpc>
-              <a:spcBef>
-                <a:spcPts val="360"/>
-              </a:spcBef>
-              <a:buClr>
-                <a:srgbClr val="669998"/>
-              </a:buClr>
-              <a:buFont typeface="Wingdings" charset="2"/>
-              <a:buChar char=""/>
-              <a:tabLst>
-                <a:tab algn="l" pos="0"/>
-              </a:tabLst>
-            </a:pPr>
-            <a:r>
-              <a:rPr b="0" lang="en-US" sz="1800" spc="-1" strike="noStrike">
-                <a:solidFill>
-                  <a:srgbClr val="000000"/>
-                </a:solidFill>
-                <a:latin typeface="Arial"/>
-              </a:rPr>
-              <a:t> </a:t>
+              <a:t>A</a:t>
             </a:r>
             <a:endParaRPr b="0" lang="en-US" sz="1800" spc="-1" strike="noStrike">
               <a:latin typeface="Arial"/>
@@ -7421,7 +7299,7 @@
         <p:spPr>
           <a:xfrm>
             <a:off x="1371600" y="152280"/>
-            <a:ext cx="7543080" cy="791280"/>
+            <a:ext cx="7542720" cy="790920"/>
           </a:xfrm>
           <a:prstGeom prst="rect">
             <a:avLst/>
@@ -7470,7 +7348,7 @@
         <p:spPr>
           <a:xfrm>
             <a:off x="373680" y="1190520"/>
-            <a:ext cx="8313120" cy="5299920"/>
+            <a:ext cx="8312760" cy="5299560"/>
           </a:xfrm>
           <a:prstGeom prst="rect">
             <a:avLst/>
@@ -8196,7 +8074,7 @@
         <p:spPr>
           <a:xfrm>
             <a:off x="1371600" y="152280"/>
-            <a:ext cx="7543080" cy="791280"/>
+            <a:ext cx="7542720" cy="790920"/>
           </a:xfrm>
           <a:prstGeom prst="rect">
             <a:avLst/>
@@ -8245,7 +8123,7 @@
         <p:spPr>
           <a:xfrm>
             <a:off x="373680" y="1190520"/>
-            <a:ext cx="8571960" cy="5299920"/>
+            <a:ext cx="8571600" cy="5299560"/>
           </a:xfrm>
           <a:prstGeom prst="rect">
             <a:avLst/>
@@ -8338,7 +8216,7 @@
         <p:spPr>
           <a:xfrm>
             <a:off x="2514600" y="2521440"/>
-            <a:ext cx="4566240" cy="3650760"/>
+            <a:ext cx="4565880" cy="3650400"/>
           </a:xfrm>
           <a:prstGeom prst="rect">
             <a:avLst/>
